--- a/Ministerio de salud-DEIS (Final).pptx
+++ b/Ministerio de salud-DEIS (Final).pptx
@@ -7,18 +7,19 @@
   <p:sldIdLst>
     <p:sldId id="256" r:id="rId2"/>
     <p:sldId id="258" r:id="rId3"/>
-    <p:sldId id="259" r:id="rId4"/>
-    <p:sldId id="260" r:id="rId5"/>
-    <p:sldId id="267" r:id="rId6"/>
-    <p:sldId id="269" r:id="rId7"/>
-    <p:sldId id="261" r:id="rId8"/>
-    <p:sldId id="262" r:id="rId9"/>
-    <p:sldId id="263" r:id="rId10"/>
-    <p:sldId id="264" r:id="rId11"/>
-    <p:sldId id="265" r:id="rId12"/>
-    <p:sldId id="266" r:id="rId13"/>
-    <p:sldId id="268" r:id="rId14"/>
-    <p:sldId id="270" r:id="rId15"/>
+    <p:sldId id="271" r:id="rId4"/>
+    <p:sldId id="259" r:id="rId5"/>
+    <p:sldId id="260" r:id="rId6"/>
+    <p:sldId id="267" r:id="rId7"/>
+    <p:sldId id="269" r:id="rId8"/>
+    <p:sldId id="261" r:id="rId9"/>
+    <p:sldId id="262" r:id="rId10"/>
+    <p:sldId id="263" r:id="rId11"/>
+    <p:sldId id="264" r:id="rId12"/>
+    <p:sldId id="265" r:id="rId13"/>
+    <p:sldId id="266" r:id="rId14"/>
+    <p:sldId id="268" r:id="rId15"/>
+    <p:sldId id="270" r:id="rId16"/>
   </p:sldIdLst>
   <p:sldSz cx="9144000" cy="6858000" type="screen4x3"/>
   <p:notesSz cx="6858000" cy="9144000"/>
@@ -967,6 +968,753 @@
     <dgm:fillClrLst meth="repeat">
       <a:schemeClr val="accent3">
         <a:tint val="40000"/>
+      </a:schemeClr>
+    </dgm:fillClrLst>
+    <dgm:linClrLst meth="repeat">
+      <a:schemeClr val="lt1"/>
+    </dgm:linClrLst>
+    <dgm:effectClrLst/>
+    <dgm:txLinClrLst/>
+    <dgm:txFillClrLst meth="repeat">
+      <a:schemeClr val="dk1"/>
+    </dgm:txFillClrLst>
+    <dgm:txEffectClrLst/>
+  </dgm:styleLbl>
+  <dgm:styleLbl name="revTx">
+    <dgm:fillClrLst meth="repeat">
+      <a:schemeClr val="lt1">
+        <a:alpha val="0"/>
+      </a:schemeClr>
+    </dgm:fillClrLst>
+    <dgm:linClrLst meth="repeat">
+      <a:schemeClr val="dk1">
+        <a:alpha val="0"/>
+      </a:schemeClr>
+    </dgm:linClrLst>
+    <dgm:effectClrLst/>
+    <dgm:txLinClrLst/>
+    <dgm:txFillClrLst meth="repeat">
+      <a:schemeClr val="tx1"/>
+    </dgm:txFillClrLst>
+    <dgm:txEffectClrLst/>
+  </dgm:styleLbl>
+</dgm:colorsDef>
+</file>
+
+<file path=ppt/diagrams/colors2.xml><?xml version="1.0" encoding="utf-8"?>
+<dgm:colorsDef xmlns:dgm="http://schemas.openxmlformats.org/drawingml/2006/diagram" xmlns:a="http://schemas.openxmlformats.org/drawingml/2006/main" uniqueId="urn:microsoft.com/office/officeart/2005/8/colors/accent1_2">
+  <dgm:title val=""/>
+  <dgm:desc val=""/>
+  <dgm:catLst>
+    <dgm:cat type="accent1" pri="11200"/>
+  </dgm:catLst>
+  <dgm:styleLbl name="node0">
+    <dgm:fillClrLst meth="repeat">
+      <a:schemeClr val="accent1"/>
+    </dgm:fillClrLst>
+    <dgm:linClrLst meth="repeat">
+      <a:schemeClr val="lt1"/>
+    </dgm:linClrLst>
+    <dgm:effectClrLst/>
+    <dgm:txLinClrLst/>
+    <dgm:txFillClrLst/>
+    <dgm:txEffectClrLst/>
+  </dgm:styleLbl>
+  <dgm:styleLbl name="alignNode1">
+    <dgm:fillClrLst meth="repeat">
+      <a:schemeClr val="accent1"/>
+    </dgm:fillClrLst>
+    <dgm:linClrLst meth="repeat">
+      <a:schemeClr val="accent1"/>
+    </dgm:linClrLst>
+    <dgm:effectClrLst/>
+    <dgm:txLinClrLst/>
+    <dgm:txFillClrLst/>
+    <dgm:txEffectClrLst/>
+  </dgm:styleLbl>
+  <dgm:styleLbl name="node1">
+    <dgm:fillClrLst meth="repeat">
+      <a:schemeClr val="accent1"/>
+    </dgm:fillClrLst>
+    <dgm:linClrLst meth="repeat">
+      <a:schemeClr val="lt1"/>
+    </dgm:linClrLst>
+    <dgm:effectClrLst/>
+    <dgm:txLinClrLst/>
+    <dgm:txFillClrLst/>
+    <dgm:txEffectClrLst/>
+  </dgm:styleLbl>
+  <dgm:styleLbl name="lnNode1">
+    <dgm:fillClrLst meth="repeat">
+      <a:schemeClr val="accent1"/>
+    </dgm:fillClrLst>
+    <dgm:linClrLst meth="repeat">
+      <a:schemeClr val="lt1"/>
+    </dgm:linClrLst>
+    <dgm:effectClrLst/>
+    <dgm:txLinClrLst/>
+    <dgm:txFillClrLst/>
+    <dgm:txEffectClrLst/>
+  </dgm:styleLbl>
+  <dgm:styleLbl name="vennNode1">
+    <dgm:fillClrLst meth="repeat">
+      <a:schemeClr val="accent1">
+        <a:alpha val="50000"/>
+      </a:schemeClr>
+    </dgm:fillClrLst>
+    <dgm:linClrLst meth="repeat">
+      <a:schemeClr val="lt1"/>
+    </dgm:linClrLst>
+    <dgm:effectClrLst/>
+    <dgm:txLinClrLst/>
+    <dgm:txFillClrLst/>
+    <dgm:txEffectClrLst/>
+  </dgm:styleLbl>
+  <dgm:styleLbl name="node2">
+    <dgm:fillClrLst meth="repeat">
+      <a:schemeClr val="accent1"/>
+    </dgm:fillClrLst>
+    <dgm:linClrLst meth="repeat">
+      <a:schemeClr val="lt1"/>
+    </dgm:linClrLst>
+    <dgm:effectClrLst/>
+    <dgm:txLinClrLst/>
+    <dgm:txFillClrLst/>
+    <dgm:txEffectClrLst/>
+  </dgm:styleLbl>
+  <dgm:styleLbl name="node3">
+    <dgm:fillClrLst meth="repeat">
+      <a:schemeClr val="accent1"/>
+    </dgm:fillClrLst>
+    <dgm:linClrLst meth="repeat">
+      <a:schemeClr val="lt1"/>
+    </dgm:linClrLst>
+    <dgm:effectClrLst/>
+    <dgm:txLinClrLst/>
+    <dgm:txFillClrLst/>
+    <dgm:txEffectClrLst/>
+  </dgm:styleLbl>
+  <dgm:styleLbl name="node4">
+    <dgm:fillClrLst meth="repeat">
+      <a:schemeClr val="accent1"/>
+    </dgm:fillClrLst>
+    <dgm:linClrLst meth="repeat">
+      <a:schemeClr val="lt1"/>
+    </dgm:linClrLst>
+    <dgm:effectClrLst/>
+    <dgm:txLinClrLst/>
+    <dgm:txFillClrLst/>
+    <dgm:txEffectClrLst/>
+  </dgm:styleLbl>
+  <dgm:styleLbl name="fgImgPlace1">
+    <dgm:fillClrLst meth="repeat">
+      <a:schemeClr val="accent1">
+        <a:tint val="50000"/>
+      </a:schemeClr>
+    </dgm:fillClrLst>
+    <dgm:linClrLst meth="repeat">
+      <a:schemeClr val="lt1"/>
+    </dgm:linClrLst>
+    <dgm:effectClrLst/>
+    <dgm:txLinClrLst/>
+    <dgm:txFillClrLst meth="repeat">
+      <a:schemeClr val="lt1"/>
+    </dgm:txFillClrLst>
+    <dgm:txEffectClrLst/>
+  </dgm:styleLbl>
+  <dgm:styleLbl name="alignImgPlace1">
+    <dgm:fillClrLst meth="repeat">
+      <a:schemeClr val="accent1">
+        <a:tint val="50000"/>
+      </a:schemeClr>
+    </dgm:fillClrLst>
+    <dgm:linClrLst meth="repeat">
+      <a:schemeClr val="lt1"/>
+    </dgm:linClrLst>
+    <dgm:effectClrLst/>
+    <dgm:txLinClrLst/>
+    <dgm:txFillClrLst meth="repeat">
+      <a:schemeClr val="lt1"/>
+    </dgm:txFillClrLst>
+    <dgm:txEffectClrLst/>
+  </dgm:styleLbl>
+  <dgm:styleLbl name="bgImgPlace1">
+    <dgm:fillClrLst meth="repeat">
+      <a:schemeClr val="accent1">
+        <a:tint val="50000"/>
+      </a:schemeClr>
+    </dgm:fillClrLst>
+    <dgm:linClrLst meth="repeat">
+      <a:schemeClr val="lt1"/>
+    </dgm:linClrLst>
+    <dgm:effectClrLst/>
+    <dgm:txLinClrLst/>
+    <dgm:txFillClrLst meth="repeat">
+      <a:schemeClr val="lt1"/>
+    </dgm:txFillClrLst>
+    <dgm:txEffectClrLst/>
+  </dgm:styleLbl>
+  <dgm:styleLbl name="sibTrans2D1">
+    <dgm:fillClrLst meth="repeat">
+      <a:schemeClr val="accent1">
+        <a:tint val="60000"/>
+      </a:schemeClr>
+    </dgm:fillClrLst>
+    <dgm:linClrLst meth="repeat">
+      <a:schemeClr val="accent1">
+        <a:tint val="60000"/>
+      </a:schemeClr>
+    </dgm:linClrLst>
+    <dgm:effectClrLst/>
+    <dgm:txLinClrLst/>
+    <dgm:txFillClrLst/>
+    <dgm:txEffectClrLst/>
+  </dgm:styleLbl>
+  <dgm:styleLbl name="fgSibTrans2D1">
+    <dgm:fillClrLst meth="repeat">
+      <a:schemeClr val="accent1">
+        <a:tint val="60000"/>
+      </a:schemeClr>
+    </dgm:fillClrLst>
+    <dgm:linClrLst meth="repeat">
+      <a:schemeClr val="accent1">
+        <a:tint val="60000"/>
+      </a:schemeClr>
+    </dgm:linClrLst>
+    <dgm:effectClrLst/>
+    <dgm:txLinClrLst/>
+    <dgm:txFillClrLst/>
+    <dgm:txEffectClrLst/>
+  </dgm:styleLbl>
+  <dgm:styleLbl name="bgSibTrans2D1">
+    <dgm:fillClrLst meth="repeat">
+      <a:schemeClr val="accent1">
+        <a:tint val="60000"/>
+      </a:schemeClr>
+    </dgm:fillClrLst>
+    <dgm:linClrLst meth="repeat">
+      <a:schemeClr val="accent1">
+        <a:tint val="60000"/>
+      </a:schemeClr>
+    </dgm:linClrLst>
+    <dgm:effectClrLst/>
+    <dgm:txLinClrLst/>
+    <dgm:txFillClrLst/>
+    <dgm:txEffectClrLst/>
+  </dgm:styleLbl>
+  <dgm:styleLbl name="sibTrans1D1">
+    <dgm:fillClrLst meth="repeat">
+      <a:schemeClr val="accent1"/>
+    </dgm:fillClrLst>
+    <dgm:linClrLst meth="repeat">
+      <a:schemeClr val="accent1"/>
+    </dgm:linClrLst>
+    <dgm:effectClrLst/>
+    <dgm:txLinClrLst/>
+    <dgm:txFillClrLst meth="repeat">
+      <a:schemeClr val="tx1"/>
+    </dgm:txFillClrLst>
+    <dgm:txEffectClrLst/>
+  </dgm:styleLbl>
+  <dgm:styleLbl name="callout">
+    <dgm:fillClrLst meth="repeat">
+      <a:schemeClr val="accent1"/>
+    </dgm:fillClrLst>
+    <dgm:linClrLst meth="repeat">
+      <a:schemeClr val="accent1">
+        <a:tint val="50000"/>
+      </a:schemeClr>
+    </dgm:linClrLst>
+    <dgm:effectClrLst/>
+    <dgm:txLinClrLst/>
+    <dgm:txFillClrLst meth="repeat">
+      <a:schemeClr val="tx1"/>
+    </dgm:txFillClrLst>
+    <dgm:txEffectClrLst/>
+  </dgm:styleLbl>
+  <dgm:styleLbl name="asst0">
+    <dgm:fillClrLst meth="repeat">
+      <a:schemeClr val="accent1"/>
+    </dgm:fillClrLst>
+    <dgm:linClrLst meth="repeat">
+      <a:schemeClr val="lt1"/>
+    </dgm:linClrLst>
+    <dgm:effectClrLst/>
+    <dgm:txLinClrLst/>
+    <dgm:txFillClrLst/>
+    <dgm:txEffectClrLst/>
+  </dgm:styleLbl>
+  <dgm:styleLbl name="asst1">
+    <dgm:fillClrLst meth="repeat">
+      <a:schemeClr val="accent1"/>
+    </dgm:fillClrLst>
+    <dgm:linClrLst meth="repeat">
+      <a:schemeClr val="lt1"/>
+    </dgm:linClrLst>
+    <dgm:effectClrLst/>
+    <dgm:txLinClrLst/>
+    <dgm:txFillClrLst/>
+    <dgm:txEffectClrLst/>
+  </dgm:styleLbl>
+  <dgm:styleLbl name="asst2">
+    <dgm:fillClrLst meth="repeat">
+      <a:schemeClr val="accent1"/>
+    </dgm:fillClrLst>
+    <dgm:linClrLst meth="repeat">
+      <a:schemeClr val="lt1"/>
+    </dgm:linClrLst>
+    <dgm:effectClrLst/>
+    <dgm:txLinClrLst/>
+    <dgm:txFillClrLst/>
+    <dgm:txEffectClrLst/>
+  </dgm:styleLbl>
+  <dgm:styleLbl name="asst3">
+    <dgm:fillClrLst meth="repeat">
+      <a:schemeClr val="accent1"/>
+    </dgm:fillClrLst>
+    <dgm:linClrLst meth="repeat">
+      <a:schemeClr val="lt1"/>
+    </dgm:linClrLst>
+    <dgm:effectClrLst/>
+    <dgm:txLinClrLst/>
+    <dgm:txFillClrLst/>
+    <dgm:txEffectClrLst/>
+  </dgm:styleLbl>
+  <dgm:styleLbl name="asst4">
+    <dgm:fillClrLst meth="repeat">
+      <a:schemeClr val="accent1"/>
+    </dgm:fillClrLst>
+    <dgm:linClrLst meth="repeat">
+      <a:schemeClr val="lt1"/>
+    </dgm:linClrLst>
+    <dgm:effectClrLst/>
+    <dgm:txLinClrLst/>
+    <dgm:txFillClrLst/>
+    <dgm:txEffectClrLst/>
+  </dgm:styleLbl>
+  <dgm:styleLbl name="parChTrans2D1">
+    <dgm:fillClrLst meth="repeat">
+      <a:schemeClr val="accent1">
+        <a:tint val="60000"/>
+      </a:schemeClr>
+    </dgm:fillClrLst>
+    <dgm:linClrLst meth="repeat">
+      <a:schemeClr val="accent1">
+        <a:tint val="60000"/>
+      </a:schemeClr>
+    </dgm:linClrLst>
+    <dgm:effectClrLst/>
+    <dgm:txLinClrLst/>
+    <dgm:txFillClrLst meth="repeat">
+      <a:schemeClr val="lt1"/>
+    </dgm:txFillClrLst>
+    <dgm:txEffectClrLst/>
+  </dgm:styleLbl>
+  <dgm:styleLbl name="parChTrans2D2">
+    <dgm:fillClrLst meth="repeat">
+      <a:schemeClr val="accent1"/>
+    </dgm:fillClrLst>
+    <dgm:linClrLst meth="repeat">
+      <a:schemeClr val="accent1"/>
+    </dgm:linClrLst>
+    <dgm:effectClrLst/>
+    <dgm:txLinClrLst/>
+    <dgm:txFillClrLst meth="repeat">
+      <a:schemeClr val="lt1"/>
+    </dgm:txFillClrLst>
+    <dgm:txEffectClrLst/>
+  </dgm:styleLbl>
+  <dgm:styleLbl name="parChTrans2D3">
+    <dgm:fillClrLst meth="repeat">
+      <a:schemeClr val="accent1"/>
+    </dgm:fillClrLst>
+    <dgm:linClrLst meth="repeat">
+      <a:schemeClr val="accent1"/>
+    </dgm:linClrLst>
+    <dgm:effectClrLst/>
+    <dgm:txLinClrLst/>
+    <dgm:txFillClrLst meth="repeat">
+      <a:schemeClr val="lt1"/>
+    </dgm:txFillClrLst>
+    <dgm:txEffectClrLst/>
+  </dgm:styleLbl>
+  <dgm:styleLbl name="parChTrans2D4">
+    <dgm:fillClrLst meth="repeat">
+      <a:schemeClr val="accent1"/>
+    </dgm:fillClrLst>
+    <dgm:linClrLst meth="repeat">
+      <a:schemeClr val="accent1"/>
+    </dgm:linClrLst>
+    <dgm:effectClrLst/>
+    <dgm:txLinClrLst/>
+    <dgm:txFillClrLst meth="repeat">
+      <a:schemeClr val="lt1"/>
+    </dgm:txFillClrLst>
+    <dgm:txEffectClrLst/>
+  </dgm:styleLbl>
+  <dgm:styleLbl name="parChTrans1D1">
+    <dgm:fillClrLst meth="repeat">
+      <a:schemeClr val="accent1"/>
+    </dgm:fillClrLst>
+    <dgm:linClrLst meth="repeat">
+      <a:schemeClr val="accent1">
+        <a:shade val="60000"/>
+      </a:schemeClr>
+    </dgm:linClrLst>
+    <dgm:effectClrLst/>
+    <dgm:txLinClrLst/>
+    <dgm:txFillClrLst meth="repeat">
+      <a:schemeClr val="tx1"/>
+    </dgm:txFillClrLst>
+    <dgm:txEffectClrLst/>
+  </dgm:styleLbl>
+  <dgm:styleLbl name="parChTrans1D2">
+    <dgm:fillClrLst meth="repeat">
+      <a:schemeClr val="accent1"/>
+    </dgm:fillClrLst>
+    <dgm:linClrLst meth="repeat">
+      <a:schemeClr val="accent1">
+        <a:shade val="60000"/>
+      </a:schemeClr>
+    </dgm:linClrLst>
+    <dgm:effectClrLst/>
+    <dgm:txLinClrLst/>
+    <dgm:txFillClrLst meth="repeat">
+      <a:schemeClr val="tx1"/>
+    </dgm:txFillClrLst>
+    <dgm:txEffectClrLst/>
+  </dgm:styleLbl>
+  <dgm:styleLbl name="parChTrans1D3">
+    <dgm:fillClrLst meth="repeat">
+      <a:schemeClr val="accent1"/>
+    </dgm:fillClrLst>
+    <dgm:linClrLst meth="repeat">
+      <a:schemeClr val="accent1">
+        <a:shade val="80000"/>
+      </a:schemeClr>
+    </dgm:linClrLst>
+    <dgm:effectClrLst/>
+    <dgm:txLinClrLst/>
+    <dgm:txFillClrLst meth="repeat">
+      <a:schemeClr val="tx1"/>
+    </dgm:txFillClrLst>
+    <dgm:txEffectClrLst/>
+  </dgm:styleLbl>
+  <dgm:styleLbl name="parChTrans1D4">
+    <dgm:fillClrLst meth="repeat">
+      <a:schemeClr val="accent1"/>
+    </dgm:fillClrLst>
+    <dgm:linClrLst meth="repeat">
+      <a:schemeClr val="accent1">
+        <a:shade val="80000"/>
+      </a:schemeClr>
+    </dgm:linClrLst>
+    <dgm:effectClrLst/>
+    <dgm:txLinClrLst/>
+    <dgm:txFillClrLst meth="repeat">
+      <a:schemeClr val="tx1"/>
+    </dgm:txFillClrLst>
+    <dgm:txEffectClrLst/>
+  </dgm:styleLbl>
+  <dgm:styleLbl name="fgAcc1">
+    <dgm:fillClrLst meth="repeat">
+      <a:schemeClr val="lt1">
+        <a:alpha val="90000"/>
+      </a:schemeClr>
+    </dgm:fillClrLst>
+    <dgm:linClrLst meth="repeat">
+      <a:schemeClr val="accent1"/>
+    </dgm:linClrLst>
+    <dgm:effectClrLst/>
+    <dgm:txLinClrLst/>
+    <dgm:txFillClrLst meth="repeat">
+      <a:schemeClr val="dk1"/>
+    </dgm:txFillClrLst>
+    <dgm:txEffectClrLst/>
+  </dgm:styleLbl>
+  <dgm:styleLbl name="conFgAcc1">
+    <dgm:fillClrLst meth="repeat">
+      <a:schemeClr val="lt1">
+        <a:alpha val="90000"/>
+      </a:schemeClr>
+    </dgm:fillClrLst>
+    <dgm:linClrLst meth="repeat">
+      <a:schemeClr val="accent1"/>
+    </dgm:linClrLst>
+    <dgm:effectClrLst/>
+    <dgm:txLinClrLst/>
+    <dgm:txFillClrLst meth="repeat">
+      <a:schemeClr val="dk1"/>
+    </dgm:txFillClrLst>
+    <dgm:txEffectClrLst/>
+  </dgm:styleLbl>
+  <dgm:styleLbl name="alignAcc1">
+    <dgm:fillClrLst meth="repeat">
+      <a:schemeClr val="lt1">
+        <a:alpha val="90000"/>
+      </a:schemeClr>
+    </dgm:fillClrLst>
+    <dgm:linClrLst meth="repeat">
+      <a:schemeClr val="accent1"/>
+    </dgm:linClrLst>
+    <dgm:effectClrLst/>
+    <dgm:txLinClrLst/>
+    <dgm:txFillClrLst meth="repeat">
+      <a:schemeClr val="dk1"/>
+    </dgm:txFillClrLst>
+    <dgm:txEffectClrLst/>
+  </dgm:styleLbl>
+  <dgm:styleLbl name="trAlignAcc1">
+    <dgm:fillClrLst meth="repeat">
+      <a:schemeClr val="lt1">
+        <a:alpha val="40000"/>
+      </a:schemeClr>
+    </dgm:fillClrLst>
+    <dgm:linClrLst meth="repeat">
+      <a:schemeClr val="accent1"/>
+    </dgm:linClrLst>
+    <dgm:effectClrLst/>
+    <dgm:txLinClrLst/>
+    <dgm:txFillClrLst meth="repeat">
+      <a:schemeClr val="dk1"/>
+    </dgm:txFillClrLst>
+    <dgm:txEffectClrLst/>
+  </dgm:styleLbl>
+  <dgm:styleLbl name="bgAcc1">
+    <dgm:fillClrLst meth="repeat">
+      <a:schemeClr val="lt1">
+        <a:alpha val="90000"/>
+      </a:schemeClr>
+    </dgm:fillClrLst>
+    <dgm:linClrLst meth="repeat">
+      <a:schemeClr val="accent1"/>
+    </dgm:linClrLst>
+    <dgm:effectClrLst/>
+    <dgm:txLinClrLst/>
+    <dgm:txFillClrLst meth="repeat">
+      <a:schemeClr val="dk1"/>
+    </dgm:txFillClrLst>
+    <dgm:txEffectClrLst/>
+  </dgm:styleLbl>
+  <dgm:styleLbl name="solidFgAcc1">
+    <dgm:fillClrLst meth="repeat">
+      <a:schemeClr val="lt1"/>
+    </dgm:fillClrLst>
+    <dgm:linClrLst meth="repeat">
+      <a:schemeClr val="accent1"/>
+    </dgm:linClrLst>
+    <dgm:effectClrLst/>
+    <dgm:txLinClrLst/>
+    <dgm:txFillClrLst meth="repeat">
+      <a:schemeClr val="dk1"/>
+    </dgm:txFillClrLst>
+    <dgm:txEffectClrLst/>
+  </dgm:styleLbl>
+  <dgm:styleLbl name="solidAlignAcc1">
+    <dgm:fillClrLst meth="repeat">
+      <a:schemeClr val="lt1"/>
+    </dgm:fillClrLst>
+    <dgm:linClrLst meth="repeat">
+      <a:schemeClr val="accent1"/>
+    </dgm:linClrLst>
+    <dgm:effectClrLst/>
+    <dgm:txLinClrLst/>
+    <dgm:txFillClrLst meth="repeat">
+      <a:schemeClr val="dk1"/>
+    </dgm:txFillClrLst>
+    <dgm:txEffectClrLst/>
+  </dgm:styleLbl>
+  <dgm:styleLbl name="solidBgAcc1">
+    <dgm:fillClrLst meth="repeat">
+      <a:schemeClr val="lt1"/>
+    </dgm:fillClrLst>
+    <dgm:linClrLst meth="repeat">
+      <a:schemeClr val="accent1"/>
+    </dgm:linClrLst>
+    <dgm:effectClrLst/>
+    <dgm:txLinClrLst/>
+    <dgm:txFillClrLst meth="repeat">
+      <a:schemeClr val="dk1"/>
+    </dgm:txFillClrLst>
+    <dgm:txEffectClrLst/>
+  </dgm:styleLbl>
+  <dgm:styleLbl name="fgAccFollowNode1">
+    <dgm:fillClrLst meth="repeat">
+      <a:schemeClr val="accent1">
+        <a:alpha val="90000"/>
+        <a:tint val="40000"/>
+      </a:schemeClr>
+    </dgm:fillClrLst>
+    <dgm:linClrLst meth="repeat">
+      <a:schemeClr val="accent1">
+        <a:alpha val="90000"/>
+        <a:tint val="40000"/>
+      </a:schemeClr>
+    </dgm:linClrLst>
+    <dgm:effectClrLst/>
+    <dgm:txLinClrLst/>
+    <dgm:txFillClrLst meth="repeat">
+      <a:schemeClr val="dk1"/>
+    </dgm:txFillClrLst>
+    <dgm:txEffectClrLst/>
+  </dgm:styleLbl>
+  <dgm:styleLbl name="alignAccFollowNode1">
+    <dgm:fillClrLst meth="repeat">
+      <a:schemeClr val="accent1">
+        <a:alpha val="90000"/>
+        <a:tint val="40000"/>
+      </a:schemeClr>
+    </dgm:fillClrLst>
+    <dgm:linClrLst meth="repeat">
+      <a:schemeClr val="accent1">
+        <a:alpha val="90000"/>
+        <a:tint val="40000"/>
+      </a:schemeClr>
+    </dgm:linClrLst>
+    <dgm:effectClrLst/>
+    <dgm:txLinClrLst/>
+    <dgm:txFillClrLst meth="repeat">
+      <a:schemeClr val="dk1"/>
+    </dgm:txFillClrLst>
+    <dgm:txEffectClrLst/>
+  </dgm:styleLbl>
+  <dgm:styleLbl name="bgAccFollowNode1">
+    <dgm:fillClrLst meth="repeat">
+      <a:schemeClr val="accent1">
+        <a:alpha val="90000"/>
+        <a:tint val="40000"/>
+      </a:schemeClr>
+    </dgm:fillClrLst>
+    <dgm:linClrLst meth="repeat">
+      <a:schemeClr val="accent1">
+        <a:alpha val="90000"/>
+        <a:tint val="40000"/>
+      </a:schemeClr>
+    </dgm:linClrLst>
+    <dgm:effectClrLst/>
+    <dgm:txLinClrLst/>
+    <dgm:txFillClrLst meth="repeat">
+      <a:schemeClr val="dk1"/>
+    </dgm:txFillClrLst>
+    <dgm:txEffectClrLst/>
+  </dgm:styleLbl>
+  <dgm:styleLbl name="fgAcc0">
+    <dgm:fillClrLst meth="repeat">
+      <a:schemeClr val="lt1">
+        <a:alpha val="90000"/>
+      </a:schemeClr>
+    </dgm:fillClrLst>
+    <dgm:linClrLst meth="repeat">
+      <a:schemeClr val="accent1"/>
+    </dgm:linClrLst>
+    <dgm:effectClrLst/>
+    <dgm:txLinClrLst/>
+    <dgm:txFillClrLst meth="repeat">
+      <a:schemeClr val="dk1"/>
+    </dgm:txFillClrLst>
+    <dgm:txEffectClrLst/>
+  </dgm:styleLbl>
+  <dgm:styleLbl name="fgAcc2">
+    <dgm:fillClrLst meth="repeat">
+      <a:schemeClr val="lt1">
+        <a:alpha val="90000"/>
+      </a:schemeClr>
+    </dgm:fillClrLst>
+    <dgm:linClrLst meth="repeat">
+      <a:schemeClr val="accent1"/>
+    </dgm:linClrLst>
+    <dgm:effectClrLst/>
+    <dgm:txLinClrLst/>
+    <dgm:txFillClrLst meth="repeat">
+      <a:schemeClr val="dk1"/>
+    </dgm:txFillClrLst>
+    <dgm:txEffectClrLst/>
+  </dgm:styleLbl>
+  <dgm:styleLbl name="fgAcc3">
+    <dgm:fillClrLst meth="repeat">
+      <a:schemeClr val="lt1">
+        <a:alpha val="90000"/>
+      </a:schemeClr>
+    </dgm:fillClrLst>
+    <dgm:linClrLst meth="repeat">
+      <a:schemeClr val="accent1"/>
+    </dgm:linClrLst>
+    <dgm:effectClrLst/>
+    <dgm:txLinClrLst/>
+    <dgm:txFillClrLst meth="repeat">
+      <a:schemeClr val="dk1"/>
+    </dgm:txFillClrLst>
+    <dgm:txEffectClrLst/>
+  </dgm:styleLbl>
+  <dgm:styleLbl name="fgAcc4">
+    <dgm:fillClrLst meth="repeat">
+      <a:schemeClr val="lt1">
+        <a:alpha val="90000"/>
+      </a:schemeClr>
+    </dgm:fillClrLst>
+    <dgm:linClrLst meth="repeat">
+      <a:schemeClr val="accent1"/>
+    </dgm:linClrLst>
+    <dgm:effectClrLst/>
+    <dgm:txLinClrLst/>
+    <dgm:txFillClrLst meth="repeat">
+      <a:schemeClr val="dk1"/>
+    </dgm:txFillClrLst>
+    <dgm:txEffectClrLst/>
+  </dgm:styleLbl>
+  <dgm:styleLbl name="bgShp">
+    <dgm:fillClrLst meth="repeat">
+      <a:schemeClr val="accent1">
+        <a:tint val="40000"/>
+      </a:schemeClr>
+    </dgm:fillClrLst>
+    <dgm:linClrLst meth="repeat">
+      <a:schemeClr val="accent1"/>
+    </dgm:linClrLst>
+    <dgm:effectClrLst/>
+    <dgm:txLinClrLst/>
+    <dgm:txFillClrLst meth="repeat">
+      <a:schemeClr val="dk1"/>
+    </dgm:txFillClrLst>
+    <dgm:txEffectClrLst/>
+  </dgm:styleLbl>
+  <dgm:styleLbl name="dkBgShp">
+    <dgm:fillClrLst meth="repeat">
+      <a:schemeClr val="accent1">
+        <a:shade val="80000"/>
+      </a:schemeClr>
+    </dgm:fillClrLst>
+    <dgm:linClrLst meth="repeat">
+      <a:schemeClr val="accent1"/>
+    </dgm:linClrLst>
+    <dgm:effectClrLst/>
+    <dgm:txLinClrLst/>
+    <dgm:txFillClrLst meth="repeat">
+      <a:schemeClr val="lt1"/>
+    </dgm:txFillClrLst>
+    <dgm:txEffectClrLst/>
+  </dgm:styleLbl>
+  <dgm:styleLbl name="trBgShp">
+    <dgm:fillClrLst meth="repeat">
+      <a:schemeClr val="accent1">
+        <a:tint val="50000"/>
+        <a:alpha val="40000"/>
+      </a:schemeClr>
+    </dgm:fillClrLst>
+    <dgm:linClrLst meth="repeat">
+      <a:schemeClr val="accent1"/>
+    </dgm:linClrLst>
+    <dgm:effectClrLst/>
+    <dgm:txLinClrLst/>
+    <dgm:txFillClrLst meth="repeat">
+      <a:schemeClr val="lt1"/>
+    </dgm:txFillClrLst>
+    <dgm:txEffectClrLst/>
+  </dgm:styleLbl>
+  <dgm:styleLbl name="fgShp">
+    <dgm:fillClrLst meth="repeat">
+      <a:schemeClr val="accent1">
+        <a:tint val="60000"/>
       </a:schemeClr>
     </dgm:fillClrLst>
     <dgm:linClrLst meth="repeat">
@@ -1208,6 +1956,402 @@
     <dgm:cxn modelId="{FE87067B-7CB8-42E7-85B7-6E7F09826701}" type="presParOf" srcId="{D8C54CFE-049D-4696-B36F-34A99E0A1033}" destId="{66878832-AE9E-4973-87ED-F7CA9FA29E76}" srcOrd="2" destOrd="0" presId="urn:microsoft.com/office/officeart/2005/8/layout/hProcess9"/>
     <dgm:cxn modelId="{ED7E9542-F7EE-4215-8BD8-78FC484296B7}" type="presParOf" srcId="{D8C54CFE-049D-4696-B36F-34A99E0A1033}" destId="{CF24909E-3C8E-4ADC-BB40-65DE650C429E}" srcOrd="3" destOrd="0" presId="urn:microsoft.com/office/officeart/2005/8/layout/hProcess9"/>
     <dgm:cxn modelId="{940361E2-2B5C-4941-9775-CB89852BFC25}" type="presParOf" srcId="{D8C54CFE-049D-4696-B36F-34A99E0A1033}" destId="{7DD8A03A-6C8E-4C40-AFE3-FAF344824885}" srcOrd="4" destOrd="0" presId="urn:microsoft.com/office/officeart/2005/8/layout/hProcess9"/>
+  </dgm:cxnLst>
+  <dgm:bg/>
+  <dgm:whole/>
+  <dgm:extLst>
+    <a:ext uri="http://schemas.microsoft.com/office/drawing/2008/diagram">
+      <dsp:dataModelExt xmlns:dsp="http://schemas.microsoft.com/office/drawing/2008/diagram" relId="rId9" minVer="http://schemas.openxmlformats.org/drawingml/2006/diagram"/>
+    </a:ext>
+  </dgm:extLst>
+</dgm:dataModel>
+</file>
+
+<file path=ppt/diagrams/data2.xml><?xml version="1.0" encoding="utf-8"?>
+<dgm:dataModel xmlns:dgm="http://schemas.openxmlformats.org/drawingml/2006/diagram" xmlns:a="http://schemas.openxmlformats.org/drawingml/2006/main">
+  <dgm:ptLst>
+    <dgm:pt modelId="{BD5F9691-F759-4760-9084-55BAF2B5B70C}" type="doc">
+      <dgm:prSet loTypeId="urn:microsoft.com/office/officeart/2005/8/layout/vList2" loCatId="list" qsTypeId="urn:microsoft.com/office/officeart/2005/8/quickstyle/simple1" qsCatId="simple" csTypeId="urn:microsoft.com/office/officeart/2005/8/colors/accent1_2" csCatId="accent1" phldr="1"/>
+      <dgm:spPr/>
+      <dgm:t>
+        <a:bodyPr/>
+        <a:lstStyle/>
+        <a:p>
+          <a:endParaRPr lang="es-CL"/>
+        </a:p>
+      </dgm:t>
+    </dgm:pt>
+    <dgm:pt modelId="{E31FF6BC-6D50-44F6-950C-FC5B573D6CF5}">
+      <dgm:prSet phldrT="[Texto]" custT="1"/>
+      <dgm:spPr/>
+      <dgm:t>
+        <a:bodyPr/>
+        <a:lstStyle/>
+        <a:p>
+          <a:r>
+            <a:rPr lang="es-CL" sz="3200" b="1" kern="1200" dirty="0" smtClean="0">
+              <a:solidFill>
+                <a:schemeClr val="tx1"/>
+              </a:solidFill>
+              <a:latin typeface="Agency FB" pitchFamily="34" charset="0"/>
+              <a:ea typeface="+mn-ea"/>
+              <a:cs typeface="+mn-cs"/>
+            </a:rPr>
+            <a:t>Objetivo Principal</a:t>
+          </a:r>
+          <a:endParaRPr lang="es-CL" sz="3200" b="1" kern="1200" dirty="0">
+            <a:solidFill>
+              <a:schemeClr val="tx1"/>
+            </a:solidFill>
+            <a:latin typeface="Agency FB" pitchFamily="34" charset="0"/>
+            <a:ea typeface="+mn-ea"/>
+            <a:cs typeface="+mn-cs"/>
+          </a:endParaRPr>
+        </a:p>
+      </dgm:t>
+    </dgm:pt>
+    <dgm:pt modelId="{77681ADE-31D1-4A3F-8F5A-90E0F1DA201F}" type="parTrans" cxnId="{BB4EB441-CF5A-4212-BC08-9BDFEA6276FF}">
+      <dgm:prSet/>
+      <dgm:spPr/>
+      <dgm:t>
+        <a:bodyPr/>
+        <a:lstStyle/>
+        <a:p>
+          <a:endParaRPr lang="es-CL"/>
+        </a:p>
+      </dgm:t>
+    </dgm:pt>
+    <dgm:pt modelId="{54ED06DD-CC18-4096-AEAD-7B933807F17E}" type="sibTrans" cxnId="{BB4EB441-CF5A-4212-BC08-9BDFEA6276FF}">
+      <dgm:prSet/>
+      <dgm:spPr/>
+      <dgm:t>
+        <a:bodyPr/>
+        <a:lstStyle/>
+        <a:p>
+          <a:endParaRPr lang="es-CL"/>
+        </a:p>
+      </dgm:t>
+    </dgm:pt>
+    <dgm:pt modelId="{041CE9BB-1D62-4108-A60A-763C68E9E4B9}">
+      <dgm:prSet phldrT="[Texto]"/>
+      <dgm:spPr/>
+      <dgm:t>
+        <a:bodyPr/>
+        <a:lstStyle/>
+        <a:p>
+          <a:r>
+            <a:rPr lang="es-CL" dirty="0" smtClean="0">
+              <a:solidFill>
+                <a:schemeClr val="tx1"/>
+              </a:solidFill>
+              <a:latin typeface="Agency FB" pitchFamily="34" charset="0"/>
+              <a:ea typeface="+mn-ea"/>
+              <a:cs typeface="+mn-cs"/>
+            </a:rPr>
+            <a:t>Extraer datos de accidentes laborales de la pagina web Deis.cl </a:t>
+          </a:r>
+          <a:endParaRPr lang="es-CL" dirty="0"/>
+        </a:p>
+      </dgm:t>
+    </dgm:pt>
+    <dgm:pt modelId="{75CC947E-C0C8-4228-A976-4AA17C59C38D}" type="parTrans" cxnId="{49D3FC7F-6A49-44A1-83EC-FD2757A5E191}">
+      <dgm:prSet/>
+      <dgm:spPr/>
+      <dgm:t>
+        <a:bodyPr/>
+        <a:lstStyle/>
+        <a:p>
+          <a:endParaRPr lang="es-CL"/>
+        </a:p>
+      </dgm:t>
+    </dgm:pt>
+    <dgm:pt modelId="{0AED5D78-9BB3-48B9-9136-F47A53128DD8}" type="sibTrans" cxnId="{49D3FC7F-6A49-44A1-83EC-FD2757A5E191}">
+      <dgm:prSet/>
+      <dgm:spPr/>
+      <dgm:t>
+        <a:bodyPr/>
+        <a:lstStyle/>
+        <a:p>
+          <a:endParaRPr lang="es-CL"/>
+        </a:p>
+      </dgm:t>
+    </dgm:pt>
+    <dgm:pt modelId="{C70D9C34-9948-4CB0-B91D-274406F933D2}">
+      <dgm:prSet phldrT="[Texto]" custT="1"/>
+      <dgm:spPr/>
+      <dgm:t>
+        <a:bodyPr/>
+        <a:lstStyle/>
+        <a:p>
+          <a:r>
+            <a:rPr lang="es-CL" sz="3200" b="1" kern="1200" dirty="0" smtClean="0">
+              <a:solidFill>
+                <a:schemeClr val="tx1"/>
+              </a:solidFill>
+              <a:latin typeface="Agency FB" pitchFamily="34" charset="0"/>
+              <a:ea typeface="+mn-ea"/>
+              <a:cs typeface="+mn-cs"/>
+            </a:rPr>
+            <a:t>Objetivo Especifico</a:t>
+          </a:r>
+          <a:endParaRPr lang="es-CL" sz="3200" b="1" kern="1200" dirty="0">
+            <a:solidFill>
+              <a:schemeClr val="tx1"/>
+            </a:solidFill>
+            <a:latin typeface="Agency FB" pitchFamily="34" charset="0"/>
+            <a:ea typeface="+mn-ea"/>
+            <a:cs typeface="+mn-cs"/>
+          </a:endParaRPr>
+        </a:p>
+      </dgm:t>
+    </dgm:pt>
+    <dgm:pt modelId="{33D43C3E-36C2-40B4-BA7F-03A366B9452A}" type="parTrans" cxnId="{9687320A-BC2C-4D29-A032-F5E59C01DD2E}">
+      <dgm:prSet/>
+      <dgm:spPr/>
+      <dgm:t>
+        <a:bodyPr/>
+        <a:lstStyle/>
+        <a:p>
+          <a:endParaRPr lang="es-CL"/>
+        </a:p>
+      </dgm:t>
+    </dgm:pt>
+    <dgm:pt modelId="{EADAC5B5-E7C3-4419-BDD2-CF7CDA01A3AF}" type="sibTrans" cxnId="{9687320A-BC2C-4D29-A032-F5E59C01DD2E}">
+      <dgm:prSet/>
+      <dgm:spPr/>
+      <dgm:t>
+        <a:bodyPr/>
+        <a:lstStyle/>
+        <a:p>
+          <a:endParaRPr lang="es-CL"/>
+        </a:p>
+      </dgm:t>
+    </dgm:pt>
+    <dgm:pt modelId="{536FBBCA-1825-494E-9DA0-5097357C26C1}">
+      <dgm:prSet phldrT="[Texto]"/>
+      <dgm:spPr/>
+      <dgm:t>
+        <a:bodyPr/>
+        <a:lstStyle/>
+        <a:p>
+          <a:r>
+            <a:rPr lang="es-CL" dirty="0" smtClean="0">
+              <a:solidFill>
+                <a:schemeClr val="tx1"/>
+              </a:solidFill>
+              <a:latin typeface="Agency FB" pitchFamily="34" charset="0"/>
+              <a:ea typeface="+mn-ea"/>
+              <a:cs typeface="+mn-cs"/>
+            </a:rPr>
+            <a:t>Poder generar con la información </a:t>
+          </a:r>
+          <a:r>
+            <a:rPr lang="es-CL" dirty="0" err="1" smtClean="0">
+              <a:solidFill>
+                <a:schemeClr val="tx1"/>
+              </a:solidFill>
+              <a:latin typeface="Agency FB" pitchFamily="34" charset="0"/>
+              <a:ea typeface="+mn-ea"/>
+              <a:cs typeface="+mn-cs"/>
+            </a:rPr>
+            <a:t>extraida</a:t>
+          </a:r>
+          <a:r>
+            <a:rPr lang="es-CL" dirty="0" smtClean="0">
+              <a:solidFill>
+                <a:schemeClr val="tx1"/>
+              </a:solidFill>
+              <a:latin typeface="Agency FB" pitchFamily="34" charset="0"/>
+              <a:ea typeface="+mn-ea"/>
+              <a:cs typeface="+mn-cs"/>
+            </a:rPr>
+            <a:t> modelos de regresión, que permitan identificar las principales causas de los accidentes laborales, que termina con muerte en un trabajador, lo que </a:t>
+          </a:r>
+          <a:r>
+            <a:rPr lang="es-CL" dirty="0" err="1" smtClean="0">
+              <a:solidFill>
+                <a:schemeClr val="tx1"/>
+              </a:solidFill>
+              <a:latin typeface="Agency FB" pitchFamily="34" charset="0"/>
+              <a:ea typeface="+mn-ea"/>
+              <a:cs typeface="+mn-cs"/>
+            </a:rPr>
+            <a:t>ayudaria</a:t>
+          </a:r>
+          <a:r>
+            <a:rPr lang="es-CL" dirty="0" smtClean="0">
+              <a:solidFill>
+                <a:schemeClr val="tx1"/>
+              </a:solidFill>
+              <a:latin typeface="Agency FB" pitchFamily="34" charset="0"/>
+              <a:ea typeface="+mn-ea"/>
+              <a:cs typeface="+mn-cs"/>
+            </a:rPr>
+            <a:t> principalmente a las mutuales de </a:t>
+          </a:r>
+          <a:r>
+            <a:rPr lang="es-CL" dirty="0" err="1" smtClean="0">
+              <a:solidFill>
+                <a:schemeClr val="tx1"/>
+              </a:solidFill>
+              <a:latin typeface="Agency FB" pitchFamily="34" charset="0"/>
+              <a:ea typeface="+mn-ea"/>
+              <a:cs typeface="+mn-cs"/>
+            </a:rPr>
+            <a:t>segurudad</a:t>
+          </a:r>
+          <a:r>
+            <a:rPr lang="es-CL" dirty="0" smtClean="0">
+              <a:solidFill>
+                <a:schemeClr val="tx1"/>
+              </a:solidFill>
+              <a:latin typeface="Agency FB" pitchFamily="34" charset="0"/>
+              <a:ea typeface="+mn-ea"/>
+              <a:cs typeface="+mn-cs"/>
+            </a:rPr>
+            <a:t> y </a:t>
+          </a:r>
+          <a:r>
+            <a:rPr lang="es-CL" smtClean="0">
+              <a:solidFill>
+                <a:schemeClr val="tx1"/>
+              </a:solidFill>
+              <a:latin typeface="Agency FB" pitchFamily="34" charset="0"/>
+              <a:ea typeface="+mn-ea"/>
+              <a:cs typeface="+mn-cs"/>
+            </a:rPr>
+            <a:t>a las </a:t>
+          </a:r>
+          <a:r>
+            <a:rPr lang="es-CL" dirty="0" smtClean="0">
+              <a:solidFill>
+                <a:schemeClr val="tx1"/>
+              </a:solidFill>
+              <a:latin typeface="Agency FB" pitchFamily="34" charset="0"/>
+              <a:ea typeface="+mn-ea"/>
+              <a:cs typeface="+mn-cs"/>
+            </a:rPr>
+            <a:t>empresas.</a:t>
+          </a:r>
+          <a:endParaRPr lang="es-CL" dirty="0">
+            <a:solidFill>
+              <a:schemeClr val="tx1"/>
+            </a:solidFill>
+            <a:latin typeface="Agency FB" pitchFamily="34" charset="0"/>
+            <a:ea typeface="+mn-ea"/>
+            <a:cs typeface="+mn-cs"/>
+          </a:endParaRPr>
+        </a:p>
+      </dgm:t>
+    </dgm:pt>
+    <dgm:pt modelId="{A335CA1E-9C2F-402B-A394-BF487A48355A}" type="parTrans" cxnId="{34B5B677-46AD-43E9-94A1-AE641C4872B5}">
+      <dgm:prSet/>
+      <dgm:spPr/>
+      <dgm:t>
+        <a:bodyPr/>
+        <a:lstStyle/>
+        <a:p>
+          <a:endParaRPr lang="es-CL"/>
+        </a:p>
+      </dgm:t>
+    </dgm:pt>
+    <dgm:pt modelId="{268E509A-E5A4-4E58-8DA3-FD34106B89F4}" type="sibTrans" cxnId="{34B5B677-46AD-43E9-94A1-AE641C4872B5}">
+      <dgm:prSet/>
+      <dgm:spPr/>
+      <dgm:t>
+        <a:bodyPr/>
+        <a:lstStyle/>
+        <a:p>
+          <a:endParaRPr lang="es-CL"/>
+        </a:p>
+      </dgm:t>
+    </dgm:pt>
+    <dgm:pt modelId="{0D0AE127-0DD7-4E22-BCA6-B4778FAF5D47}" type="pres">
+      <dgm:prSet presAssocID="{BD5F9691-F759-4760-9084-55BAF2B5B70C}" presName="linear" presStyleCnt="0">
+        <dgm:presLayoutVars>
+          <dgm:animLvl val="lvl"/>
+          <dgm:resizeHandles val="exact"/>
+        </dgm:presLayoutVars>
+      </dgm:prSet>
+      <dgm:spPr/>
+    </dgm:pt>
+    <dgm:pt modelId="{0679D8D7-A20D-40C8-A6E3-54744D1D8F8E}" type="pres">
+      <dgm:prSet presAssocID="{E31FF6BC-6D50-44F6-950C-FC5B573D6CF5}" presName="parentText" presStyleLbl="node1" presStyleIdx="0" presStyleCnt="2" custLinFactNeighborX="447" custLinFactNeighborY="311">
+        <dgm:presLayoutVars>
+          <dgm:chMax val="0"/>
+          <dgm:bulletEnabled val="1"/>
+        </dgm:presLayoutVars>
+      </dgm:prSet>
+      <dgm:spPr/>
+      <dgm:t>
+        <a:bodyPr/>
+        <a:lstStyle/>
+        <a:p>
+          <a:endParaRPr lang="es-CL"/>
+        </a:p>
+      </dgm:t>
+    </dgm:pt>
+    <dgm:pt modelId="{0953E015-D26E-4E3B-B9E5-37CFBB3C68C7}" type="pres">
+      <dgm:prSet presAssocID="{E31FF6BC-6D50-44F6-950C-FC5B573D6CF5}" presName="childText" presStyleLbl="revTx" presStyleIdx="0" presStyleCnt="2">
+        <dgm:presLayoutVars>
+          <dgm:bulletEnabled val="1"/>
+        </dgm:presLayoutVars>
+      </dgm:prSet>
+      <dgm:spPr/>
+      <dgm:t>
+        <a:bodyPr/>
+        <a:lstStyle/>
+        <a:p>
+          <a:endParaRPr lang="es-CL"/>
+        </a:p>
+      </dgm:t>
+    </dgm:pt>
+    <dgm:pt modelId="{317A2255-7D8C-4C59-84D7-B1D7BCD7E7FB}" type="pres">
+      <dgm:prSet presAssocID="{C70D9C34-9948-4CB0-B91D-274406F933D2}" presName="parentText" presStyleLbl="node1" presStyleIdx="1" presStyleCnt="2" custLinFactNeighborX="87" custLinFactNeighborY="-4074">
+        <dgm:presLayoutVars>
+          <dgm:chMax val="0"/>
+          <dgm:bulletEnabled val="1"/>
+        </dgm:presLayoutVars>
+      </dgm:prSet>
+      <dgm:spPr/>
+      <dgm:t>
+        <a:bodyPr/>
+        <a:lstStyle/>
+        <a:p>
+          <a:endParaRPr lang="es-CL"/>
+        </a:p>
+      </dgm:t>
+    </dgm:pt>
+    <dgm:pt modelId="{7C3CE679-9A6A-43D6-88DC-22B997945076}" type="pres">
+      <dgm:prSet presAssocID="{C70D9C34-9948-4CB0-B91D-274406F933D2}" presName="childText" presStyleLbl="revTx" presStyleIdx="1" presStyleCnt="2">
+        <dgm:presLayoutVars>
+          <dgm:bulletEnabled val="1"/>
+        </dgm:presLayoutVars>
+      </dgm:prSet>
+      <dgm:spPr/>
+      <dgm:t>
+        <a:bodyPr/>
+        <a:lstStyle/>
+        <a:p>
+          <a:endParaRPr lang="es-CL"/>
+        </a:p>
+      </dgm:t>
+    </dgm:pt>
+  </dgm:ptLst>
+  <dgm:cxnLst>
+    <dgm:cxn modelId="{49D3FC7F-6A49-44A1-83EC-FD2757A5E191}" srcId="{E31FF6BC-6D50-44F6-950C-FC5B573D6CF5}" destId="{041CE9BB-1D62-4108-A60A-763C68E9E4B9}" srcOrd="0" destOrd="0" parTransId="{75CC947E-C0C8-4228-A976-4AA17C59C38D}" sibTransId="{0AED5D78-9BB3-48B9-9136-F47A53128DD8}"/>
+    <dgm:cxn modelId="{6326A0A9-4A6B-4CFE-9244-3DF3F26523CA}" type="presOf" srcId="{E31FF6BC-6D50-44F6-950C-FC5B573D6CF5}" destId="{0679D8D7-A20D-40C8-A6E3-54744D1D8F8E}" srcOrd="0" destOrd="0" presId="urn:microsoft.com/office/officeart/2005/8/layout/vList2"/>
+    <dgm:cxn modelId="{862F4064-9494-4320-AAC8-40386BE857D0}" type="presOf" srcId="{041CE9BB-1D62-4108-A60A-763C68E9E4B9}" destId="{0953E015-D26E-4E3B-B9E5-37CFBB3C68C7}" srcOrd="0" destOrd="0" presId="urn:microsoft.com/office/officeart/2005/8/layout/vList2"/>
+    <dgm:cxn modelId="{BB4EB441-CF5A-4212-BC08-9BDFEA6276FF}" srcId="{BD5F9691-F759-4760-9084-55BAF2B5B70C}" destId="{E31FF6BC-6D50-44F6-950C-FC5B573D6CF5}" srcOrd="0" destOrd="0" parTransId="{77681ADE-31D1-4A3F-8F5A-90E0F1DA201F}" sibTransId="{54ED06DD-CC18-4096-AEAD-7B933807F17E}"/>
+    <dgm:cxn modelId="{D82D73F9-5BF3-4C4D-BC06-2B56013C89FD}" type="presOf" srcId="{BD5F9691-F759-4760-9084-55BAF2B5B70C}" destId="{0D0AE127-0DD7-4E22-BCA6-B4778FAF5D47}" srcOrd="0" destOrd="0" presId="urn:microsoft.com/office/officeart/2005/8/layout/vList2"/>
+    <dgm:cxn modelId="{9687320A-BC2C-4D29-A032-F5E59C01DD2E}" srcId="{BD5F9691-F759-4760-9084-55BAF2B5B70C}" destId="{C70D9C34-9948-4CB0-B91D-274406F933D2}" srcOrd="1" destOrd="0" parTransId="{33D43C3E-36C2-40B4-BA7F-03A366B9452A}" sibTransId="{EADAC5B5-E7C3-4419-BDD2-CF7CDA01A3AF}"/>
+    <dgm:cxn modelId="{34B5B677-46AD-43E9-94A1-AE641C4872B5}" srcId="{C70D9C34-9948-4CB0-B91D-274406F933D2}" destId="{536FBBCA-1825-494E-9DA0-5097357C26C1}" srcOrd="0" destOrd="0" parTransId="{A335CA1E-9C2F-402B-A394-BF487A48355A}" sibTransId="{268E509A-E5A4-4E58-8DA3-FD34106B89F4}"/>
+    <dgm:cxn modelId="{D4F9B2FD-DBED-40B7-BFA9-F2D491BDA6C3}" type="presOf" srcId="{536FBBCA-1825-494E-9DA0-5097357C26C1}" destId="{7C3CE679-9A6A-43D6-88DC-22B997945076}" srcOrd="0" destOrd="0" presId="urn:microsoft.com/office/officeart/2005/8/layout/vList2"/>
+    <dgm:cxn modelId="{6B499538-EFF8-4AB3-BCCF-14905D2761D1}" type="presOf" srcId="{C70D9C34-9948-4CB0-B91D-274406F933D2}" destId="{317A2255-7D8C-4C59-84D7-B1D7BCD7E7FB}" srcOrd="0" destOrd="0" presId="urn:microsoft.com/office/officeart/2005/8/layout/vList2"/>
+    <dgm:cxn modelId="{023A742D-FA66-4090-9CE3-83F8E042982C}" type="presParOf" srcId="{0D0AE127-0DD7-4E22-BCA6-B4778FAF5D47}" destId="{0679D8D7-A20D-40C8-A6E3-54744D1D8F8E}" srcOrd="0" destOrd="0" presId="urn:microsoft.com/office/officeart/2005/8/layout/vList2"/>
+    <dgm:cxn modelId="{87CCCAAA-310A-45D0-8534-5E64B3A80ABA}" type="presParOf" srcId="{0D0AE127-0DD7-4E22-BCA6-B4778FAF5D47}" destId="{0953E015-D26E-4E3B-B9E5-37CFBB3C68C7}" srcOrd="1" destOrd="0" presId="urn:microsoft.com/office/officeart/2005/8/layout/vList2"/>
+    <dgm:cxn modelId="{EE968EB4-E1DA-42EE-AB4B-451B0145B246}" type="presParOf" srcId="{0D0AE127-0DD7-4E22-BCA6-B4778FAF5D47}" destId="{317A2255-7D8C-4C59-84D7-B1D7BCD7E7FB}" srcOrd="2" destOrd="0" presId="urn:microsoft.com/office/officeart/2005/8/layout/vList2"/>
+    <dgm:cxn modelId="{82EAA979-8CE0-4527-9FA5-C6BE40EA0576}" type="presParOf" srcId="{0D0AE127-0DD7-4E22-BCA6-B4778FAF5D47}" destId="{7C3CE679-9A6A-43D6-88DC-22B997945076}" srcOrd="3" destOrd="0" presId="urn:microsoft.com/office/officeart/2005/8/layout/vList2"/>
   </dgm:cxnLst>
   <dgm:bg/>
   <dgm:whole/>
@@ -1509,6 +2653,431 @@
 </dsp:drawing>
 </file>
 
+<file path=ppt/diagrams/drawing2.xml><?xml version="1.0" encoding="utf-8"?>
+<dsp:drawing xmlns:dgm="http://schemas.openxmlformats.org/drawingml/2006/diagram" xmlns:dsp="http://schemas.microsoft.com/office/drawing/2008/diagram" xmlns:a="http://schemas.openxmlformats.org/drawingml/2006/main">
+  <dsp:spTree>
+    <dsp:nvGrpSpPr>
+      <dsp:cNvPr id="0" name=""/>
+      <dsp:cNvGrpSpPr/>
+    </dsp:nvGrpSpPr>
+    <dsp:grpSpPr/>
+    <dsp:sp modelId="{0679D8D7-A20D-40C8-A6E3-54744D1D8F8E}">
+      <dsp:nvSpPr>
+        <dsp:cNvPr id="0" name=""/>
+        <dsp:cNvSpPr/>
+      </dsp:nvSpPr>
+      <dsp:spPr>
+        <a:xfrm>
+          <a:off x="0" y="18285"/>
+          <a:ext cx="6648400" cy="772200"/>
+        </a:xfrm>
+        <a:prstGeom prst="roundRect">
+          <a:avLst/>
+        </a:prstGeom>
+        <a:solidFill>
+          <a:schemeClr val="accent1">
+            <a:hueOff val="0"/>
+            <a:satOff val="0"/>
+            <a:lumOff val="0"/>
+            <a:alphaOff val="0"/>
+          </a:schemeClr>
+        </a:solidFill>
+        <a:ln w="25400" cap="flat" cmpd="sng" algn="ctr">
+          <a:solidFill>
+            <a:schemeClr val="lt1">
+              <a:hueOff val="0"/>
+              <a:satOff val="0"/>
+              <a:lumOff val="0"/>
+              <a:alphaOff val="0"/>
+            </a:schemeClr>
+          </a:solidFill>
+          <a:prstDash val="solid"/>
+        </a:ln>
+        <a:effectLst/>
+      </dsp:spPr>
+      <dsp:style>
+        <a:lnRef idx="2">
+          <a:scrgbClr r="0" g="0" b="0"/>
+        </a:lnRef>
+        <a:fillRef idx="1">
+          <a:scrgbClr r="0" g="0" b="0"/>
+        </a:fillRef>
+        <a:effectRef idx="0">
+          <a:scrgbClr r="0" g="0" b="0"/>
+        </a:effectRef>
+        <a:fontRef idx="minor">
+          <a:schemeClr val="lt1"/>
+        </a:fontRef>
+      </dsp:style>
+      <dsp:txBody>
+        <a:bodyPr spcFirstLastPara="0" vert="horz" wrap="square" lIns="121920" tIns="121920" rIns="121920" bIns="121920" numCol="1" spcCol="1270" anchor="ctr" anchorCtr="0">
+          <a:noAutofit/>
+        </a:bodyPr>
+        <a:lstStyle/>
+        <a:p>
+          <a:pPr lvl="0" algn="l" defTabSz="1422400">
+            <a:lnSpc>
+              <a:spcPct val="90000"/>
+            </a:lnSpc>
+            <a:spcBef>
+              <a:spcPct val="0"/>
+            </a:spcBef>
+            <a:spcAft>
+              <a:spcPct val="35000"/>
+            </a:spcAft>
+          </a:pPr>
+          <a:r>
+            <a:rPr lang="es-CL" sz="3200" b="1" kern="1200" dirty="0" smtClean="0">
+              <a:solidFill>
+                <a:schemeClr val="tx1"/>
+              </a:solidFill>
+              <a:latin typeface="Agency FB" pitchFamily="34" charset="0"/>
+              <a:ea typeface="+mn-ea"/>
+              <a:cs typeface="+mn-cs"/>
+            </a:rPr>
+            <a:t>Objetivo Principal</a:t>
+          </a:r>
+          <a:endParaRPr lang="es-CL" sz="3200" b="1" kern="1200" dirty="0">
+            <a:solidFill>
+              <a:schemeClr val="tx1"/>
+            </a:solidFill>
+            <a:latin typeface="Agency FB" pitchFamily="34" charset="0"/>
+            <a:ea typeface="+mn-ea"/>
+            <a:cs typeface="+mn-cs"/>
+          </a:endParaRPr>
+        </a:p>
+      </dsp:txBody>
+      <dsp:txXfrm>
+        <a:off x="37696" y="55981"/>
+        <a:ext cx="6573008" cy="696808"/>
+      </dsp:txXfrm>
+    </dsp:sp>
+    <dsp:sp modelId="{0953E015-D26E-4E3B-B9E5-37CFBB3C68C7}">
+      <dsp:nvSpPr>
+        <dsp:cNvPr id="0" name=""/>
+        <dsp:cNvSpPr/>
+      </dsp:nvSpPr>
+      <dsp:spPr>
+        <a:xfrm>
+          <a:off x="0" y="787935"/>
+          <a:ext cx="6648400" cy="819720"/>
+        </a:xfrm>
+        <a:prstGeom prst="rect">
+          <a:avLst/>
+        </a:prstGeom>
+        <a:noFill/>
+        <a:ln>
+          <a:noFill/>
+        </a:ln>
+        <a:effectLst/>
+      </dsp:spPr>
+      <dsp:style>
+        <a:lnRef idx="0">
+          <a:scrgbClr r="0" g="0" b="0"/>
+        </a:lnRef>
+        <a:fillRef idx="0">
+          <a:scrgbClr r="0" g="0" b="0"/>
+        </a:fillRef>
+        <a:effectRef idx="0">
+          <a:scrgbClr r="0" g="0" b="0"/>
+        </a:effectRef>
+        <a:fontRef idx="minor"/>
+      </dsp:style>
+      <dsp:txBody>
+        <a:bodyPr spcFirstLastPara="0" vert="horz" wrap="square" lIns="211087" tIns="41910" rIns="234696" bIns="41910" numCol="1" spcCol="1270" anchor="t" anchorCtr="0">
+          <a:noAutofit/>
+        </a:bodyPr>
+        <a:lstStyle/>
+        <a:p>
+          <a:pPr marL="228600" lvl="1" indent="-228600" algn="l" defTabSz="1155700">
+            <a:lnSpc>
+              <a:spcPct val="90000"/>
+            </a:lnSpc>
+            <a:spcBef>
+              <a:spcPct val="0"/>
+            </a:spcBef>
+            <a:spcAft>
+              <a:spcPct val="20000"/>
+            </a:spcAft>
+            <a:buChar char="••"/>
+          </a:pPr>
+          <a:r>
+            <a:rPr lang="es-CL" sz="2600" kern="1200" dirty="0" smtClean="0">
+              <a:solidFill>
+                <a:schemeClr val="tx1"/>
+              </a:solidFill>
+              <a:latin typeface="Agency FB" pitchFamily="34" charset="0"/>
+              <a:ea typeface="+mn-ea"/>
+              <a:cs typeface="+mn-cs"/>
+            </a:rPr>
+            <a:t>Extraer datos de accidentes laborales de la pagina web Deis.cl </a:t>
+          </a:r>
+          <a:endParaRPr lang="es-CL" sz="2600" kern="1200" dirty="0"/>
+        </a:p>
+      </dsp:txBody>
+      <dsp:txXfrm>
+        <a:off x="0" y="787935"/>
+        <a:ext cx="6648400" cy="819720"/>
+      </dsp:txXfrm>
+    </dsp:sp>
+    <dsp:sp modelId="{317A2255-7D8C-4C59-84D7-B1D7BCD7E7FB}">
+      <dsp:nvSpPr>
+        <dsp:cNvPr id="0" name=""/>
+        <dsp:cNvSpPr/>
+      </dsp:nvSpPr>
+      <dsp:spPr>
+        <a:xfrm>
+          <a:off x="0" y="1532516"/>
+          <a:ext cx="6648400" cy="772200"/>
+        </a:xfrm>
+        <a:prstGeom prst="roundRect">
+          <a:avLst/>
+        </a:prstGeom>
+        <a:solidFill>
+          <a:schemeClr val="accent1">
+            <a:hueOff val="0"/>
+            <a:satOff val="0"/>
+            <a:lumOff val="0"/>
+            <a:alphaOff val="0"/>
+          </a:schemeClr>
+        </a:solidFill>
+        <a:ln w="25400" cap="flat" cmpd="sng" algn="ctr">
+          <a:solidFill>
+            <a:schemeClr val="lt1">
+              <a:hueOff val="0"/>
+              <a:satOff val="0"/>
+              <a:lumOff val="0"/>
+              <a:alphaOff val="0"/>
+            </a:schemeClr>
+          </a:solidFill>
+          <a:prstDash val="solid"/>
+        </a:ln>
+        <a:effectLst/>
+      </dsp:spPr>
+      <dsp:style>
+        <a:lnRef idx="2">
+          <a:scrgbClr r="0" g="0" b="0"/>
+        </a:lnRef>
+        <a:fillRef idx="1">
+          <a:scrgbClr r="0" g="0" b="0"/>
+        </a:fillRef>
+        <a:effectRef idx="0">
+          <a:scrgbClr r="0" g="0" b="0"/>
+        </a:effectRef>
+        <a:fontRef idx="minor">
+          <a:schemeClr val="lt1"/>
+        </a:fontRef>
+      </dsp:style>
+      <dsp:txBody>
+        <a:bodyPr spcFirstLastPara="0" vert="horz" wrap="square" lIns="121920" tIns="121920" rIns="121920" bIns="121920" numCol="1" spcCol="1270" anchor="ctr" anchorCtr="0">
+          <a:noAutofit/>
+        </a:bodyPr>
+        <a:lstStyle/>
+        <a:p>
+          <a:pPr lvl="0" algn="l" defTabSz="1422400">
+            <a:lnSpc>
+              <a:spcPct val="90000"/>
+            </a:lnSpc>
+            <a:spcBef>
+              <a:spcPct val="0"/>
+            </a:spcBef>
+            <a:spcAft>
+              <a:spcPct val="35000"/>
+            </a:spcAft>
+          </a:pPr>
+          <a:r>
+            <a:rPr lang="es-CL" sz="3200" b="1" kern="1200" dirty="0" smtClean="0">
+              <a:solidFill>
+                <a:schemeClr val="tx1"/>
+              </a:solidFill>
+              <a:latin typeface="Agency FB" pitchFamily="34" charset="0"/>
+              <a:ea typeface="+mn-ea"/>
+              <a:cs typeface="+mn-cs"/>
+            </a:rPr>
+            <a:t>Objetivo Especifico</a:t>
+          </a:r>
+          <a:endParaRPr lang="es-CL" sz="3200" b="1" kern="1200" dirty="0">
+            <a:solidFill>
+              <a:schemeClr val="tx1"/>
+            </a:solidFill>
+            <a:latin typeface="Agency FB" pitchFamily="34" charset="0"/>
+            <a:ea typeface="+mn-ea"/>
+            <a:cs typeface="+mn-cs"/>
+          </a:endParaRPr>
+        </a:p>
+      </dsp:txBody>
+      <dsp:txXfrm>
+        <a:off x="37696" y="1570212"/>
+        <a:ext cx="6573008" cy="696808"/>
+      </dsp:txXfrm>
+    </dsp:sp>
+    <dsp:sp modelId="{7C3CE679-9A6A-43D6-88DC-22B997945076}">
+      <dsp:nvSpPr>
+        <dsp:cNvPr id="0" name=""/>
+        <dsp:cNvSpPr/>
+      </dsp:nvSpPr>
+      <dsp:spPr>
+        <a:xfrm>
+          <a:off x="0" y="2379856"/>
+          <a:ext cx="6648400" cy="1844370"/>
+        </a:xfrm>
+        <a:prstGeom prst="rect">
+          <a:avLst/>
+        </a:prstGeom>
+        <a:noFill/>
+        <a:ln>
+          <a:noFill/>
+        </a:ln>
+        <a:effectLst/>
+      </dsp:spPr>
+      <dsp:style>
+        <a:lnRef idx="0">
+          <a:scrgbClr r="0" g="0" b="0"/>
+        </a:lnRef>
+        <a:fillRef idx="0">
+          <a:scrgbClr r="0" g="0" b="0"/>
+        </a:fillRef>
+        <a:effectRef idx="0">
+          <a:scrgbClr r="0" g="0" b="0"/>
+        </a:effectRef>
+        <a:fontRef idx="minor"/>
+      </dsp:style>
+      <dsp:txBody>
+        <a:bodyPr spcFirstLastPara="0" vert="horz" wrap="square" lIns="211087" tIns="41910" rIns="234696" bIns="41910" numCol="1" spcCol="1270" anchor="t" anchorCtr="0">
+          <a:noAutofit/>
+        </a:bodyPr>
+        <a:lstStyle/>
+        <a:p>
+          <a:pPr marL="228600" lvl="1" indent="-228600" algn="l" defTabSz="1155700">
+            <a:lnSpc>
+              <a:spcPct val="90000"/>
+            </a:lnSpc>
+            <a:spcBef>
+              <a:spcPct val="0"/>
+            </a:spcBef>
+            <a:spcAft>
+              <a:spcPct val="20000"/>
+            </a:spcAft>
+            <a:buChar char="••"/>
+          </a:pPr>
+          <a:r>
+            <a:rPr lang="es-CL" sz="2600" kern="1200" dirty="0" smtClean="0">
+              <a:solidFill>
+                <a:schemeClr val="tx1"/>
+              </a:solidFill>
+              <a:latin typeface="Agency FB" pitchFamily="34" charset="0"/>
+              <a:ea typeface="+mn-ea"/>
+              <a:cs typeface="+mn-cs"/>
+            </a:rPr>
+            <a:t>Poder generar con la información </a:t>
+          </a:r>
+          <a:r>
+            <a:rPr lang="es-CL" sz="2600" kern="1200" dirty="0" err="1" smtClean="0">
+              <a:solidFill>
+                <a:schemeClr val="tx1"/>
+              </a:solidFill>
+              <a:latin typeface="Agency FB" pitchFamily="34" charset="0"/>
+              <a:ea typeface="+mn-ea"/>
+              <a:cs typeface="+mn-cs"/>
+            </a:rPr>
+            <a:t>extraida</a:t>
+          </a:r>
+          <a:r>
+            <a:rPr lang="es-CL" sz="2600" kern="1200" dirty="0" smtClean="0">
+              <a:solidFill>
+                <a:schemeClr val="tx1"/>
+              </a:solidFill>
+              <a:latin typeface="Agency FB" pitchFamily="34" charset="0"/>
+              <a:ea typeface="+mn-ea"/>
+              <a:cs typeface="+mn-cs"/>
+            </a:rPr>
+            <a:t> modelos de regresión, que permitan identificar las principales causas de los accidentes laborales, que termina con muerte en un trabajador, lo que </a:t>
+          </a:r>
+          <a:r>
+            <a:rPr lang="es-CL" sz="2600" kern="1200" dirty="0" err="1" smtClean="0">
+              <a:solidFill>
+                <a:schemeClr val="tx1"/>
+              </a:solidFill>
+              <a:latin typeface="Agency FB" pitchFamily="34" charset="0"/>
+              <a:ea typeface="+mn-ea"/>
+              <a:cs typeface="+mn-cs"/>
+            </a:rPr>
+            <a:t>ayudaria</a:t>
+          </a:r>
+          <a:r>
+            <a:rPr lang="es-CL" sz="2600" kern="1200" dirty="0" smtClean="0">
+              <a:solidFill>
+                <a:schemeClr val="tx1"/>
+              </a:solidFill>
+              <a:latin typeface="Agency FB" pitchFamily="34" charset="0"/>
+              <a:ea typeface="+mn-ea"/>
+              <a:cs typeface="+mn-cs"/>
+            </a:rPr>
+            <a:t> principalmente a las mutuales de </a:t>
+          </a:r>
+          <a:r>
+            <a:rPr lang="es-CL" sz="2600" kern="1200" dirty="0" err="1" smtClean="0">
+              <a:solidFill>
+                <a:schemeClr val="tx1"/>
+              </a:solidFill>
+              <a:latin typeface="Agency FB" pitchFamily="34" charset="0"/>
+              <a:ea typeface="+mn-ea"/>
+              <a:cs typeface="+mn-cs"/>
+            </a:rPr>
+            <a:t>segurudad</a:t>
+          </a:r>
+          <a:r>
+            <a:rPr lang="es-CL" sz="2600" kern="1200" dirty="0" smtClean="0">
+              <a:solidFill>
+                <a:schemeClr val="tx1"/>
+              </a:solidFill>
+              <a:latin typeface="Agency FB" pitchFamily="34" charset="0"/>
+              <a:ea typeface="+mn-ea"/>
+              <a:cs typeface="+mn-cs"/>
+            </a:rPr>
+            <a:t> y </a:t>
+          </a:r>
+          <a:r>
+            <a:rPr lang="es-CL" sz="2600" kern="1200" smtClean="0">
+              <a:solidFill>
+                <a:schemeClr val="tx1"/>
+              </a:solidFill>
+              <a:latin typeface="Agency FB" pitchFamily="34" charset="0"/>
+              <a:ea typeface="+mn-ea"/>
+              <a:cs typeface="+mn-cs"/>
+            </a:rPr>
+            <a:t>a las </a:t>
+          </a:r>
+          <a:r>
+            <a:rPr lang="es-CL" sz="2600" kern="1200" dirty="0" smtClean="0">
+              <a:solidFill>
+                <a:schemeClr val="tx1"/>
+              </a:solidFill>
+              <a:latin typeface="Agency FB" pitchFamily="34" charset="0"/>
+              <a:ea typeface="+mn-ea"/>
+              <a:cs typeface="+mn-cs"/>
+            </a:rPr>
+            <a:t>empresas.</a:t>
+          </a:r>
+          <a:endParaRPr lang="es-CL" sz="2600" kern="1200" dirty="0">
+            <a:solidFill>
+              <a:schemeClr val="tx1"/>
+            </a:solidFill>
+            <a:latin typeface="Agency FB" pitchFamily="34" charset="0"/>
+            <a:ea typeface="+mn-ea"/>
+            <a:cs typeface="+mn-cs"/>
+          </a:endParaRPr>
+        </a:p>
+      </dsp:txBody>
+      <dsp:txXfrm>
+        <a:off x="0" y="2379856"/>
+        <a:ext cx="6648400" cy="1844370"/>
+      </dsp:txXfrm>
+    </dsp:sp>
+  </dsp:spTree>
+</dsp:drawing>
+</file>
+
 <file path=ppt/diagrams/layout1.xml><?xml version="1.0" encoding="utf-8"?>
 <dgm:layoutDef xmlns:dgm="http://schemas.openxmlformats.org/drawingml/2006/diagram" xmlns:a="http://schemas.openxmlformats.org/drawingml/2006/main" uniqueId="urn:microsoft.com/office/officeart/2005/8/layout/hProcess9">
   <dgm:title val=""/>
@@ -1663,7 +3232,1208 @@
 </dgm:layoutDef>
 </file>
 
+<file path=ppt/diagrams/layout2.xml><?xml version="1.0" encoding="utf-8"?>
+<dgm:layoutDef xmlns:dgm="http://schemas.openxmlformats.org/drawingml/2006/diagram" xmlns:a="http://schemas.openxmlformats.org/drawingml/2006/main" uniqueId="urn:microsoft.com/office/officeart/2005/8/layout/vList2">
+  <dgm:title val=""/>
+  <dgm:desc val=""/>
+  <dgm:catLst>
+    <dgm:cat type="list" pri="3000"/>
+    <dgm:cat type="convert" pri="1000"/>
+  </dgm:catLst>
+  <dgm:sampData>
+    <dgm:dataModel>
+      <dgm:ptLst>
+        <dgm:pt modelId="0" type="doc"/>
+        <dgm:pt modelId="1">
+          <dgm:prSet phldr="1"/>
+        </dgm:pt>
+        <dgm:pt modelId="11">
+          <dgm:prSet phldr="1"/>
+        </dgm:pt>
+        <dgm:pt modelId="2">
+          <dgm:prSet phldr="1"/>
+        </dgm:pt>
+        <dgm:pt modelId="21">
+          <dgm:prSet phldr="1"/>
+        </dgm:pt>
+      </dgm:ptLst>
+      <dgm:cxnLst>
+        <dgm:cxn modelId="4" srcId="0" destId="1" srcOrd="0" destOrd="0"/>
+        <dgm:cxn modelId="5" srcId="0" destId="2" srcOrd="1" destOrd="0"/>
+        <dgm:cxn modelId="12" srcId="1" destId="11" srcOrd="0" destOrd="0"/>
+        <dgm:cxn modelId="23" srcId="2" destId="21" srcOrd="0" destOrd="0"/>
+      </dgm:cxnLst>
+      <dgm:bg/>
+      <dgm:whole/>
+    </dgm:dataModel>
+  </dgm:sampData>
+  <dgm:styleData>
+    <dgm:dataModel>
+      <dgm:ptLst>
+        <dgm:pt modelId="0" type="doc"/>
+        <dgm:pt modelId="1"/>
+        <dgm:pt modelId="2"/>
+      </dgm:ptLst>
+      <dgm:cxnLst>
+        <dgm:cxn modelId="3" srcId="0" destId="1" srcOrd="0" destOrd="0"/>
+        <dgm:cxn modelId="4" srcId="0" destId="2" srcOrd="1" destOrd="0"/>
+      </dgm:cxnLst>
+      <dgm:bg/>
+      <dgm:whole/>
+    </dgm:dataModel>
+  </dgm:styleData>
+  <dgm:clrData>
+    <dgm:dataModel>
+      <dgm:ptLst>
+        <dgm:pt modelId="0" type="doc"/>
+        <dgm:pt modelId="1"/>
+        <dgm:pt modelId="2"/>
+        <dgm:pt modelId="3"/>
+        <dgm:pt modelId="4"/>
+      </dgm:ptLst>
+      <dgm:cxnLst>
+        <dgm:cxn modelId="5" srcId="0" destId="1" srcOrd="0" destOrd="0"/>
+        <dgm:cxn modelId="6" srcId="0" destId="2" srcOrd="1" destOrd="0"/>
+        <dgm:cxn modelId="7" srcId="0" destId="3" srcOrd="2" destOrd="0"/>
+        <dgm:cxn modelId="8" srcId="0" destId="4" srcOrd="3" destOrd="0"/>
+      </dgm:cxnLst>
+      <dgm:bg/>
+      <dgm:whole/>
+    </dgm:dataModel>
+  </dgm:clrData>
+  <dgm:layoutNode name="linear">
+    <dgm:varLst>
+      <dgm:animLvl val="lvl"/>
+      <dgm:resizeHandles val="exact"/>
+    </dgm:varLst>
+    <dgm:alg type="lin">
+      <dgm:param type="linDir" val="fromT"/>
+      <dgm:param type="vertAlign" val="mid"/>
+    </dgm:alg>
+    <dgm:shape xmlns:r="http://schemas.openxmlformats.org/officeDocument/2006/relationships" r:blip="">
+      <dgm:adjLst/>
+    </dgm:shape>
+    <dgm:presOf/>
+    <dgm:constrLst>
+      <dgm:constr type="w" for="ch" forName="parentText" refType="w"/>
+      <dgm:constr type="h" for="ch" forName="parentText" refType="primFontSz" refFor="ch" refForName="parentText" fact="0.52"/>
+      <dgm:constr type="w" for="ch" forName="childText" refType="w"/>
+      <dgm:constr type="h" for="ch" forName="childText" refType="primFontSz" refFor="ch" refForName="parentText" fact="0.46"/>
+      <dgm:constr type="h" for="ch" forName="parentText" op="equ"/>
+      <dgm:constr type="primFontSz" for="ch" forName="parentText" op="equ" val="65"/>
+      <dgm:constr type="primFontSz" for="ch" forName="childText" refType="primFontSz" refFor="ch" refForName="parentText" op="equ"/>
+      <dgm:constr type="h" for="ch" forName="spacer" refType="primFontSz" refFor="ch" refForName="parentText" fact="0.08"/>
+    </dgm:constrLst>
+    <dgm:ruleLst>
+      <dgm:rule type="primFontSz" for="ch" forName="parentText" val="5" fact="NaN" max="NaN"/>
+    </dgm:ruleLst>
+    <dgm:forEach name="Name0" axis="ch" ptType="node">
+      <dgm:layoutNode name="parentText" styleLbl="node1">
+        <dgm:varLst>
+          <dgm:chMax val="0"/>
+          <dgm:bulletEnabled val="1"/>
+        </dgm:varLst>
+        <dgm:alg type="tx">
+          <dgm:param type="parTxLTRAlign" val="l"/>
+          <dgm:param type="parTxRTLAlign" val="r"/>
+        </dgm:alg>
+        <dgm:shape xmlns:r="http://schemas.openxmlformats.org/officeDocument/2006/relationships" type="roundRect" r:blip="">
+          <dgm:adjLst/>
+        </dgm:shape>
+        <dgm:presOf axis="self"/>
+        <dgm:constrLst>
+          <dgm:constr type="tMarg" refType="primFontSz" fact="0.3"/>
+          <dgm:constr type="bMarg" refType="primFontSz" fact="0.3"/>
+          <dgm:constr type="lMarg" refType="primFontSz" fact="0.3"/>
+          <dgm:constr type="rMarg" refType="primFontSz" fact="0.3"/>
+        </dgm:constrLst>
+        <dgm:ruleLst>
+          <dgm:rule type="h" val="INF" fact="NaN" max="NaN"/>
+        </dgm:ruleLst>
+      </dgm:layoutNode>
+      <dgm:choose name="Name1">
+        <dgm:if name="Name2" axis="ch" ptType="node" func="cnt" op="gte" val="1">
+          <dgm:layoutNode name="childText" styleLbl="revTx">
+            <dgm:varLst>
+              <dgm:bulletEnabled val="1"/>
+            </dgm:varLst>
+            <dgm:alg type="tx">
+              <dgm:param type="stBulletLvl" val="1"/>
+              <dgm:param type="lnSpAfChP" val="20"/>
+            </dgm:alg>
+            <dgm:shape xmlns:r="http://schemas.openxmlformats.org/officeDocument/2006/relationships" type="rect" r:blip="">
+              <dgm:adjLst/>
+            </dgm:shape>
+            <dgm:presOf axis="des" ptType="node"/>
+            <dgm:constrLst>
+              <dgm:constr type="tMarg" refType="primFontSz" fact="0.1"/>
+              <dgm:constr type="bMarg" refType="primFontSz" fact="0.1"/>
+              <dgm:constr type="lMarg" refType="w" fact="0.09"/>
+            </dgm:constrLst>
+            <dgm:ruleLst>
+              <dgm:rule type="h" val="INF" fact="NaN" max="NaN"/>
+            </dgm:ruleLst>
+          </dgm:layoutNode>
+        </dgm:if>
+        <dgm:else name="Name3">
+          <dgm:choose name="Name4">
+            <dgm:if name="Name5" axis="par ch" ptType="doc node" func="cnt" op="gte" val="2">
+              <dgm:forEach name="Name6" axis="followSib" ptType="sibTrans" cnt="1">
+                <dgm:layoutNode name="spacer">
+                  <dgm:alg type="sp"/>
+                  <dgm:shape xmlns:r="http://schemas.openxmlformats.org/officeDocument/2006/relationships" r:blip="">
+                    <dgm:adjLst/>
+                  </dgm:shape>
+                  <dgm:presOf/>
+                  <dgm:constrLst/>
+                  <dgm:ruleLst/>
+                </dgm:layoutNode>
+              </dgm:forEach>
+            </dgm:if>
+            <dgm:else name="Name7"/>
+          </dgm:choose>
+        </dgm:else>
+      </dgm:choose>
+    </dgm:forEach>
+  </dgm:layoutNode>
+</dgm:layoutDef>
+</file>
+
 <file path=ppt/diagrams/quickStyle1.xml><?xml version="1.0" encoding="utf-8"?>
+<dgm:styleDef xmlns:dgm="http://schemas.openxmlformats.org/drawingml/2006/diagram" xmlns:a="http://schemas.openxmlformats.org/drawingml/2006/main" uniqueId="urn:microsoft.com/office/officeart/2005/8/quickstyle/simple1">
+  <dgm:title val=""/>
+  <dgm:desc val=""/>
+  <dgm:catLst>
+    <dgm:cat type="simple" pri="10100"/>
+  </dgm:catLst>
+  <dgm:scene3d>
+    <a:camera prst="orthographicFront"/>
+    <a:lightRig rig="threePt" dir="t"/>
+  </dgm:scene3d>
+  <dgm:styleLbl name="node0">
+    <dgm:scene3d>
+      <a:camera prst="orthographicFront"/>
+      <a:lightRig rig="threePt" dir="t"/>
+    </dgm:scene3d>
+    <dgm:sp3d/>
+    <dgm:txPr/>
+    <dgm:style>
+      <a:lnRef idx="2">
+        <a:scrgbClr r="0" g="0" b="0"/>
+      </a:lnRef>
+      <a:fillRef idx="1">
+        <a:scrgbClr r="0" g="0" b="0"/>
+      </a:fillRef>
+      <a:effectRef idx="0">
+        <a:scrgbClr r="0" g="0" b="0"/>
+      </a:effectRef>
+      <a:fontRef idx="minor">
+        <a:schemeClr val="lt1"/>
+      </a:fontRef>
+    </dgm:style>
+  </dgm:styleLbl>
+  <dgm:styleLbl name="lnNode1">
+    <dgm:scene3d>
+      <a:camera prst="orthographicFront"/>
+      <a:lightRig rig="threePt" dir="t"/>
+    </dgm:scene3d>
+    <dgm:sp3d/>
+    <dgm:txPr/>
+    <dgm:style>
+      <a:lnRef idx="2">
+        <a:scrgbClr r="0" g="0" b="0"/>
+      </a:lnRef>
+      <a:fillRef idx="1">
+        <a:scrgbClr r="0" g="0" b="0"/>
+      </a:fillRef>
+      <a:effectRef idx="0">
+        <a:scrgbClr r="0" g="0" b="0"/>
+      </a:effectRef>
+      <a:fontRef idx="minor">
+        <a:schemeClr val="lt1"/>
+      </a:fontRef>
+    </dgm:style>
+  </dgm:styleLbl>
+  <dgm:styleLbl name="vennNode1">
+    <dgm:scene3d>
+      <a:camera prst="orthographicFront"/>
+      <a:lightRig rig="threePt" dir="t"/>
+    </dgm:scene3d>
+    <dgm:sp3d/>
+    <dgm:txPr/>
+    <dgm:style>
+      <a:lnRef idx="2">
+        <a:scrgbClr r="0" g="0" b="0"/>
+      </a:lnRef>
+      <a:fillRef idx="1">
+        <a:scrgbClr r="0" g="0" b="0"/>
+      </a:fillRef>
+      <a:effectRef idx="0">
+        <a:scrgbClr r="0" g="0" b="0"/>
+      </a:effectRef>
+      <a:fontRef idx="minor">
+        <a:schemeClr val="tx1"/>
+      </a:fontRef>
+    </dgm:style>
+  </dgm:styleLbl>
+  <dgm:styleLbl name="alignNode1">
+    <dgm:scene3d>
+      <a:camera prst="orthographicFront"/>
+      <a:lightRig rig="threePt" dir="t"/>
+    </dgm:scene3d>
+    <dgm:sp3d/>
+    <dgm:txPr/>
+    <dgm:style>
+      <a:lnRef idx="2">
+        <a:scrgbClr r="0" g="0" b="0"/>
+      </a:lnRef>
+      <a:fillRef idx="1">
+        <a:scrgbClr r="0" g="0" b="0"/>
+      </a:fillRef>
+      <a:effectRef idx="0">
+        <a:scrgbClr r="0" g="0" b="0"/>
+      </a:effectRef>
+      <a:fontRef idx="minor">
+        <a:schemeClr val="lt1"/>
+      </a:fontRef>
+    </dgm:style>
+  </dgm:styleLbl>
+  <dgm:styleLbl name="node1">
+    <dgm:scene3d>
+      <a:camera prst="orthographicFront"/>
+      <a:lightRig rig="threePt" dir="t"/>
+    </dgm:scene3d>
+    <dgm:sp3d/>
+    <dgm:txPr/>
+    <dgm:style>
+      <a:lnRef idx="2">
+        <a:scrgbClr r="0" g="0" b="0"/>
+      </a:lnRef>
+      <a:fillRef idx="1">
+        <a:scrgbClr r="0" g="0" b="0"/>
+      </a:fillRef>
+      <a:effectRef idx="0">
+        <a:scrgbClr r="0" g="0" b="0"/>
+      </a:effectRef>
+      <a:fontRef idx="minor">
+        <a:schemeClr val="lt1"/>
+      </a:fontRef>
+    </dgm:style>
+  </dgm:styleLbl>
+  <dgm:styleLbl name="node2">
+    <dgm:scene3d>
+      <a:camera prst="orthographicFront"/>
+      <a:lightRig rig="threePt" dir="t"/>
+    </dgm:scene3d>
+    <dgm:sp3d/>
+    <dgm:txPr/>
+    <dgm:style>
+      <a:lnRef idx="2">
+        <a:scrgbClr r="0" g="0" b="0"/>
+      </a:lnRef>
+      <a:fillRef idx="1">
+        <a:scrgbClr r="0" g="0" b="0"/>
+      </a:fillRef>
+      <a:effectRef idx="0">
+        <a:scrgbClr r="0" g="0" b="0"/>
+      </a:effectRef>
+      <a:fontRef idx="minor">
+        <a:schemeClr val="lt1"/>
+      </a:fontRef>
+    </dgm:style>
+  </dgm:styleLbl>
+  <dgm:styleLbl name="node3">
+    <dgm:scene3d>
+      <a:camera prst="orthographicFront"/>
+      <a:lightRig rig="threePt" dir="t"/>
+    </dgm:scene3d>
+    <dgm:sp3d/>
+    <dgm:txPr/>
+    <dgm:style>
+      <a:lnRef idx="2">
+        <a:scrgbClr r="0" g="0" b="0"/>
+      </a:lnRef>
+      <a:fillRef idx="1">
+        <a:scrgbClr r="0" g="0" b="0"/>
+      </a:fillRef>
+      <a:effectRef idx="0">
+        <a:scrgbClr r="0" g="0" b="0"/>
+      </a:effectRef>
+      <a:fontRef idx="minor">
+        <a:schemeClr val="lt1"/>
+      </a:fontRef>
+    </dgm:style>
+  </dgm:styleLbl>
+  <dgm:styleLbl name="node4">
+    <dgm:scene3d>
+      <a:camera prst="orthographicFront"/>
+      <a:lightRig rig="threePt" dir="t"/>
+    </dgm:scene3d>
+    <dgm:sp3d/>
+    <dgm:txPr/>
+    <dgm:style>
+      <a:lnRef idx="2">
+        <a:scrgbClr r="0" g="0" b="0"/>
+      </a:lnRef>
+      <a:fillRef idx="1">
+        <a:scrgbClr r="0" g="0" b="0"/>
+      </a:fillRef>
+      <a:effectRef idx="0">
+        <a:scrgbClr r="0" g="0" b="0"/>
+      </a:effectRef>
+      <a:fontRef idx="minor">
+        <a:schemeClr val="lt1"/>
+      </a:fontRef>
+    </dgm:style>
+  </dgm:styleLbl>
+  <dgm:styleLbl name="fgImgPlace1">
+    <dgm:scene3d>
+      <a:camera prst="orthographicFront"/>
+      <a:lightRig rig="threePt" dir="t"/>
+    </dgm:scene3d>
+    <dgm:sp3d/>
+    <dgm:txPr/>
+    <dgm:style>
+      <a:lnRef idx="2">
+        <a:scrgbClr r="0" g="0" b="0"/>
+      </a:lnRef>
+      <a:fillRef idx="1">
+        <a:scrgbClr r="0" g="0" b="0"/>
+      </a:fillRef>
+      <a:effectRef idx="0">
+        <a:scrgbClr r="0" g="0" b="0"/>
+      </a:effectRef>
+      <a:fontRef idx="minor"/>
+    </dgm:style>
+  </dgm:styleLbl>
+  <dgm:styleLbl name="alignImgPlace1">
+    <dgm:scene3d>
+      <a:camera prst="orthographicFront"/>
+      <a:lightRig rig="threePt" dir="t"/>
+    </dgm:scene3d>
+    <dgm:sp3d/>
+    <dgm:txPr/>
+    <dgm:style>
+      <a:lnRef idx="2">
+        <a:scrgbClr r="0" g="0" b="0"/>
+      </a:lnRef>
+      <a:fillRef idx="1">
+        <a:scrgbClr r="0" g="0" b="0"/>
+      </a:fillRef>
+      <a:effectRef idx="0">
+        <a:scrgbClr r="0" g="0" b="0"/>
+      </a:effectRef>
+      <a:fontRef idx="minor"/>
+    </dgm:style>
+  </dgm:styleLbl>
+  <dgm:styleLbl name="bgImgPlace1">
+    <dgm:scene3d>
+      <a:camera prst="orthographicFront"/>
+      <a:lightRig rig="threePt" dir="t"/>
+    </dgm:scene3d>
+    <dgm:sp3d/>
+    <dgm:txPr/>
+    <dgm:style>
+      <a:lnRef idx="2">
+        <a:scrgbClr r="0" g="0" b="0"/>
+      </a:lnRef>
+      <a:fillRef idx="1">
+        <a:scrgbClr r="0" g="0" b="0"/>
+      </a:fillRef>
+      <a:effectRef idx="0">
+        <a:scrgbClr r="0" g="0" b="0"/>
+      </a:effectRef>
+      <a:fontRef idx="minor"/>
+    </dgm:style>
+  </dgm:styleLbl>
+  <dgm:styleLbl name="sibTrans2D1">
+    <dgm:scene3d>
+      <a:camera prst="orthographicFront"/>
+      <a:lightRig rig="threePt" dir="t"/>
+    </dgm:scene3d>
+    <dgm:sp3d/>
+    <dgm:txPr/>
+    <dgm:style>
+      <a:lnRef idx="0">
+        <a:scrgbClr r="0" g="0" b="0"/>
+      </a:lnRef>
+      <a:fillRef idx="1">
+        <a:scrgbClr r="0" g="0" b="0"/>
+      </a:fillRef>
+      <a:effectRef idx="0">
+        <a:scrgbClr r="0" g="0" b="0"/>
+      </a:effectRef>
+      <a:fontRef idx="minor">
+        <a:schemeClr val="lt1"/>
+      </a:fontRef>
+    </dgm:style>
+  </dgm:styleLbl>
+  <dgm:styleLbl name="fgSibTrans2D1">
+    <dgm:scene3d>
+      <a:camera prst="orthographicFront"/>
+      <a:lightRig rig="threePt" dir="t"/>
+    </dgm:scene3d>
+    <dgm:sp3d/>
+    <dgm:txPr/>
+    <dgm:style>
+      <a:lnRef idx="0">
+        <a:scrgbClr r="0" g="0" b="0"/>
+      </a:lnRef>
+      <a:fillRef idx="1">
+        <a:scrgbClr r="0" g="0" b="0"/>
+      </a:fillRef>
+      <a:effectRef idx="0">
+        <a:scrgbClr r="0" g="0" b="0"/>
+      </a:effectRef>
+      <a:fontRef idx="minor">
+        <a:schemeClr val="lt1"/>
+      </a:fontRef>
+    </dgm:style>
+  </dgm:styleLbl>
+  <dgm:styleLbl name="bgSibTrans2D1">
+    <dgm:scene3d>
+      <a:camera prst="orthographicFront"/>
+      <a:lightRig rig="threePt" dir="t"/>
+    </dgm:scene3d>
+    <dgm:sp3d/>
+    <dgm:txPr/>
+    <dgm:style>
+      <a:lnRef idx="0">
+        <a:scrgbClr r="0" g="0" b="0"/>
+      </a:lnRef>
+      <a:fillRef idx="1">
+        <a:scrgbClr r="0" g="0" b="0"/>
+      </a:fillRef>
+      <a:effectRef idx="0">
+        <a:scrgbClr r="0" g="0" b="0"/>
+      </a:effectRef>
+      <a:fontRef idx="minor">
+        <a:schemeClr val="lt1"/>
+      </a:fontRef>
+    </dgm:style>
+  </dgm:styleLbl>
+  <dgm:styleLbl name="sibTrans1D1">
+    <dgm:scene3d>
+      <a:camera prst="orthographicFront"/>
+      <a:lightRig rig="threePt" dir="t"/>
+    </dgm:scene3d>
+    <dgm:sp3d/>
+    <dgm:txPr/>
+    <dgm:style>
+      <a:lnRef idx="1">
+        <a:scrgbClr r="0" g="0" b="0"/>
+      </a:lnRef>
+      <a:fillRef idx="0">
+        <a:scrgbClr r="0" g="0" b="0"/>
+      </a:fillRef>
+      <a:effectRef idx="0">
+        <a:scrgbClr r="0" g="0" b="0"/>
+      </a:effectRef>
+      <a:fontRef idx="minor"/>
+    </dgm:style>
+  </dgm:styleLbl>
+  <dgm:styleLbl name="callout">
+    <dgm:scene3d>
+      <a:camera prst="orthographicFront"/>
+      <a:lightRig rig="threePt" dir="t"/>
+    </dgm:scene3d>
+    <dgm:sp3d/>
+    <dgm:txPr/>
+    <dgm:style>
+      <a:lnRef idx="2">
+        <a:scrgbClr r="0" g="0" b="0"/>
+      </a:lnRef>
+      <a:fillRef idx="1">
+        <a:scrgbClr r="0" g="0" b="0"/>
+      </a:fillRef>
+      <a:effectRef idx="0">
+        <a:scrgbClr r="0" g="0" b="0"/>
+      </a:effectRef>
+      <a:fontRef idx="minor"/>
+    </dgm:style>
+  </dgm:styleLbl>
+  <dgm:styleLbl name="asst0">
+    <dgm:scene3d>
+      <a:camera prst="orthographicFront"/>
+      <a:lightRig rig="threePt" dir="t"/>
+    </dgm:scene3d>
+    <dgm:sp3d/>
+    <dgm:txPr/>
+    <dgm:style>
+      <a:lnRef idx="2">
+        <a:scrgbClr r="0" g="0" b="0"/>
+      </a:lnRef>
+      <a:fillRef idx="1">
+        <a:scrgbClr r="0" g="0" b="0"/>
+      </a:fillRef>
+      <a:effectRef idx="0">
+        <a:scrgbClr r="0" g="0" b="0"/>
+      </a:effectRef>
+      <a:fontRef idx="minor">
+        <a:schemeClr val="lt1"/>
+      </a:fontRef>
+    </dgm:style>
+  </dgm:styleLbl>
+  <dgm:styleLbl name="asst1">
+    <dgm:scene3d>
+      <a:camera prst="orthographicFront"/>
+      <a:lightRig rig="threePt" dir="t"/>
+    </dgm:scene3d>
+    <dgm:sp3d/>
+    <dgm:txPr/>
+    <dgm:style>
+      <a:lnRef idx="2">
+        <a:scrgbClr r="0" g="0" b="0"/>
+      </a:lnRef>
+      <a:fillRef idx="1">
+        <a:scrgbClr r="0" g="0" b="0"/>
+      </a:fillRef>
+      <a:effectRef idx="0">
+        <a:scrgbClr r="0" g="0" b="0"/>
+      </a:effectRef>
+      <a:fontRef idx="minor">
+        <a:schemeClr val="lt1"/>
+      </a:fontRef>
+    </dgm:style>
+  </dgm:styleLbl>
+  <dgm:styleLbl name="asst2">
+    <dgm:scene3d>
+      <a:camera prst="orthographicFront"/>
+      <a:lightRig rig="threePt" dir="t"/>
+    </dgm:scene3d>
+    <dgm:sp3d/>
+    <dgm:txPr/>
+    <dgm:style>
+      <a:lnRef idx="2">
+        <a:scrgbClr r="0" g="0" b="0"/>
+      </a:lnRef>
+      <a:fillRef idx="1">
+        <a:scrgbClr r="0" g="0" b="0"/>
+      </a:fillRef>
+      <a:effectRef idx="0">
+        <a:scrgbClr r="0" g="0" b="0"/>
+      </a:effectRef>
+      <a:fontRef idx="minor">
+        <a:schemeClr val="lt1"/>
+      </a:fontRef>
+    </dgm:style>
+  </dgm:styleLbl>
+  <dgm:styleLbl name="asst3">
+    <dgm:scene3d>
+      <a:camera prst="orthographicFront"/>
+      <a:lightRig rig="threePt" dir="t"/>
+    </dgm:scene3d>
+    <dgm:sp3d/>
+    <dgm:txPr/>
+    <dgm:style>
+      <a:lnRef idx="2">
+        <a:scrgbClr r="0" g="0" b="0"/>
+      </a:lnRef>
+      <a:fillRef idx="1">
+        <a:scrgbClr r="0" g="0" b="0"/>
+      </a:fillRef>
+      <a:effectRef idx="0">
+        <a:scrgbClr r="0" g="0" b="0"/>
+      </a:effectRef>
+      <a:fontRef idx="minor">
+        <a:schemeClr val="lt1"/>
+      </a:fontRef>
+    </dgm:style>
+  </dgm:styleLbl>
+  <dgm:styleLbl name="asst4">
+    <dgm:scene3d>
+      <a:camera prst="orthographicFront"/>
+      <a:lightRig rig="threePt" dir="t"/>
+    </dgm:scene3d>
+    <dgm:sp3d/>
+    <dgm:txPr/>
+    <dgm:style>
+      <a:lnRef idx="2">
+        <a:scrgbClr r="0" g="0" b="0"/>
+      </a:lnRef>
+      <a:fillRef idx="1">
+        <a:scrgbClr r="0" g="0" b="0"/>
+      </a:fillRef>
+      <a:effectRef idx="0">
+        <a:scrgbClr r="0" g="0" b="0"/>
+      </a:effectRef>
+      <a:fontRef idx="minor">
+        <a:schemeClr val="lt1"/>
+      </a:fontRef>
+    </dgm:style>
+  </dgm:styleLbl>
+  <dgm:styleLbl name="parChTrans2D1">
+    <dgm:scene3d>
+      <a:camera prst="orthographicFront"/>
+      <a:lightRig rig="threePt" dir="t"/>
+    </dgm:scene3d>
+    <dgm:sp3d/>
+    <dgm:txPr/>
+    <dgm:style>
+      <a:lnRef idx="2">
+        <a:scrgbClr r="0" g="0" b="0"/>
+      </a:lnRef>
+      <a:fillRef idx="1">
+        <a:scrgbClr r="0" g="0" b="0"/>
+      </a:fillRef>
+      <a:effectRef idx="0">
+        <a:scrgbClr r="0" g="0" b="0"/>
+      </a:effectRef>
+      <a:fontRef idx="minor">
+        <a:schemeClr val="lt1"/>
+      </a:fontRef>
+    </dgm:style>
+  </dgm:styleLbl>
+  <dgm:styleLbl name="parChTrans2D2">
+    <dgm:scene3d>
+      <a:camera prst="orthographicFront"/>
+      <a:lightRig rig="threePt" dir="t"/>
+    </dgm:scene3d>
+    <dgm:sp3d/>
+    <dgm:txPr/>
+    <dgm:style>
+      <a:lnRef idx="2">
+        <a:scrgbClr r="0" g="0" b="0"/>
+      </a:lnRef>
+      <a:fillRef idx="1">
+        <a:scrgbClr r="0" g="0" b="0"/>
+      </a:fillRef>
+      <a:effectRef idx="0">
+        <a:scrgbClr r="0" g="0" b="0"/>
+      </a:effectRef>
+      <a:fontRef idx="minor">
+        <a:schemeClr val="lt1"/>
+      </a:fontRef>
+    </dgm:style>
+  </dgm:styleLbl>
+  <dgm:styleLbl name="parChTrans2D3">
+    <dgm:scene3d>
+      <a:camera prst="orthographicFront"/>
+      <a:lightRig rig="threePt" dir="t"/>
+    </dgm:scene3d>
+    <dgm:sp3d/>
+    <dgm:txPr/>
+    <dgm:style>
+      <a:lnRef idx="2">
+        <a:scrgbClr r="0" g="0" b="0"/>
+      </a:lnRef>
+      <a:fillRef idx="1">
+        <a:scrgbClr r="0" g="0" b="0"/>
+      </a:fillRef>
+      <a:effectRef idx="0">
+        <a:scrgbClr r="0" g="0" b="0"/>
+      </a:effectRef>
+      <a:fontRef idx="minor">
+        <a:schemeClr val="lt1"/>
+      </a:fontRef>
+    </dgm:style>
+  </dgm:styleLbl>
+  <dgm:styleLbl name="parChTrans2D4">
+    <dgm:scene3d>
+      <a:camera prst="orthographicFront"/>
+      <a:lightRig rig="threePt" dir="t"/>
+    </dgm:scene3d>
+    <dgm:sp3d/>
+    <dgm:txPr/>
+    <dgm:style>
+      <a:lnRef idx="2">
+        <a:scrgbClr r="0" g="0" b="0"/>
+      </a:lnRef>
+      <a:fillRef idx="1">
+        <a:scrgbClr r="0" g="0" b="0"/>
+      </a:fillRef>
+      <a:effectRef idx="0">
+        <a:scrgbClr r="0" g="0" b="0"/>
+      </a:effectRef>
+      <a:fontRef idx="minor">
+        <a:schemeClr val="lt1"/>
+      </a:fontRef>
+    </dgm:style>
+  </dgm:styleLbl>
+  <dgm:styleLbl name="parChTrans1D1">
+    <dgm:scene3d>
+      <a:camera prst="orthographicFront"/>
+      <a:lightRig rig="threePt" dir="t"/>
+    </dgm:scene3d>
+    <dgm:sp3d/>
+    <dgm:txPr/>
+    <dgm:style>
+      <a:lnRef idx="2">
+        <a:scrgbClr r="0" g="0" b="0"/>
+      </a:lnRef>
+      <a:fillRef idx="0">
+        <a:scrgbClr r="0" g="0" b="0"/>
+      </a:fillRef>
+      <a:effectRef idx="0">
+        <a:scrgbClr r="0" g="0" b="0"/>
+      </a:effectRef>
+      <a:fontRef idx="minor"/>
+    </dgm:style>
+  </dgm:styleLbl>
+  <dgm:styleLbl name="parChTrans1D2">
+    <dgm:scene3d>
+      <a:camera prst="orthographicFront"/>
+      <a:lightRig rig="threePt" dir="t"/>
+    </dgm:scene3d>
+    <dgm:sp3d/>
+    <dgm:txPr/>
+    <dgm:style>
+      <a:lnRef idx="2">
+        <a:scrgbClr r="0" g="0" b="0"/>
+      </a:lnRef>
+      <a:fillRef idx="0">
+        <a:scrgbClr r="0" g="0" b="0"/>
+      </a:fillRef>
+      <a:effectRef idx="0">
+        <a:scrgbClr r="0" g="0" b="0"/>
+      </a:effectRef>
+      <a:fontRef idx="minor"/>
+    </dgm:style>
+  </dgm:styleLbl>
+  <dgm:styleLbl name="parChTrans1D3">
+    <dgm:scene3d>
+      <a:camera prst="orthographicFront"/>
+      <a:lightRig rig="threePt" dir="t"/>
+    </dgm:scene3d>
+    <dgm:sp3d/>
+    <dgm:txPr/>
+    <dgm:style>
+      <a:lnRef idx="2">
+        <a:scrgbClr r="0" g="0" b="0"/>
+      </a:lnRef>
+      <a:fillRef idx="0">
+        <a:scrgbClr r="0" g="0" b="0"/>
+      </a:fillRef>
+      <a:effectRef idx="0">
+        <a:scrgbClr r="0" g="0" b="0"/>
+      </a:effectRef>
+      <a:fontRef idx="minor"/>
+    </dgm:style>
+  </dgm:styleLbl>
+  <dgm:styleLbl name="parChTrans1D4">
+    <dgm:scene3d>
+      <a:camera prst="orthographicFront"/>
+      <a:lightRig rig="threePt" dir="t"/>
+    </dgm:scene3d>
+    <dgm:sp3d/>
+    <dgm:txPr/>
+    <dgm:style>
+      <a:lnRef idx="2">
+        <a:scrgbClr r="0" g="0" b="0"/>
+      </a:lnRef>
+      <a:fillRef idx="0">
+        <a:scrgbClr r="0" g="0" b="0"/>
+      </a:fillRef>
+      <a:effectRef idx="0">
+        <a:scrgbClr r="0" g="0" b="0"/>
+      </a:effectRef>
+      <a:fontRef idx="minor"/>
+    </dgm:style>
+  </dgm:styleLbl>
+  <dgm:styleLbl name="fgAcc1">
+    <dgm:scene3d>
+      <a:camera prst="orthographicFront"/>
+      <a:lightRig rig="threePt" dir="t"/>
+    </dgm:scene3d>
+    <dgm:sp3d/>
+    <dgm:txPr/>
+    <dgm:style>
+      <a:lnRef idx="2">
+        <a:scrgbClr r="0" g="0" b="0"/>
+      </a:lnRef>
+      <a:fillRef idx="1">
+        <a:scrgbClr r="0" g="0" b="0"/>
+      </a:fillRef>
+      <a:effectRef idx="0">
+        <a:scrgbClr r="0" g="0" b="0"/>
+      </a:effectRef>
+      <a:fontRef idx="minor"/>
+    </dgm:style>
+  </dgm:styleLbl>
+  <dgm:styleLbl name="conFgAcc1">
+    <dgm:scene3d>
+      <a:camera prst="orthographicFront"/>
+      <a:lightRig rig="threePt" dir="t"/>
+    </dgm:scene3d>
+    <dgm:sp3d/>
+    <dgm:txPr/>
+    <dgm:style>
+      <a:lnRef idx="2">
+        <a:scrgbClr r="0" g="0" b="0"/>
+      </a:lnRef>
+      <a:fillRef idx="1">
+        <a:scrgbClr r="0" g="0" b="0"/>
+      </a:fillRef>
+      <a:effectRef idx="0">
+        <a:scrgbClr r="0" g="0" b="0"/>
+      </a:effectRef>
+      <a:fontRef idx="minor"/>
+    </dgm:style>
+  </dgm:styleLbl>
+  <dgm:styleLbl name="alignAcc1">
+    <dgm:scene3d>
+      <a:camera prst="orthographicFront"/>
+      <a:lightRig rig="threePt" dir="t"/>
+    </dgm:scene3d>
+    <dgm:sp3d/>
+    <dgm:txPr/>
+    <dgm:style>
+      <a:lnRef idx="2">
+        <a:scrgbClr r="0" g="0" b="0"/>
+      </a:lnRef>
+      <a:fillRef idx="1">
+        <a:scrgbClr r="0" g="0" b="0"/>
+      </a:fillRef>
+      <a:effectRef idx="0">
+        <a:scrgbClr r="0" g="0" b="0"/>
+      </a:effectRef>
+      <a:fontRef idx="minor"/>
+    </dgm:style>
+  </dgm:styleLbl>
+  <dgm:styleLbl name="trAlignAcc1">
+    <dgm:scene3d>
+      <a:camera prst="orthographicFront"/>
+      <a:lightRig rig="threePt" dir="t"/>
+    </dgm:scene3d>
+    <dgm:sp3d/>
+    <dgm:txPr/>
+    <dgm:style>
+      <a:lnRef idx="1">
+        <a:scrgbClr r="0" g="0" b="0"/>
+      </a:lnRef>
+      <a:fillRef idx="1">
+        <a:scrgbClr r="0" g="0" b="0"/>
+      </a:fillRef>
+      <a:effectRef idx="0">
+        <a:scrgbClr r="0" g="0" b="0"/>
+      </a:effectRef>
+      <a:fontRef idx="minor"/>
+    </dgm:style>
+  </dgm:styleLbl>
+  <dgm:styleLbl name="bgAcc1">
+    <dgm:scene3d>
+      <a:camera prst="orthographicFront"/>
+      <a:lightRig rig="threePt" dir="t"/>
+    </dgm:scene3d>
+    <dgm:sp3d/>
+    <dgm:txPr/>
+    <dgm:style>
+      <a:lnRef idx="2">
+        <a:scrgbClr r="0" g="0" b="0"/>
+      </a:lnRef>
+      <a:fillRef idx="1">
+        <a:scrgbClr r="0" g="0" b="0"/>
+      </a:fillRef>
+      <a:effectRef idx="0">
+        <a:scrgbClr r="0" g="0" b="0"/>
+      </a:effectRef>
+      <a:fontRef idx="minor"/>
+    </dgm:style>
+  </dgm:styleLbl>
+  <dgm:styleLbl name="solidFgAcc1">
+    <dgm:scene3d>
+      <a:camera prst="orthographicFront"/>
+      <a:lightRig rig="threePt" dir="t"/>
+    </dgm:scene3d>
+    <dgm:sp3d/>
+    <dgm:txPr/>
+    <dgm:style>
+      <a:lnRef idx="2">
+        <a:scrgbClr r="0" g="0" b="0"/>
+      </a:lnRef>
+      <a:fillRef idx="1">
+        <a:scrgbClr r="0" g="0" b="0"/>
+      </a:fillRef>
+      <a:effectRef idx="0">
+        <a:scrgbClr r="0" g="0" b="0"/>
+      </a:effectRef>
+      <a:fontRef idx="minor"/>
+    </dgm:style>
+  </dgm:styleLbl>
+  <dgm:styleLbl name="solidAlignAcc1">
+    <dgm:scene3d>
+      <a:camera prst="orthographicFront"/>
+      <a:lightRig rig="threePt" dir="t"/>
+    </dgm:scene3d>
+    <dgm:sp3d/>
+    <dgm:txPr/>
+    <dgm:style>
+      <a:lnRef idx="2">
+        <a:scrgbClr r="0" g="0" b="0"/>
+      </a:lnRef>
+      <a:fillRef idx="1">
+        <a:scrgbClr r="0" g="0" b="0"/>
+      </a:fillRef>
+      <a:effectRef idx="0">
+        <a:scrgbClr r="0" g="0" b="0"/>
+      </a:effectRef>
+      <a:fontRef idx="minor"/>
+    </dgm:style>
+  </dgm:styleLbl>
+  <dgm:styleLbl name="solidBgAcc1">
+    <dgm:scene3d>
+      <a:camera prst="orthographicFront"/>
+      <a:lightRig rig="threePt" dir="t"/>
+    </dgm:scene3d>
+    <dgm:sp3d/>
+    <dgm:txPr/>
+    <dgm:style>
+      <a:lnRef idx="2">
+        <a:scrgbClr r="0" g="0" b="0"/>
+      </a:lnRef>
+      <a:fillRef idx="1">
+        <a:scrgbClr r="0" g="0" b="0"/>
+      </a:fillRef>
+      <a:effectRef idx="0">
+        <a:scrgbClr r="0" g="0" b="0"/>
+      </a:effectRef>
+      <a:fontRef idx="minor"/>
+    </dgm:style>
+  </dgm:styleLbl>
+  <dgm:styleLbl name="fgAccFollowNode1">
+    <dgm:scene3d>
+      <a:camera prst="orthographicFront"/>
+      <a:lightRig rig="threePt" dir="t"/>
+    </dgm:scene3d>
+    <dgm:sp3d/>
+    <dgm:txPr/>
+    <dgm:style>
+      <a:lnRef idx="2">
+        <a:scrgbClr r="0" g="0" b="0"/>
+      </a:lnRef>
+      <a:fillRef idx="1">
+        <a:scrgbClr r="0" g="0" b="0"/>
+      </a:fillRef>
+      <a:effectRef idx="0">
+        <a:scrgbClr r="0" g="0" b="0"/>
+      </a:effectRef>
+      <a:fontRef idx="minor"/>
+    </dgm:style>
+  </dgm:styleLbl>
+  <dgm:styleLbl name="alignAccFollowNode1">
+    <dgm:scene3d>
+      <a:camera prst="orthographicFront"/>
+      <a:lightRig rig="threePt" dir="t"/>
+    </dgm:scene3d>
+    <dgm:sp3d/>
+    <dgm:txPr/>
+    <dgm:style>
+      <a:lnRef idx="2">
+        <a:scrgbClr r="0" g="0" b="0"/>
+      </a:lnRef>
+      <a:fillRef idx="1">
+        <a:scrgbClr r="0" g="0" b="0"/>
+      </a:fillRef>
+      <a:effectRef idx="0">
+        <a:scrgbClr r="0" g="0" b="0"/>
+      </a:effectRef>
+      <a:fontRef idx="minor"/>
+    </dgm:style>
+  </dgm:styleLbl>
+  <dgm:styleLbl name="bgAccFollowNode1">
+    <dgm:scene3d>
+      <a:camera prst="orthographicFront"/>
+      <a:lightRig rig="threePt" dir="t"/>
+    </dgm:scene3d>
+    <dgm:sp3d/>
+    <dgm:txPr/>
+    <dgm:style>
+      <a:lnRef idx="2">
+        <a:scrgbClr r="0" g="0" b="0"/>
+      </a:lnRef>
+      <a:fillRef idx="1">
+        <a:scrgbClr r="0" g="0" b="0"/>
+      </a:fillRef>
+      <a:effectRef idx="0">
+        <a:scrgbClr r="0" g="0" b="0"/>
+      </a:effectRef>
+      <a:fontRef idx="minor"/>
+    </dgm:style>
+  </dgm:styleLbl>
+  <dgm:styleLbl name="fgAcc0">
+    <dgm:scene3d>
+      <a:camera prst="orthographicFront"/>
+      <a:lightRig rig="threePt" dir="t"/>
+    </dgm:scene3d>
+    <dgm:sp3d/>
+    <dgm:txPr/>
+    <dgm:style>
+      <a:lnRef idx="2">
+        <a:scrgbClr r="0" g="0" b="0"/>
+      </a:lnRef>
+      <a:fillRef idx="1">
+        <a:scrgbClr r="0" g="0" b="0"/>
+      </a:fillRef>
+      <a:effectRef idx="0">
+        <a:scrgbClr r="0" g="0" b="0"/>
+      </a:effectRef>
+      <a:fontRef idx="minor"/>
+    </dgm:style>
+  </dgm:styleLbl>
+  <dgm:styleLbl name="fgAcc2">
+    <dgm:scene3d>
+      <a:camera prst="orthographicFront"/>
+      <a:lightRig rig="threePt" dir="t"/>
+    </dgm:scene3d>
+    <dgm:sp3d/>
+    <dgm:txPr/>
+    <dgm:style>
+      <a:lnRef idx="2">
+        <a:scrgbClr r="0" g="0" b="0"/>
+      </a:lnRef>
+      <a:fillRef idx="1">
+        <a:scrgbClr r="0" g="0" b="0"/>
+      </a:fillRef>
+      <a:effectRef idx="0">
+        <a:scrgbClr r="0" g="0" b="0"/>
+      </a:effectRef>
+      <a:fontRef idx="minor"/>
+    </dgm:style>
+  </dgm:styleLbl>
+  <dgm:styleLbl name="fgAcc3">
+    <dgm:scene3d>
+      <a:camera prst="orthographicFront"/>
+      <a:lightRig rig="threePt" dir="t"/>
+    </dgm:scene3d>
+    <dgm:sp3d/>
+    <dgm:txPr/>
+    <dgm:style>
+      <a:lnRef idx="2">
+        <a:scrgbClr r="0" g="0" b="0"/>
+      </a:lnRef>
+      <a:fillRef idx="1">
+        <a:scrgbClr r="0" g="0" b="0"/>
+      </a:fillRef>
+      <a:effectRef idx="0">
+        <a:scrgbClr r="0" g="0" b="0"/>
+      </a:effectRef>
+      <a:fontRef idx="minor"/>
+    </dgm:style>
+  </dgm:styleLbl>
+  <dgm:styleLbl name="fgAcc4">
+    <dgm:scene3d>
+      <a:camera prst="orthographicFront"/>
+      <a:lightRig rig="threePt" dir="t"/>
+    </dgm:scene3d>
+    <dgm:sp3d/>
+    <dgm:txPr/>
+    <dgm:style>
+      <a:lnRef idx="2">
+        <a:scrgbClr r="0" g="0" b="0"/>
+      </a:lnRef>
+      <a:fillRef idx="1">
+        <a:scrgbClr r="0" g="0" b="0"/>
+      </a:fillRef>
+      <a:effectRef idx="0">
+        <a:scrgbClr r="0" g="0" b="0"/>
+      </a:effectRef>
+      <a:fontRef idx="minor"/>
+    </dgm:style>
+  </dgm:styleLbl>
+  <dgm:styleLbl name="bgShp">
+    <dgm:scene3d>
+      <a:camera prst="orthographicFront"/>
+      <a:lightRig rig="threePt" dir="t"/>
+    </dgm:scene3d>
+    <dgm:sp3d/>
+    <dgm:txPr/>
+    <dgm:style>
+      <a:lnRef idx="0">
+        <a:scrgbClr r="0" g="0" b="0"/>
+      </a:lnRef>
+      <a:fillRef idx="1">
+        <a:scrgbClr r="0" g="0" b="0"/>
+      </a:fillRef>
+      <a:effectRef idx="0">
+        <a:scrgbClr r="0" g="0" b="0"/>
+      </a:effectRef>
+      <a:fontRef idx="minor"/>
+    </dgm:style>
+  </dgm:styleLbl>
+  <dgm:styleLbl name="dkBgShp">
+    <dgm:scene3d>
+      <a:camera prst="orthographicFront"/>
+      <a:lightRig rig="threePt" dir="t"/>
+    </dgm:scene3d>
+    <dgm:sp3d/>
+    <dgm:txPr/>
+    <dgm:style>
+      <a:lnRef idx="0">
+        <a:scrgbClr r="0" g="0" b="0"/>
+      </a:lnRef>
+      <a:fillRef idx="1">
+        <a:scrgbClr r="0" g="0" b="0"/>
+      </a:fillRef>
+      <a:effectRef idx="0">
+        <a:scrgbClr r="0" g="0" b="0"/>
+      </a:effectRef>
+      <a:fontRef idx="minor"/>
+    </dgm:style>
+  </dgm:styleLbl>
+  <dgm:styleLbl name="trBgShp">
+    <dgm:scene3d>
+      <a:camera prst="orthographicFront"/>
+      <a:lightRig rig="threePt" dir="t"/>
+    </dgm:scene3d>
+    <dgm:sp3d/>
+    <dgm:txPr/>
+    <dgm:style>
+      <a:lnRef idx="0">
+        <a:scrgbClr r="0" g="0" b="0"/>
+      </a:lnRef>
+      <a:fillRef idx="1">
+        <a:scrgbClr r="0" g="0" b="0"/>
+      </a:fillRef>
+      <a:effectRef idx="0">
+        <a:scrgbClr r="0" g="0" b="0"/>
+      </a:effectRef>
+      <a:fontRef idx="minor"/>
+    </dgm:style>
+  </dgm:styleLbl>
+  <dgm:styleLbl name="fgShp">
+    <dgm:scene3d>
+      <a:camera prst="orthographicFront"/>
+      <a:lightRig rig="threePt" dir="t"/>
+    </dgm:scene3d>
+    <dgm:sp3d/>
+    <dgm:txPr/>
+    <dgm:style>
+      <a:lnRef idx="2">
+        <a:scrgbClr r="0" g="0" b="0"/>
+      </a:lnRef>
+      <a:fillRef idx="1">
+        <a:scrgbClr r="0" g="0" b="0"/>
+      </a:fillRef>
+      <a:effectRef idx="0">
+        <a:scrgbClr r="0" g="0" b="0"/>
+      </a:effectRef>
+      <a:fontRef idx="minor"/>
+    </dgm:style>
+  </dgm:styleLbl>
+  <dgm:styleLbl name="revTx">
+    <dgm:scene3d>
+      <a:camera prst="orthographicFront"/>
+      <a:lightRig rig="threePt" dir="t"/>
+    </dgm:scene3d>
+    <dgm:sp3d/>
+    <dgm:txPr/>
+    <dgm:style>
+      <a:lnRef idx="0">
+        <a:scrgbClr r="0" g="0" b="0"/>
+      </a:lnRef>
+      <a:fillRef idx="0">
+        <a:scrgbClr r="0" g="0" b="0"/>
+      </a:fillRef>
+      <a:effectRef idx="0">
+        <a:scrgbClr r="0" g="0" b="0"/>
+      </a:effectRef>
+      <a:fontRef idx="minor"/>
+    </dgm:style>
+  </dgm:styleLbl>
+</dgm:styleDef>
+</file>
+
+<file path=ppt/diagrams/quickStyle2.xml><?xml version="1.0" encoding="utf-8"?>
 <dgm:styleDef xmlns:dgm="http://schemas.openxmlformats.org/drawingml/2006/diagram" xmlns:a="http://schemas.openxmlformats.org/drawingml/2006/main" uniqueId="urn:microsoft.com/office/officeart/2005/8/quickstyle/simple1">
   <dgm:title val=""/>
   <dgm:desc val=""/>
@@ -6416,6 +9186,152 @@
       </p:sp>
       <p:pic>
         <p:nvPicPr>
+          <p:cNvPr id="4097" name="Picture 1">
+            <a:hlinkClick r:id="rId2" action="ppaction://hlinksldjump"/>
+          </p:cNvPr>
+          <p:cNvPicPr>
+            <a:picLocks noChangeAspect="1" noChangeArrowheads="1"/>
+          </p:cNvPicPr>
+          <p:nvPr/>
+        </p:nvPicPr>
+        <p:blipFill rotWithShape="1">
+          <a:blip r:embed="rId3">
+            <a:extLst>
+              <a:ext uri="{28A0092B-C50C-407E-A947-70E740481C1C}">
+                <a14:useLocalDpi xmlns:a14="http://schemas.microsoft.com/office/drawing/2010/main" val="0"/>
+              </a:ext>
+            </a:extLst>
+          </a:blip>
+          <a:srcRect r="61849" b="46428"/>
+          <a:stretch/>
+        </p:blipFill>
+        <p:spPr bwMode="auto">
+          <a:xfrm>
+            <a:off x="683568" y="772390"/>
+            <a:ext cx="7632848" cy="5571145"/>
+          </a:xfrm>
+          <a:prstGeom prst="rect">
+            <a:avLst/>
+          </a:prstGeom>
+          <a:noFill/>
+          <a:ln>
+            <a:noFill/>
+          </a:ln>
+          <a:effectLst/>
+          <a:extLst>
+            <a:ext uri="{909E8E84-426E-40DD-AFC4-6F175D3DCCD1}">
+              <a14:hiddenFill xmlns:a14="http://schemas.microsoft.com/office/drawing/2010/main">
+                <a:solidFill>
+                  <a:schemeClr val="accent1"/>
+                </a:solidFill>
+              </a14:hiddenFill>
+            </a:ext>
+            <a:ext uri="{91240B29-F687-4F45-9708-019B960494DF}">
+              <a14:hiddenLine xmlns:a14="http://schemas.microsoft.com/office/drawing/2010/main" w="9525">
+                <a:solidFill>
+                  <a:schemeClr val="tx1"/>
+                </a:solidFill>
+                <a:miter lim="800000"/>
+                <a:headEnd/>
+                <a:tailEnd/>
+              </a14:hiddenLine>
+            </a:ext>
+            <a:ext uri="{AF507438-7753-43E0-B8FC-AC1667EBCBE1}">
+              <a14:hiddenEffects xmlns:a14="http://schemas.microsoft.com/office/drawing/2010/main">
+                <a:effectLst>
+                  <a:outerShdw dist="35921" dir="2700000" algn="ctr" rotWithShape="0">
+                    <a:schemeClr val="bg2"/>
+                  </a:outerShdw>
+                </a:effectLst>
+              </a14:hiddenEffects>
+            </a:ext>
+          </a:extLst>
+        </p:spPr>
+      </p:pic>
+    </p:spTree>
+    <p:extLst>
+      <p:ext uri="{BB962C8B-B14F-4D97-AF65-F5344CB8AC3E}">
+        <p14:creationId xmlns:p14="http://schemas.microsoft.com/office/powerpoint/2010/main" val="494646832"/>
+      </p:ext>
+    </p:extLst>
+  </p:cSld>
+  <p:clrMapOvr>
+    <a:masterClrMapping/>
+  </p:clrMapOvr>
+  <p:timing>
+    <p:tnLst>
+      <p:par>
+        <p:cTn id="1" dur="indefinite" restart="never" nodeType="tmRoot"/>
+      </p:par>
+    </p:tnLst>
+  </p:timing>
+</p:sld>
+</file>
+
+<file path=ppt/slides/slide11.xml><?xml version="1.0" encoding="utf-8"?>
+<p:sld xmlns:a="http://schemas.openxmlformats.org/drawingml/2006/main" xmlns:r="http://schemas.openxmlformats.org/officeDocument/2006/relationships" xmlns:p="http://schemas.openxmlformats.org/presentationml/2006/main">
+  <p:cSld>
+    <p:spTree>
+      <p:nvGrpSpPr>
+        <p:cNvPr id="1" name=""/>
+        <p:cNvGrpSpPr/>
+        <p:nvPr/>
+      </p:nvGrpSpPr>
+      <p:grpSpPr>
+        <a:xfrm>
+          <a:off x="0" y="0"/>
+          <a:ext cx="0" cy="0"/>
+          <a:chOff x="0" y="0"/>
+          <a:chExt cx="0" cy="0"/>
+        </a:xfrm>
+      </p:grpSpPr>
+      <p:sp>
+        <p:nvSpPr>
+          <p:cNvPr id="3" name="2 Rectángulo"/>
+          <p:cNvSpPr/>
+          <p:nvPr/>
+        </p:nvSpPr>
+        <p:spPr>
+          <a:xfrm>
+            <a:off x="251520" y="185354"/>
+            <a:ext cx="8640959" cy="6336703"/>
+          </a:xfrm>
+          <a:prstGeom prst="rect">
+            <a:avLst/>
+          </a:prstGeom>
+          <a:ln w="57150"/>
+        </p:spPr>
+        <p:style>
+          <a:lnRef idx="2">
+            <a:schemeClr val="accent1"/>
+          </a:lnRef>
+          <a:fillRef idx="1">
+            <a:schemeClr val="lt1"/>
+          </a:fillRef>
+          <a:effectRef idx="0">
+            <a:schemeClr val="accent1"/>
+          </a:effectRef>
+          <a:fontRef idx="minor">
+            <a:schemeClr val="dk1"/>
+          </a:fontRef>
+        </p:style>
+        <p:txBody>
+          <a:bodyPr rtlCol="0" anchor="ctr"/>
+          <a:lstStyle/>
+          <a:p>
+            <a:pPr algn="ctr"/>
+            <a:endParaRPr lang="es-CL" sz="2200" b="1" i="1" dirty="0">
+              <a:solidFill>
+                <a:schemeClr val="tx1">
+                  <a:tint val="75000"/>
+                </a:schemeClr>
+              </a:solidFill>
+            </a:endParaRPr>
+          </a:p>
+        </p:txBody>
+      </p:sp>
+      <p:pic>
+        <p:nvPicPr>
           <p:cNvPr id="5122" name="Picture 2">
             <a:hlinkClick r:id="rId2" action="ppaction://hlinksldjump"/>
           </p:cNvPr>
@@ -6498,7 +9414,7 @@
 </p:sld>
 </file>
 
-<file path=ppt/slides/slide11.xml><?xml version="1.0" encoding="utf-8"?>
+<file path=ppt/slides/slide12.xml><?xml version="1.0" encoding="utf-8"?>
 <p:sld xmlns:a="http://schemas.openxmlformats.org/drawingml/2006/main" xmlns:r="http://schemas.openxmlformats.org/officeDocument/2006/relationships" xmlns:p="http://schemas.openxmlformats.org/presentationml/2006/main">
   <p:cSld>
     <p:spTree>
@@ -6721,7 +9637,7 @@
 </p:sld>
 </file>
 
-<file path=ppt/slides/slide12.xml><?xml version="1.0" encoding="utf-8"?>
+<file path=ppt/slides/slide13.xml><?xml version="1.0" encoding="utf-8"?>
 <p:sld xmlns:a="http://schemas.openxmlformats.org/drawingml/2006/main" xmlns:r="http://schemas.openxmlformats.org/officeDocument/2006/relationships" xmlns:p="http://schemas.openxmlformats.org/presentationml/2006/main">
   <p:cSld>
     <p:spTree>
@@ -7040,7 +9956,7 @@
 </p:sld>
 </file>
 
-<file path=ppt/slides/slide13.xml><?xml version="1.0" encoding="utf-8"?>
+<file path=ppt/slides/slide14.xml><?xml version="1.0" encoding="utf-8"?>
 <p:sld xmlns:a="http://schemas.openxmlformats.org/drawingml/2006/main" xmlns:r="http://schemas.openxmlformats.org/officeDocument/2006/relationships" xmlns:p="http://schemas.openxmlformats.org/presentationml/2006/main">
   <p:cSld>
     <p:spTree>
@@ -7263,7 +10179,7 @@
 </p:sld>
 </file>
 
-<file path=ppt/slides/slide14.xml><?xml version="1.0" encoding="utf-8"?>
+<file path=ppt/slides/slide15.xml><?xml version="1.0" encoding="utf-8"?>
 <p:sld xmlns:a="http://schemas.openxmlformats.org/drawingml/2006/main" xmlns:r="http://schemas.openxmlformats.org/officeDocument/2006/relationships" xmlns:p="http://schemas.openxmlformats.org/presentationml/2006/main">
   <p:cSld>
     <p:spTree>
@@ -7600,6 +10516,507 @@
 </file>
 
 <file path=ppt/slides/slide2.xml><?xml version="1.0" encoding="utf-8"?>
+<p:sld xmlns:a="http://schemas.openxmlformats.org/drawingml/2006/main" xmlns:r="http://schemas.openxmlformats.org/officeDocument/2006/relationships" xmlns:p="http://schemas.openxmlformats.org/presentationml/2006/main">
+  <p:cSld>
+    <p:bg>
+      <p:bgRef idx="1001">
+        <a:schemeClr val="bg1"/>
+      </p:bgRef>
+    </p:bg>
+    <p:spTree>
+      <p:nvGrpSpPr>
+        <p:cNvPr id="1" name=""/>
+        <p:cNvGrpSpPr/>
+        <p:nvPr/>
+      </p:nvGrpSpPr>
+      <p:grpSpPr>
+        <a:xfrm>
+          <a:off x="0" y="0"/>
+          <a:ext cx="0" cy="0"/>
+          <a:chOff x="0" y="0"/>
+          <a:chExt cx="0" cy="0"/>
+        </a:xfrm>
+      </p:grpSpPr>
+      <p:sp>
+        <p:nvSpPr>
+          <p:cNvPr id="11" name="10 Rectángulo redondeado"/>
+          <p:cNvSpPr/>
+          <p:nvPr/>
+        </p:nvSpPr>
+        <p:spPr>
+          <a:xfrm>
+            <a:off x="334178" y="2931930"/>
+            <a:ext cx="8486294" cy="641086"/>
+          </a:xfrm>
+          <a:prstGeom prst="roundRect">
+            <a:avLst/>
+          </a:prstGeom>
+          <a:ln>
+            <a:prstDash val="sysDash"/>
+          </a:ln>
+        </p:spPr>
+        <p:style>
+          <a:lnRef idx="2">
+            <a:schemeClr val="accent1"/>
+          </a:lnRef>
+          <a:fillRef idx="1">
+            <a:schemeClr val="lt1"/>
+          </a:fillRef>
+          <a:effectRef idx="0">
+            <a:schemeClr val="accent1"/>
+          </a:effectRef>
+          <a:fontRef idx="minor">
+            <a:schemeClr val="dk1"/>
+          </a:fontRef>
+        </p:style>
+        <p:txBody>
+          <a:bodyPr rtlCol="0" anchor="ctr"/>
+          <a:lstStyle/>
+          <a:p>
+            <a:pPr algn="ctr"/>
+            <a:endParaRPr lang="es-CL"/>
+          </a:p>
+        </p:txBody>
+      </p:sp>
+      <p:sp>
+        <p:nvSpPr>
+          <p:cNvPr id="14" name="13 Rectángulo"/>
+          <p:cNvSpPr/>
+          <p:nvPr/>
+        </p:nvSpPr>
+        <p:spPr>
+          <a:xfrm>
+            <a:off x="251520" y="216407"/>
+            <a:ext cx="8640959" cy="6336703"/>
+          </a:xfrm>
+          <a:prstGeom prst="rect">
+            <a:avLst/>
+          </a:prstGeom>
+          <a:ln w="57150"/>
+        </p:spPr>
+        <p:style>
+          <a:lnRef idx="2">
+            <a:schemeClr val="accent1"/>
+          </a:lnRef>
+          <a:fillRef idx="1">
+            <a:schemeClr val="lt1"/>
+          </a:fillRef>
+          <a:effectRef idx="0">
+            <a:schemeClr val="accent1"/>
+          </a:effectRef>
+          <a:fontRef idx="minor">
+            <a:schemeClr val="dk1"/>
+          </a:fontRef>
+        </p:style>
+        <p:txBody>
+          <a:bodyPr rtlCol="0" anchor="ctr"/>
+          <a:lstStyle/>
+          <a:p>
+            <a:pPr algn="ctr"/>
+            <a:endParaRPr lang="es-CL" sz="2200" b="1" i="1" dirty="0">
+              <a:solidFill>
+                <a:schemeClr val="tx1">
+                  <a:tint val="75000"/>
+                </a:schemeClr>
+              </a:solidFill>
+            </a:endParaRPr>
+          </a:p>
+        </p:txBody>
+      </p:sp>
+      <p:pic>
+        <p:nvPicPr>
+          <p:cNvPr id="4" name="Picture 2" descr="Resultado de imagen para utem png"/>
+          <p:cNvPicPr>
+            <a:picLocks noChangeAspect="1" noChangeArrowheads="1"/>
+          </p:cNvPicPr>
+          <p:nvPr/>
+        </p:nvPicPr>
+        <p:blipFill rotWithShape="1">
+          <a:blip r:embed="rId3" cstate="print">
+            <a:extLst>
+              <a:ext uri="{28A0092B-C50C-407E-A947-70E740481C1C}">
+                <a14:useLocalDpi xmlns:a14="http://schemas.microsoft.com/office/drawing/2010/main" val="0"/>
+              </a:ext>
+            </a:extLst>
+          </a:blip>
+          <a:srcRect t="32708" b="28653"/>
+          <a:stretch/>
+        </p:blipFill>
+        <p:spPr bwMode="auto">
+          <a:xfrm>
+            <a:off x="334178" y="476672"/>
+            <a:ext cx="2664296" cy="743524"/>
+          </a:xfrm>
+          <a:prstGeom prst="roundRect">
+            <a:avLst>
+              <a:gd name="adj" fmla="val 8594"/>
+            </a:avLst>
+          </a:prstGeom>
+          <a:solidFill>
+            <a:srgbClr val="FFFFFF">
+              <a:shade val="85000"/>
+            </a:srgbClr>
+          </a:solidFill>
+          <a:ln>
+            <a:noFill/>
+          </a:ln>
+          <a:effectLst>
+            <a:reflection blurRad="12700" stA="38000" endPos="28000" dist="5000" dir="5400000" sy="-100000" algn="bl" rotWithShape="0"/>
+          </a:effectLst>
+          <a:extLst/>
+        </p:spPr>
+      </p:pic>
+      <p:pic>
+        <p:nvPicPr>
+          <p:cNvPr id="1028" name="Picture 4" descr="Resultado de imagen para deis"/>
+          <p:cNvPicPr>
+            <a:picLocks noChangeAspect="1" noChangeArrowheads="1"/>
+          </p:cNvPicPr>
+          <p:nvPr/>
+        </p:nvPicPr>
+        <p:blipFill rotWithShape="1">
+          <a:blip r:embed="rId4">
+            <a:extLst>
+              <a:ext uri="{28A0092B-C50C-407E-A947-70E740481C1C}">
+                <a14:useLocalDpi xmlns:a14="http://schemas.microsoft.com/office/drawing/2010/main" val="0"/>
+              </a:ext>
+            </a:extLst>
+          </a:blip>
+          <a:srcRect l="39505" t="-1" r="2487" b="36792"/>
+          <a:stretch/>
+        </p:blipFill>
+        <p:spPr bwMode="auto">
+          <a:xfrm>
+            <a:off x="6028780" y="476672"/>
+            <a:ext cx="2729346" cy="371762"/>
+          </a:xfrm>
+          <a:prstGeom prst="roundRect">
+            <a:avLst>
+              <a:gd name="adj" fmla="val 8594"/>
+            </a:avLst>
+          </a:prstGeom>
+          <a:solidFill>
+            <a:srgbClr val="FFFFFF">
+              <a:shade val="85000"/>
+            </a:srgbClr>
+          </a:solidFill>
+          <a:ln>
+            <a:noFill/>
+          </a:ln>
+          <a:effectLst>
+            <a:reflection blurRad="12700" stA="38000" endPos="28000" dist="5000" dir="5400000" sy="-100000" algn="bl" rotWithShape="0"/>
+          </a:effectLst>
+          <a:extLst/>
+        </p:spPr>
+      </p:pic>
+      <p:sp>
+        <p:nvSpPr>
+          <p:cNvPr id="13" name="2 Subtítulo"/>
+          <p:cNvSpPr txBox="1">
+            <a:spLocks/>
+          </p:cNvSpPr>
+          <p:nvPr/>
+        </p:nvSpPr>
+        <p:spPr>
+          <a:xfrm>
+            <a:off x="1371600" y="1220196"/>
+            <a:ext cx="6400800" cy="768644"/>
+          </a:xfrm>
+          <a:prstGeom prst="rect">
+            <a:avLst/>
+          </a:prstGeom>
+        </p:spPr>
+        <p:txBody>
+          <a:bodyPr vert="horz" lIns="91440" tIns="45720" rIns="91440" bIns="45720" rtlCol="0">
+            <a:normAutofit/>
+          </a:bodyPr>
+          <a:lstStyle>
+            <a:lvl1pPr marL="0" indent="0" algn="ctr" defTabSz="914400" rtl="0" eaLnBrk="1" latinLnBrk="0" hangingPunct="1">
+              <a:spcBef>
+                <a:spcPct val="20000"/>
+              </a:spcBef>
+              <a:buFont typeface="Arial" pitchFamily="34" charset="0"/>
+              <a:buNone/>
+              <a:defRPr sz="3200" kern="1200">
+                <a:solidFill>
+                  <a:schemeClr val="tx1">
+                    <a:tint val="75000"/>
+                  </a:schemeClr>
+                </a:solidFill>
+                <a:latin typeface="+mn-lt"/>
+                <a:ea typeface="+mn-ea"/>
+                <a:cs typeface="+mn-cs"/>
+              </a:defRPr>
+            </a:lvl1pPr>
+            <a:lvl2pPr marL="457200" indent="0" algn="ctr" defTabSz="914400" rtl="0" eaLnBrk="1" latinLnBrk="0" hangingPunct="1">
+              <a:spcBef>
+                <a:spcPct val="20000"/>
+              </a:spcBef>
+              <a:buFont typeface="Arial" pitchFamily="34" charset="0"/>
+              <a:buNone/>
+              <a:defRPr sz="2800" kern="1200">
+                <a:solidFill>
+                  <a:schemeClr val="tx1">
+                    <a:tint val="75000"/>
+                  </a:schemeClr>
+                </a:solidFill>
+                <a:latin typeface="+mn-lt"/>
+                <a:ea typeface="+mn-ea"/>
+                <a:cs typeface="+mn-cs"/>
+              </a:defRPr>
+            </a:lvl2pPr>
+            <a:lvl3pPr marL="914400" indent="0" algn="ctr" defTabSz="914400" rtl="0" eaLnBrk="1" latinLnBrk="0" hangingPunct="1">
+              <a:spcBef>
+                <a:spcPct val="20000"/>
+              </a:spcBef>
+              <a:buFont typeface="Arial" pitchFamily="34" charset="0"/>
+              <a:buNone/>
+              <a:defRPr sz="2400" kern="1200">
+                <a:solidFill>
+                  <a:schemeClr val="tx1">
+                    <a:tint val="75000"/>
+                  </a:schemeClr>
+                </a:solidFill>
+                <a:latin typeface="+mn-lt"/>
+                <a:ea typeface="+mn-ea"/>
+                <a:cs typeface="+mn-cs"/>
+              </a:defRPr>
+            </a:lvl3pPr>
+            <a:lvl4pPr marL="1371600" indent="0" algn="ctr" defTabSz="914400" rtl="0" eaLnBrk="1" latinLnBrk="0" hangingPunct="1">
+              <a:spcBef>
+                <a:spcPct val="20000"/>
+              </a:spcBef>
+              <a:buFont typeface="Arial" pitchFamily="34" charset="0"/>
+              <a:buNone/>
+              <a:defRPr sz="2000" kern="1200">
+                <a:solidFill>
+                  <a:schemeClr val="tx1">
+                    <a:tint val="75000"/>
+                  </a:schemeClr>
+                </a:solidFill>
+                <a:latin typeface="+mn-lt"/>
+                <a:ea typeface="+mn-ea"/>
+                <a:cs typeface="+mn-cs"/>
+              </a:defRPr>
+            </a:lvl4pPr>
+            <a:lvl5pPr marL="1828800" indent="0" algn="ctr" defTabSz="914400" rtl="0" eaLnBrk="1" latinLnBrk="0" hangingPunct="1">
+              <a:spcBef>
+                <a:spcPct val="20000"/>
+              </a:spcBef>
+              <a:buFont typeface="Arial" pitchFamily="34" charset="0"/>
+              <a:buNone/>
+              <a:defRPr sz="2000" kern="1200">
+                <a:solidFill>
+                  <a:schemeClr val="tx1">
+                    <a:tint val="75000"/>
+                  </a:schemeClr>
+                </a:solidFill>
+                <a:latin typeface="+mn-lt"/>
+                <a:ea typeface="+mn-ea"/>
+                <a:cs typeface="+mn-cs"/>
+              </a:defRPr>
+            </a:lvl5pPr>
+            <a:lvl6pPr marL="2286000" indent="0" algn="ctr" defTabSz="914400" rtl="0" eaLnBrk="1" latinLnBrk="0" hangingPunct="1">
+              <a:spcBef>
+                <a:spcPct val="20000"/>
+              </a:spcBef>
+              <a:buFont typeface="Arial" pitchFamily="34" charset="0"/>
+              <a:buNone/>
+              <a:defRPr sz="2000" kern="1200">
+                <a:solidFill>
+                  <a:schemeClr val="tx1">
+                    <a:tint val="75000"/>
+                  </a:schemeClr>
+                </a:solidFill>
+                <a:latin typeface="+mn-lt"/>
+                <a:ea typeface="+mn-ea"/>
+                <a:cs typeface="+mn-cs"/>
+              </a:defRPr>
+            </a:lvl6pPr>
+            <a:lvl7pPr marL="2743200" indent="0" algn="ctr" defTabSz="914400" rtl="0" eaLnBrk="1" latinLnBrk="0" hangingPunct="1">
+              <a:spcBef>
+                <a:spcPct val="20000"/>
+              </a:spcBef>
+              <a:buFont typeface="Arial" pitchFamily="34" charset="0"/>
+              <a:buNone/>
+              <a:defRPr sz="2000" kern="1200">
+                <a:solidFill>
+                  <a:schemeClr val="tx1">
+                    <a:tint val="75000"/>
+                  </a:schemeClr>
+                </a:solidFill>
+                <a:latin typeface="+mn-lt"/>
+                <a:ea typeface="+mn-ea"/>
+                <a:cs typeface="+mn-cs"/>
+              </a:defRPr>
+            </a:lvl7pPr>
+            <a:lvl8pPr marL="3200400" indent="0" algn="ctr" defTabSz="914400" rtl="0" eaLnBrk="1" latinLnBrk="0" hangingPunct="1">
+              <a:spcBef>
+                <a:spcPct val="20000"/>
+              </a:spcBef>
+              <a:buFont typeface="Arial" pitchFamily="34" charset="0"/>
+              <a:buNone/>
+              <a:defRPr sz="2000" kern="1200">
+                <a:solidFill>
+                  <a:schemeClr val="tx1">
+                    <a:tint val="75000"/>
+                  </a:schemeClr>
+                </a:solidFill>
+                <a:latin typeface="+mn-lt"/>
+                <a:ea typeface="+mn-ea"/>
+                <a:cs typeface="+mn-cs"/>
+              </a:defRPr>
+            </a:lvl8pPr>
+            <a:lvl9pPr marL="3657600" indent="0" algn="ctr" defTabSz="914400" rtl="0" eaLnBrk="1" latinLnBrk="0" hangingPunct="1">
+              <a:spcBef>
+                <a:spcPct val="20000"/>
+              </a:spcBef>
+              <a:buFont typeface="Arial" pitchFamily="34" charset="0"/>
+              <a:buNone/>
+              <a:defRPr sz="2000" kern="1200">
+                <a:solidFill>
+                  <a:schemeClr val="tx1">
+                    <a:tint val="75000"/>
+                  </a:schemeClr>
+                </a:solidFill>
+                <a:latin typeface="+mn-lt"/>
+                <a:ea typeface="+mn-ea"/>
+                <a:cs typeface="+mn-cs"/>
+              </a:defRPr>
+            </a:lvl9pPr>
+          </a:lstStyle>
+          <a:p>
+            <a:r>
+              <a:rPr lang="es-CL" sz="3600" b="1" dirty="0" smtClean="0">
+                <a:solidFill>
+                  <a:schemeClr val="tx2"/>
+                </a:solidFill>
+                <a:effectLst>
+                  <a:outerShdw blurRad="38100" dist="38100" dir="2700000" algn="tl">
+                    <a:srgbClr val="000000">
+                      <a:alpha val="43137"/>
+                    </a:srgbClr>
+                  </a:outerShdw>
+                </a:effectLst>
+                <a:latin typeface="Agency FB" pitchFamily="34" charset="0"/>
+              </a:rPr>
+              <a:t>Objetivos</a:t>
+            </a:r>
+            <a:endParaRPr lang="es-CL" sz="3600" b="1" dirty="0" smtClean="0">
+              <a:solidFill>
+                <a:schemeClr val="tx2"/>
+              </a:solidFill>
+              <a:effectLst>
+                <a:outerShdw blurRad="38100" dist="38100" dir="2700000" algn="tl">
+                  <a:srgbClr val="000000">
+                    <a:alpha val="43137"/>
+                  </a:srgbClr>
+                </a:outerShdw>
+              </a:effectLst>
+              <a:latin typeface="Agency FB" pitchFamily="34" charset="0"/>
+            </a:endParaRPr>
+          </a:p>
+          <a:p>
+            <a:endParaRPr lang="es-CL" sz="3600" dirty="0"/>
+          </a:p>
+        </p:txBody>
+      </p:sp>
+      <p:sp>
+        <p:nvSpPr>
+          <p:cNvPr id="2" name="1 Subtítulo"/>
+          <p:cNvSpPr>
+            <a:spLocks noGrp="1"/>
+          </p:cNvSpPr>
+          <p:nvPr>
+            <p:ph type="subTitle" idx="1"/>
+          </p:nvPr>
+        </p:nvSpPr>
+        <p:spPr>
+          <a:xfrm>
+            <a:off x="602795" y="1743010"/>
+            <a:ext cx="7992888" cy="4638317"/>
+          </a:xfrm>
+        </p:spPr>
+        <p:txBody>
+          <a:bodyPr>
+            <a:normAutofit/>
+          </a:bodyPr>
+          <a:lstStyle/>
+          <a:p>
+            <a:pPr algn="just"/>
+            <a:endParaRPr lang="es-CL" sz="2000" dirty="0" smtClean="0">
+              <a:latin typeface="Agency FB" pitchFamily="34" charset="0"/>
+            </a:endParaRPr>
+          </a:p>
+          <a:p>
+            <a:pPr algn="just"/>
+            <a:endParaRPr lang="es-CL" dirty="0">
+              <a:latin typeface="Agency FB" pitchFamily="34" charset="0"/>
+            </a:endParaRPr>
+          </a:p>
+          <a:p>
+            <a:pPr algn="just"/>
+            <a:endParaRPr lang="es-CL" dirty="0">
+              <a:latin typeface="Agency FB" pitchFamily="34" charset="0"/>
+            </a:endParaRPr>
+          </a:p>
+          <a:p>
+            <a:pPr algn="just"/>
+            <a:endParaRPr lang="es-CL" sz="2000" dirty="0">
+              <a:latin typeface="Agency FB" pitchFamily="34" charset="0"/>
+            </a:endParaRPr>
+          </a:p>
+          <a:p>
+            <a:pPr algn="just"/>
+            <a:endParaRPr lang="es-CL" dirty="0">
+              <a:latin typeface="Agency FB" pitchFamily="34" charset="0"/>
+            </a:endParaRPr>
+          </a:p>
+        </p:txBody>
+      </p:sp>
+      <p:graphicFrame>
+        <p:nvGraphicFramePr>
+          <p:cNvPr id="3" name="2 Diagrama"/>
+          <p:cNvGraphicFramePr/>
+          <p:nvPr>
+            <p:extLst>
+              <p:ext uri="{D42A27DB-BD31-4B8C-83A1-F6EECF244321}">
+                <p14:modId xmlns:p14="http://schemas.microsoft.com/office/powerpoint/2010/main" val="1800916314"/>
+              </p:ext>
+            </p:extLst>
+          </p:nvPr>
+        </p:nvGraphicFramePr>
+        <p:xfrm>
+          <a:off x="1253125" y="1988840"/>
+          <a:ext cx="6648400" cy="4239962"/>
+        </p:xfrm>
+        <a:graphic>
+          <a:graphicData uri="http://schemas.openxmlformats.org/drawingml/2006/diagram">
+            <dgm:relIds xmlns:dgm="http://schemas.openxmlformats.org/drawingml/2006/diagram" xmlns:r="http://schemas.openxmlformats.org/officeDocument/2006/relationships" r:dm="rId5" r:lo="rId6" r:qs="rId7" r:cs="rId8"/>
+          </a:graphicData>
+        </a:graphic>
+      </p:graphicFrame>
+    </p:spTree>
+    <p:extLst>
+      <p:ext uri="{BB962C8B-B14F-4D97-AF65-F5344CB8AC3E}">
+        <p14:creationId xmlns:p14="http://schemas.microsoft.com/office/powerpoint/2010/main" val="1617133376"/>
+      </p:ext>
+    </p:extLst>
+  </p:cSld>
+  <p:clrMapOvr>
+    <a:overrideClrMapping bg1="lt1" tx1="dk1" bg2="lt2" tx2="dk2" accent1="accent1" accent2="accent2" accent3="accent3" accent4="accent4" accent5="accent5" accent6="accent6" hlink="hlink" folHlink="folHlink"/>
+  </p:clrMapOvr>
+  <p:timing>
+    <p:tnLst>
+      <p:par>
+        <p:cTn id="1" dur="indefinite" restart="never" nodeType="tmRoot"/>
+      </p:par>
+    </p:tnLst>
+  </p:timing>
+</p:sld>
+</file>
+
+<file path=ppt/slides/slide3.xml><?xml version="1.0" encoding="utf-8"?>
 <p:sld xmlns:a="http://schemas.openxmlformats.org/drawingml/2006/main" xmlns:r="http://schemas.openxmlformats.org/officeDocument/2006/relationships" xmlns:p="http://schemas.openxmlformats.org/presentationml/2006/main">
   <p:cSld>
     <p:spTree>
@@ -8012,6 +11429,9 @@
             <a:pPr algn="just"/>
             <a:r>
               <a:rPr lang="es-CL" sz="4000" dirty="0">
+                <a:solidFill>
+                  <a:schemeClr val="tx1"/>
+                </a:solidFill>
                 <a:latin typeface="Agency FB" pitchFamily="34" charset="0"/>
               </a:rPr>
               <a:t>1° Paso:</a:t>
@@ -8021,47 +11441,62 @@
             <a:pPr algn="just"/>
             <a:r>
               <a:rPr lang="es-CL" dirty="0" smtClean="0">
-                <a:latin typeface="Agency FB" pitchFamily="34" charset="0"/>
-              </a:rPr>
-              <a:t>Cómo </a:t>
+                <a:solidFill>
+                  <a:schemeClr val="tx1"/>
+                </a:solidFill>
+                <a:latin typeface="Agency FB" pitchFamily="34" charset="0"/>
+              </a:rPr>
+              <a:t>Cómo descargar y </a:t>
+            </a:r>
+            <a:r>
+              <a:rPr lang="es-CL" dirty="0">
+                <a:solidFill>
+                  <a:schemeClr val="tx1"/>
+                </a:solidFill>
+                <a:latin typeface="Agency FB" pitchFamily="34" charset="0"/>
+              </a:rPr>
+              <a:t>leer un archivo E</a:t>
             </a:r>
             <a:r>
               <a:rPr lang="es-CL" dirty="0" smtClean="0">
-                <a:latin typeface="Agency FB" pitchFamily="34" charset="0"/>
-              </a:rPr>
-              <a:t>descargar y </a:t>
+                <a:solidFill>
+                  <a:schemeClr val="tx1"/>
+                </a:solidFill>
+                <a:latin typeface="Agency FB" pitchFamily="34" charset="0"/>
+              </a:rPr>
+              <a:t>xcel </a:t>
             </a:r>
             <a:r>
               <a:rPr lang="es-CL" dirty="0">
-                <a:latin typeface="Agency FB" pitchFamily="34" charset="0"/>
-              </a:rPr>
-              <a:t>leer un archivo E</a:t>
+                <a:solidFill>
+                  <a:schemeClr val="tx1"/>
+                </a:solidFill>
+                <a:latin typeface="Agency FB" pitchFamily="34" charset="0"/>
+              </a:rPr>
+              <a:t>con </a:t>
             </a:r>
             <a:r>
               <a:rPr lang="es-CL" dirty="0" smtClean="0">
-                <a:latin typeface="Agency FB" pitchFamily="34" charset="0"/>
-              </a:rPr>
-              <a:t>xcel </a:t>
-            </a:r>
-            <a:r>
-              <a:rPr lang="es-CL" dirty="0">
-                <a:latin typeface="Agency FB" pitchFamily="34" charset="0"/>
-              </a:rPr>
-              <a:t>con </a:t>
-            </a:r>
-            <a:r>
-              <a:rPr lang="es-CL" dirty="0" smtClean="0">
+                <a:solidFill>
+                  <a:schemeClr val="tx1"/>
+                </a:solidFill>
                 <a:latin typeface="Agency FB" pitchFamily="34" charset="0"/>
               </a:rPr>
               <a:t>R?</a:t>
             </a:r>
             <a:endParaRPr lang="es-CL" dirty="0">
+              <a:solidFill>
+                <a:schemeClr val="tx1"/>
+              </a:solidFill>
               <a:latin typeface="Agency FB" pitchFamily="34" charset="0"/>
             </a:endParaRPr>
           </a:p>
           <a:p>
             <a:pPr algn="just"/>
             <a:endParaRPr lang="es-CL" sz="2900" dirty="0">
+              <a:solidFill>
+                <a:schemeClr val="tx1"/>
+              </a:solidFill>
               <a:latin typeface="Agency FB" pitchFamily="34" charset="0"/>
             </a:endParaRPr>
           </a:p>
@@ -8069,6 +11504,9 @@
             <a:pPr algn="just"/>
             <a:r>
               <a:rPr lang="es-CL" sz="2900" dirty="0">
+                <a:solidFill>
+                  <a:schemeClr val="tx1"/>
+                </a:solidFill>
                 <a:latin typeface="Agency FB" pitchFamily="34" charset="0"/>
               </a:rPr>
               <a:t># Librería para descargar la información</a:t>
@@ -8078,24 +11516,36 @@
             <a:pPr algn="just"/>
             <a:r>
               <a:rPr lang="es-CL" sz="2900" dirty="0" err="1">
+                <a:solidFill>
+                  <a:schemeClr val="tx1"/>
+                </a:solidFill>
                 <a:latin typeface="Agency FB" pitchFamily="34" charset="0"/>
               </a:rPr>
               <a:t>install.packages</a:t>
             </a:r>
             <a:r>
               <a:rPr lang="es-CL" sz="2900" dirty="0">
+                <a:solidFill>
+                  <a:schemeClr val="tx1"/>
+                </a:solidFill>
                 <a:latin typeface="Agency FB" pitchFamily="34" charset="0"/>
               </a:rPr>
               <a:t>("</a:t>
             </a:r>
             <a:r>
               <a:rPr lang="es-CL" sz="2900" dirty="0" err="1">
+                <a:solidFill>
+                  <a:schemeClr val="tx1"/>
+                </a:solidFill>
                 <a:latin typeface="Agency FB" pitchFamily="34" charset="0"/>
               </a:rPr>
               <a:t>RCurl</a:t>
             </a:r>
             <a:r>
               <a:rPr lang="es-CL" sz="2900" dirty="0">
+                <a:solidFill>
+                  <a:schemeClr val="tx1"/>
+                </a:solidFill>
                 <a:latin typeface="Agency FB" pitchFamily="34" charset="0"/>
               </a:rPr>
               <a:t>")</a:t>
@@ -8104,6 +11554,9 @@
           <a:p>
             <a:pPr algn="just"/>
             <a:endParaRPr lang="es-CL" sz="2900" dirty="0">
+              <a:solidFill>
+                <a:schemeClr val="tx1"/>
+              </a:solidFill>
               <a:latin typeface="Agency FB" pitchFamily="34" charset="0"/>
             </a:endParaRPr>
           </a:p>
@@ -8111,17 +11564,26 @@
             <a:pPr algn="just"/>
             <a:r>
               <a:rPr lang="es-CL" sz="2900" dirty="0">
+                <a:solidFill>
+                  <a:schemeClr val="tx1"/>
+                </a:solidFill>
                 <a:latin typeface="Agency FB" pitchFamily="34" charset="0"/>
               </a:rPr>
               <a:t># Librería para leer </a:t>
             </a:r>
             <a:r>
               <a:rPr lang="es-CL" sz="2900" dirty="0" err="1">
+                <a:solidFill>
+                  <a:schemeClr val="tx1"/>
+                </a:solidFill>
                 <a:latin typeface="Agency FB" pitchFamily="34" charset="0"/>
               </a:rPr>
               <a:t>excel</a:t>
             </a:r>
             <a:endParaRPr lang="es-CL" sz="2900" dirty="0">
+              <a:solidFill>
+                <a:schemeClr val="tx1"/>
+              </a:solidFill>
               <a:latin typeface="Agency FB" pitchFamily="34" charset="0"/>
             </a:endParaRPr>
           </a:p>
@@ -8129,24 +11591,36 @@
             <a:pPr algn="just"/>
             <a:r>
               <a:rPr lang="es-CL" sz="2900" dirty="0" err="1">
+                <a:solidFill>
+                  <a:schemeClr val="tx1"/>
+                </a:solidFill>
                 <a:latin typeface="Agency FB" pitchFamily="34" charset="0"/>
               </a:rPr>
               <a:t>install.packages</a:t>
             </a:r>
             <a:r>
               <a:rPr lang="es-CL" sz="2900" dirty="0">
+                <a:solidFill>
+                  <a:schemeClr val="tx1"/>
+                </a:solidFill>
                 <a:latin typeface="Agency FB" pitchFamily="34" charset="0"/>
               </a:rPr>
               <a:t>("</a:t>
             </a:r>
             <a:r>
               <a:rPr lang="es-CL" sz="2900" dirty="0" err="1">
+                <a:solidFill>
+                  <a:schemeClr val="tx1"/>
+                </a:solidFill>
                 <a:latin typeface="Agency FB" pitchFamily="34" charset="0"/>
               </a:rPr>
               <a:t>readxl</a:t>
             </a:r>
             <a:r>
               <a:rPr lang="es-CL" sz="2900" dirty="0">
+                <a:solidFill>
+                  <a:schemeClr val="tx1"/>
+                </a:solidFill>
                 <a:latin typeface="Agency FB" pitchFamily="34" charset="0"/>
               </a:rPr>
               <a:t>")</a:t>
@@ -8155,6 +11629,9 @@
           <a:p>
             <a:pPr algn="just"/>
             <a:endParaRPr lang="es-CL" sz="2900" dirty="0">
+              <a:solidFill>
+                <a:schemeClr val="tx1"/>
+              </a:solidFill>
               <a:latin typeface="Agency FB" pitchFamily="34" charset="0"/>
             </a:endParaRPr>
           </a:p>
@@ -8162,6 +11639,9 @@
             <a:pPr algn="just"/>
             <a:r>
               <a:rPr lang="es-CL" sz="2900" dirty="0">
+                <a:solidFill>
+                  <a:schemeClr val="tx1"/>
+                </a:solidFill>
                 <a:latin typeface="Agency FB" pitchFamily="34" charset="0"/>
               </a:rPr>
               <a:t># Usando las Librerías</a:t>
@@ -8171,24 +11651,36 @@
             <a:pPr algn="just"/>
             <a:r>
               <a:rPr lang="es-CL" sz="2900" dirty="0" err="1">
+                <a:solidFill>
+                  <a:schemeClr val="tx1"/>
+                </a:solidFill>
                 <a:latin typeface="Agency FB" pitchFamily="34" charset="0"/>
               </a:rPr>
               <a:t>library</a:t>
             </a:r>
             <a:r>
               <a:rPr lang="es-CL" sz="2900" dirty="0">
+                <a:solidFill>
+                  <a:schemeClr val="tx1"/>
+                </a:solidFill>
                 <a:latin typeface="Agency FB" pitchFamily="34" charset="0"/>
               </a:rPr>
               <a:t>(</a:t>
             </a:r>
             <a:r>
               <a:rPr lang="es-CL" sz="2900" dirty="0" err="1">
+                <a:solidFill>
+                  <a:schemeClr val="tx1"/>
+                </a:solidFill>
                 <a:latin typeface="Agency FB" pitchFamily="34" charset="0"/>
               </a:rPr>
               <a:t>RCurl</a:t>
             </a:r>
             <a:r>
               <a:rPr lang="es-CL" sz="2900" dirty="0">
+                <a:solidFill>
+                  <a:schemeClr val="tx1"/>
+                </a:solidFill>
                 <a:latin typeface="Agency FB" pitchFamily="34" charset="0"/>
               </a:rPr>
               <a:t>)</a:t>
@@ -8198,24 +11690,36 @@
             <a:pPr algn="just"/>
             <a:r>
               <a:rPr lang="es-CL" sz="2900" dirty="0" err="1">
+                <a:solidFill>
+                  <a:schemeClr val="tx1"/>
+                </a:solidFill>
                 <a:latin typeface="Agency FB" pitchFamily="34" charset="0"/>
               </a:rPr>
               <a:t>library</a:t>
             </a:r>
             <a:r>
               <a:rPr lang="es-CL" sz="2900" dirty="0">
+                <a:solidFill>
+                  <a:schemeClr val="tx1"/>
+                </a:solidFill>
                 <a:latin typeface="Agency FB" pitchFamily="34" charset="0"/>
               </a:rPr>
               <a:t>(</a:t>
             </a:r>
             <a:r>
               <a:rPr lang="es-CL" sz="2900" dirty="0" err="1">
+                <a:solidFill>
+                  <a:schemeClr val="tx1"/>
+                </a:solidFill>
                 <a:latin typeface="Agency FB" pitchFamily="34" charset="0"/>
               </a:rPr>
               <a:t>readxl</a:t>
             </a:r>
             <a:r>
               <a:rPr lang="es-CL" sz="2900" dirty="0" smtClean="0">
+                <a:solidFill>
+                  <a:schemeClr val="tx1"/>
+                </a:solidFill>
                 <a:latin typeface="Agency FB" pitchFamily="34" charset="0"/>
               </a:rPr>
               <a:t>)</a:t>
@@ -8224,6 +11728,9 @@
           <a:p>
             <a:pPr algn="just"/>
             <a:endParaRPr lang="es-CL" sz="2900" dirty="0">
+              <a:solidFill>
+                <a:schemeClr val="tx1"/>
+              </a:solidFill>
               <a:latin typeface="Agency FB" pitchFamily="34" charset="0"/>
             </a:endParaRPr>
           </a:p>
@@ -8231,6 +11738,9 @@
             <a:pPr algn="just"/>
             <a:r>
               <a:rPr lang="es-CL" sz="2900" dirty="0">
+                <a:solidFill>
+                  <a:schemeClr val="tx1"/>
+                </a:solidFill>
                 <a:latin typeface="Agency FB" pitchFamily="34" charset="0"/>
               </a:rPr>
               <a:t># Descargando el archivo Excel</a:t>
@@ -8240,12 +11750,18 @@
             <a:pPr algn="just"/>
             <a:r>
               <a:rPr lang="es-CL" sz="2900" dirty="0" err="1">
+                <a:solidFill>
+                  <a:schemeClr val="tx1"/>
+                </a:solidFill>
                 <a:latin typeface="Agency FB" pitchFamily="34" charset="0"/>
               </a:rPr>
               <a:t>download.file</a:t>
             </a:r>
             <a:r>
               <a:rPr lang="es-CL" sz="2900" dirty="0">
+                <a:solidFill>
+                  <a:schemeClr val="tx1"/>
+                </a:solidFill>
                 <a:latin typeface="Agency FB" pitchFamily="34" charset="0"/>
               </a:rPr>
               <a:t>("http://www.deis.cl/wp-content/uploads/2018/10/Accidentes-laborales-fatales-2007-2016.xlsx",destfile="Accidentes-laborales-fatales-2007-2016.xlsx",mode="wb")</a:t>
@@ -8254,6 +11770,9 @@
           <a:p>
             <a:pPr algn="just"/>
             <a:endParaRPr lang="es-CL" sz="2000" dirty="0" smtClean="0">
+              <a:solidFill>
+                <a:schemeClr val="tx1"/>
+              </a:solidFill>
               <a:latin typeface="Agency FB" pitchFamily="34" charset="0"/>
             </a:endParaRPr>
           </a:p>
@@ -8286,7 +11805,7 @@
     </p:spTree>
     <p:extLst>
       <p:ext uri="{BB962C8B-B14F-4D97-AF65-F5344CB8AC3E}">
-        <p14:creationId xmlns:p14="http://schemas.microsoft.com/office/powerpoint/2010/main" val="1617133376"/>
+        <p14:creationId xmlns:p14="http://schemas.microsoft.com/office/powerpoint/2010/main" val="394920706"/>
       </p:ext>
     </p:extLst>
   </p:cSld>
@@ -8303,7 +11822,7 @@
 </p:sld>
 </file>
 
-<file path=ppt/slides/slide3.xml><?xml version="1.0" encoding="utf-8"?>
+<file path=ppt/slides/slide4.xml><?xml version="1.0" encoding="utf-8"?>
 <p:sld xmlns:a="http://schemas.openxmlformats.org/drawingml/2006/main" xmlns:r="http://schemas.openxmlformats.org/officeDocument/2006/relationships" xmlns:p="http://schemas.openxmlformats.org/presentationml/2006/main">
   <p:cSld>
     <p:spTree>
@@ -8716,6 +12235,9 @@
             <a:pPr algn="just"/>
             <a:r>
               <a:rPr lang="es-CL" sz="4600" dirty="0">
+                <a:solidFill>
+                  <a:schemeClr val="tx1"/>
+                </a:solidFill>
                 <a:latin typeface="Agency FB" pitchFamily="34" charset="0"/>
               </a:rPr>
               <a:t>2° Paso:</a:t>
@@ -8725,6 +12247,9 @@
             <a:pPr algn="just"/>
             <a:r>
               <a:rPr lang="es-CL" sz="3600" dirty="0">
+                <a:solidFill>
+                  <a:schemeClr val="tx1"/>
+                </a:solidFill>
                 <a:latin typeface="Agency FB" pitchFamily="34" charset="0"/>
               </a:rPr>
               <a:t># Leyendo el Excel</a:t>
@@ -8734,18 +12259,27 @@
             <a:pPr algn="just"/>
             <a:r>
               <a:rPr lang="es-CL" sz="3600" dirty="0">
+                <a:solidFill>
+                  <a:schemeClr val="tx1"/>
+                </a:solidFill>
                 <a:latin typeface="Agency FB" pitchFamily="34" charset="0"/>
               </a:rPr>
               <a:t>excelALF2007a2016 &lt;- </a:t>
             </a:r>
             <a:r>
               <a:rPr lang="es-CL" sz="3600" dirty="0" err="1">
+                <a:solidFill>
+                  <a:schemeClr val="tx1"/>
+                </a:solidFill>
                 <a:latin typeface="Agency FB" pitchFamily="34" charset="0"/>
               </a:rPr>
               <a:t>read_excel</a:t>
             </a:r>
             <a:r>
               <a:rPr lang="es-CL" sz="3600" dirty="0">
+                <a:solidFill>
+                  <a:schemeClr val="tx1"/>
+                </a:solidFill>
                 <a:latin typeface="Agency FB" pitchFamily="34" charset="0"/>
               </a:rPr>
               <a:t>("Accidentes-laborales-fatales-2007-2016.xlsx")</a:t>
@@ -8754,6 +12288,9 @@
           <a:p>
             <a:pPr algn="just"/>
             <a:endParaRPr lang="es-CL" dirty="0">
+              <a:solidFill>
+                <a:schemeClr val="tx1"/>
+              </a:solidFill>
               <a:latin typeface="Agency FB" pitchFamily="34" charset="0"/>
             </a:endParaRPr>
           </a:p>
@@ -8761,6 +12298,9 @@
             <a:pPr algn="just"/>
             <a:r>
               <a:rPr lang="es-CL" sz="4600" dirty="0">
+                <a:solidFill>
+                  <a:schemeClr val="tx1"/>
+                </a:solidFill>
                 <a:latin typeface="Agency FB" pitchFamily="34" charset="0"/>
               </a:rPr>
               <a:t>3° Paso:</a:t>
@@ -8770,6 +12310,9 @@
             <a:pPr algn="just"/>
             <a:r>
               <a:rPr lang="es-CL" sz="3600" dirty="0">
+                <a:solidFill>
+                  <a:schemeClr val="tx1"/>
+                </a:solidFill>
                 <a:latin typeface="Agency FB" pitchFamily="34" charset="0"/>
               </a:rPr>
               <a:t># Leyendo el Excel con rangos definidos</a:t>
@@ -8779,134 +12322,170 @@
             <a:pPr algn="just"/>
             <a:r>
               <a:rPr lang="es-CL" sz="3600" dirty="0">
+                <a:solidFill>
+                  <a:schemeClr val="tx1"/>
+                </a:solidFill>
                 <a:latin typeface="Agency FB" pitchFamily="34" charset="0"/>
               </a:rPr>
               <a:t>excelALF2007a2016DefYMor1 &lt;- </a:t>
             </a:r>
             <a:r>
               <a:rPr lang="es-CL" sz="3600" dirty="0" err="1">
+                <a:solidFill>
+                  <a:schemeClr val="tx1"/>
+                </a:solidFill>
                 <a:latin typeface="Agency FB" pitchFamily="34" charset="0"/>
               </a:rPr>
               <a:t>read_excel</a:t>
             </a:r>
             <a:r>
               <a:rPr lang="es-CL" sz="3600" dirty="0">
-                <a:latin typeface="Agency FB" pitchFamily="34" charset="0"/>
-              </a:rPr>
-              <a:t>("Accidentes-laborales-fatales-2007-2016.xlsx</a:t>
+                <a:solidFill>
+                  <a:schemeClr val="tx1"/>
+                </a:solidFill>
+                <a:latin typeface="Agency FB" pitchFamily="34" charset="0"/>
+              </a:rPr>
+              <a:t>("Accidentes-laborales-fatales-2007-2016.xlsx",range = "</a:t>
             </a:r>
             <a:r>
               <a:rPr lang="es-CL" sz="3600" dirty="0">
-                <a:latin typeface="Agency FB" pitchFamily="34" charset="0"/>
-              </a:rPr>
-              <a:t>",range </a:t>
+                <a:solidFill>
+                  <a:schemeClr val="tx1"/>
+                </a:solidFill>
+                <a:latin typeface="Agency FB" pitchFamily="34" charset="0"/>
+                <a:hlinkClick r:id="rId4" action="ppaction://hlinksldjump"/>
+              </a:rPr>
+              <a:t>B8:H18</a:t>
             </a:r>
             <a:r>
               <a:rPr lang="es-CL" sz="3600" dirty="0">
-                <a:latin typeface="Agency FB" pitchFamily="34" charset="0"/>
-              </a:rPr>
-              <a:t>= "</a:t>
-            </a:r>
+                <a:solidFill>
+                  <a:schemeClr val="tx1"/>
+                </a:solidFill>
+                <a:latin typeface="Agency FB" pitchFamily="34" charset="0"/>
+              </a:rPr>
+              <a:t>")</a:t>
+            </a:r>
+          </a:p>
+          <a:p>
+            <a:pPr algn="just"/>
             <a:r>
               <a:rPr lang="es-CL" sz="3600" dirty="0">
-                <a:latin typeface="Agency FB" pitchFamily="34" charset="0"/>
-                <a:hlinkClick r:id="rId4" action="ppaction://hlinksldjump"/>
-              </a:rPr>
-              <a:t>B8:H18</a:t>
+                <a:solidFill>
+                  <a:schemeClr val="tx1"/>
+                </a:solidFill>
+                <a:latin typeface="Agency FB" pitchFamily="34" charset="0"/>
+              </a:rPr>
+              <a:t>excelALF2007a2016DefYMor2 &lt;- </a:t>
+            </a:r>
+            <a:r>
+              <a:rPr lang="es-CL" sz="3600" dirty="0" err="1">
+                <a:solidFill>
+                  <a:schemeClr val="tx1"/>
+                </a:solidFill>
+                <a:latin typeface="Agency FB" pitchFamily="34" charset="0"/>
+              </a:rPr>
+              <a:t>read_excel</a:t>
             </a:r>
             <a:r>
               <a:rPr lang="es-CL" sz="3600" dirty="0">
+                <a:solidFill>
+                  <a:schemeClr val="tx1"/>
+                </a:solidFill>
+                <a:latin typeface="Agency FB" pitchFamily="34" charset="0"/>
+              </a:rPr>
+              <a:t>("Accidentes-laborales-fatales-2007-2016.xlsx",range = "</a:t>
+            </a:r>
+            <a:r>
+              <a:rPr lang="es-CL" sz="3600" dirty="0">
+                <a:solidFill>
+                  <a:schemeClr val="tx1"/>
+                </a:solidFill>
+                <a:latin typeface="Agency FB" pitchFamily="34" charset="0"/>
+                <a:hlinkClick r:id="rId5" action="ppaction://hlinksldjump"/>
+              </a:rPr>
+              <a:t>J7:P18</a:t>
+            </a:r>
+            <a:r>
+              <a:rPr lang="es-CL" sz="3600" dirty="0">
+                <a:solidFill>
+                  <a:schemeClr val="tx1"/>
+                </a:solidFill>
                 <a:latin typeface="Agency FB" pitchFamily="34" charset="0"/>
               </a:rPr>
               <a:t>")</a:t>
             </a:r>
-            <a:endParaRPr lang="es-CL" sz="3600" dirty="0">
+          </a:p>
+          <a:p>
+            <a:pPr algn="just"/>
+            <a:endParaRPr lang="es-CL" dirty="0" smtClean="0">
+              <a:solidFill>
+                <a:schemeClr val="tx1"/>
+              </a:solidFill>
               <a:latin typeface="Agency FB" pitchFamily="34" charset="0"/>
             </a:endParaRPr>
           </a:p>
           <a:p>
             <a:pPr algn="just"/>
             <a:r>
+              <a:rPr lang="es-CL" sz="4600" dirty="0">
+                <a:solidFill>
+                  <a:schemeClr val="tx1"/>
+                </a:solidFill>
+                <a:latin typeface="Agency FB" pitchFamily="34" charset="0"/>
+              </a:rPr>
+              <a:t>4° Paso:</a:t>
+            </a:r>
+          </a:p>
+          <a:p>
+            <a:pPr algn="just"/>
+            <a:r>
               <a:rPr lang="es-CL" sz="3600" dirty="0">
-                <a:latin typeface="Agency FB" pitchFamily="34" charset="0"/>
-              </a:rPr>
-              <a:t>excelALF2007a2016DefYMor2 &lt;- </a:t>
-            </a:r>
+                <a:solidFill>
+                  <a:schemeClr val="tx1"/>
+                </a:solidFill>
+                <a:latin typeface="Agency FB" pitchFamily="34" charset="0"/>
+              </a:rPr>
+              <a:t># Viendo el contenido de la variable excelALF2007a2016DefYMor 1 y 2</a:t>
+            </a:r>
+          </a:p>
+          <a:p>
+            <a:pPr algn="just"/>
             <a:r>
               <a:rPr lang="es-CL" sz="3600" dirty="0" err="1">
-                <a:latin typeface="Agency FB" pitchFamily="34" charset="0"/>
-              </a:rPr>
-              <a:t>read_excel</a:t>
+                <a:solidFill>
+                  <a:schemeClr val="tx1"/>
+                </a:solidFill>
+                <a:latin typeface="Agency FB" pitchFamily="34" charset="0"/>
+              </a:rPr>
+              <a:t>print</a:t>
             </a:r>
             <a:r>
               <a:rPr lang="es-CL" sz="3600" dirty="0">
-                <a:latin typeface="Agency FB" pitchFamily="34" charset="0"/>
-              </a:rPr>
-              <a:t>("Accidentes-laborales-fatales-2007-2016.xlsx",range = "</a:t>
+                <a:solidFill>
+                  <a:schemeClr val="tx1"/>
+                </a:solidFill>
+                <a:latin typeface="Agency FB" pitchFamily="34" charset="0"/>
+              </a:rPr>
+              <a:t>(excelALF2007a2016DefYMor1)</a:t>
+            </a:r>
+          </a:p>
+          <a:p>
+            <a:pPr algn="just"/>
+            <a:r>
+              <a:rPr lang="es-CL" sz="3600" dirty="0" err="1">
+                <a:solidFill>
+                  <a:schemeClr val="tx1"/>
+                </a:solidFill>
+                <a:latin typeface="Agency FB" pitchFamily="34" charset="0"/>
+              </a:rPr>
+              <a:t>print</a:t>
             </a:r>
             <a:r>
               <a:rPr lang="es-CL" sz="3600" dirty="0">
-                <a:latin typeface="Agency FB" pitchFamily="34" charset="0"/>
-                <a:hlinkClick r:id="rId5" action="ppaction://hlinksldjump"/>
-              </a:rPr>
-              <a:t>J7:P18</a:t>
-            </a:r>
-            <a:r>
-              <a:rPr lang="es-CL" sz="3600" dirty="0">
-                <a:latin typeface="Agency FB" pitchFamily="34" charset="0"/>
-              </a:rPr>
-              <a:t>")</a:t>
-            </a:r>
-          </a:p>
-          <a:p>
-            <a:pPr algn="just"/>
-            <a:endParaRPr lang="es-CL" dirty="0" smtClean="0">
-              <a:latin typeface="Agency FB" pitchFamily="34" charset="0"/>
-            </a:endParaRPr>
-          </a:p>
-          <a:p>
-            <a:pPr algn="just"/>
-            <a:r>
-              <a:rPr lang="es-CL" sz="4600" dirty="0">
-                <a:latin typeface="Agency FB" pitchFamily="34" charset="0"/>
-              </a:rPr>
-              <a:t>4° Paso:</a:t>
-            </a:r>
-          </a:p>
-          <a:p>
-            <a:pPr algn="just"/>
-            <a:r>
-              <a:rPr lang="es-CL" sz="3600" dirty="0">
-                <a:latin typeface="Agency FB" pitchFamily="34" charset="0"/>
-              </a:rPr>
-              <a:t># Viendo el contenido de la variable excelALF2007a2016DefYMor 1 y 2</a:t>
-            </a:r>
-          </a:p>
-          <a:p>
-            <a:pPr algn="just"/>
-            <a:r>
-              <a:rPr lang="es-CL" sz="3600" dirty="0" err="1">
-                <a:latin typeface="Agency FB" pitchFamily="34" charset="0"/>
-              </a:rPr>
-              <a:t>print</a:t>
-            </a:r>
-            <a:r>
-              <a:rPr lang="es-CL" sz="3600" dirty="0">
-                <a:latin typeface="Agency FB" pitchFamily="34" charset="0"/>
-              </a:rPr>
-              <a:t>(excelALF2007a2016DefYMor1)</a:t>
-            </a:r>
-          </a:p>
-          <a:p>
-            <a:pPr algn="just"/>
-            <a:r>
-              <a:rPr lang="es-CL" sz="3600" dirty="0" err="1">
-                <a:latin typeface="Agency FB" pitchFamily="34" charset="0"/>
-              </a:rPr>
-              <a:t>print</a:t>
-            </a:r>
-            <a:r>
-              <a:rPr lang="es-CL" sz="3600" dirty="0">
+                <a:solidFill>
+                  <a:schemeClr val="tx1"/>
+                </a:solidFill>
                 <a:latin typeface="Agency FB" pitchFamily="34" charset="0"/>
               </a:rPr>
               <a:t>(excelALF2007a2016DefYMor2)</a:t>
@@ -8915,6 +12494,9 @@
           <a:p>
             <a:pPr algn="just"/>
             <a:endParaRPr lang="es-CL" sz="2000" dirty="0" smtClean="0">
+              <a:solidFill>
+                <a:schemeClr val="tx1"/>
+              </a:solidFill>
               <a:latin typeface="Agency FB" pitchFamily="34" charset="0"/>
             </a:endParaRPr>
           </a:p>
@@ -8964,7 +12546,7 @@
 </p:sld>
 </file>
 
-<file path=ppt/slides/slide4.xml><?xml version="1.0" encoding="utf-8"?>
+<file path=ppt/slides/slide5.xml><?xml version="1.0" encoding="utf-8"?>
 <p:sld xmlns:a="http://schemas.openxmlformats.org/drawingml/2006/main" xmlns:r="http://schemas.openxmlformats.org/officeDocument/2006/relationships" xmlns:p="http://schemas.openxmlformats.org/presentationml/2006/main">
   <p:cSld>
     <p:spTree>
@@ -9379,24 +12961,42 @@
               <a:rPr lang="es-CL" sz="3600" dirty="0">
                 <a:latin typeface="Agency FB" pitchFamily="34" charset="0"/>
               </a:rPr>
-              <a:t>5° Paso:</a:t>
+              <a:t>5</a:t>
+            </a:r>
+            <a:r>
+              <a:rPr lang="es-CL" sz="3600" dirty="0">
+                <a:solidFill>
+                  <a:schemeClr val="tx1"/>
+                </a:solidFill>
+                <a:latin typeface="Agency FB" pitchFamily="34" charset="0"/>
+              </a:rPr>
+              <a:t>° Paso:</a:t>
             </a:r>
           </a:p>
           <a:p>
             <a:pPr algn="just"/>
             <a:r>
               <a:rPr lang="es-CL" dirty="0">
+                <a:solidFill>
+                  <a:schemeClr val="tx1"/>
+                </a:solidFill>
                 <a:latin typeface="Agency FB" pitchFamily="34" charset="0"/>
               </a:rPr>
               <a:t># Convirtiendo a data </a:t>
             </a:r>
             <a:r>
               <a:rPr lang="es-CL" dirty="0" err="1">
+                <a:solidFill>
+                  <a:schemeClr val="tx1"/>
+                </a:solidFill>
                 <a:latin typeface="Agency FB" pitchFamily="34" charset="0"/>
               </a:rPr>
               <a:t>frame</a:t>
             </a:r>
             <a:endParaRPr lang="es-CL" dirty="0">
+              <a:solidFill>
+                <a:schemeClr val="tx1"/>
+              </a:solidFill>
               <a:latin typeface="Agency FB" pitchFamily="34" charset="0"/>
             </a:endParaRPr>
           </a:p>
@@ -9404,6 +13004,9 @@
             <a:pPr algn="just"/>
             <a:r>
               <a:rPr lang="es-CL" dirty="0">
+                <a:solidFill>
+                  <a:schemeClr val="tx1"/>
+                </a:solidFill>
                 <a:latin typeface="Agency FB" pitchFamily="34" charset="0"/>
                 <a:hlinkClick r:id="rId4" action="ppaction://hlinksldjump"/>
               </a:rPr>
@@ -9411,18 +13014,27 @@
             </a:r>
             <a:r>
               <a:rPr lang="es-CL" dirty="0">
+                <a:solidFill>
+                  <a:schemeClr val="tx1"/>
+                </a:solidFill>
                 <a:latin typeface="Agency FB" pitchFamily="34" charset="0"/>
               </a:rPr>
               <a:t> &lt;- </a:t>
             </a:r>
             <a:r>
               <a:rPr lang="es-CL" dirty="0" err="1">
+                <a:solidFill>
+                  <a:schemeClr val="tx1"/>
+                </a:solidFill>
                 <a:latin typeface="Agency FB" pitchFamily="34" charset="0"/>
               </a:rPr>
               <a:t>as.data.frame</a:t>
             </a:r>
             <a:r>
               <a:rPr lang="es-CL" dirty="0">
+                <a:solidFill>
+                  <a:schemeClr val="tx1"/>
+                </a:solidFill>
                 <a:latin typeface="Agency FB" pitchFamily="34" charset="0"/>
               </a:rPr>
               <a:t>(excelALF2007a2016DefYMor1)</a:t>
@@ -9432,6 +13044,9 @@
             <a:pPr algn="just"/>
             <a:r>
               <a:rPr lang="es-CL" dirty="0">
+                <a:solidFill>
+                  <a:schemeClr val="tx1"/>
+                </a:solidFill>
                 <a:latin typeface="Agency FB" pitchFamily="34" charset="0"/>
                 <a:hlinkClick r:id="rId5" action="ppaction://hlinksldjump"/>
               </a:rPr>
@@ -9439,32 +13054,38 @@
             </a:r>
             <a:r>
               <a:rPr lang="es-CL" dirty="0">
+                <a:solidFill>
+                  <a:schemeClr val="tx1"/>
+                </a:solidFill>
                 <a:latin typeface="Agency FB" pitchFamily="34" charset="0"/>
               </a:rPr>
               <a:t> &lt;- </a:t>
             </a:r>
             <a:r>
               <a:rPr lang="es-CL" dirty="0" err="1">
+                <a:solidFill>
+                  <a:schemeClr val="tx1"/>
+                </a:solidFill>
                 <a:latin typeface="Agency FB" pitchFamily="34" charset="0"/>
               </a:rPr>
               <a:t>as.data.frame</a:t>
             </a:r>
             <a:r>
               <a:rPr lang="es-CL" dirty="0">
-                <a:latin typeface="Agency FB" pitchFamily="34" charset="0"/>
-              </a:rPr>
-              <a:t>(excelALF2007a2016DefYMor2</a:t>
-            </a:r>
-            <a:r>
-              <a:rPr lang="es-CL" dirty="0">
-                <a:latin typeface="Agency FB" pitchFamily="34" charset="0"/>
-              </a:rPr>
-              <a:t>)</a:t>
+                <a:solidFill>
+                  <a:schemeClr val="tx1"/>
+                </a:solidFill>
+                <a:latin typeface="Agency FB" pitchFamily="34" charset="0"/>
+              </a:rPr>
+              <a:t>(excelALF2007a2016DefYMor2)</a:t>
             </a:r>
           </a:p>
           <a:p>
             <a:pPr algn="just"/>
             <a:endParaRPr lang="es-CL" dirty="0">
+              <a:solidFill>
+                <a:schemeClr val="tx1"/>
+              </a:solidFill>
               <a:latin typeface="Agency FB" pitchFamily="34" charset="0"/>
             </a:endParaRPr>
           </a:p>
@@ -9472,18 +13093,27 @@
             <a:pPr algn="just"/>
             <a:r>
               <a:rPr lang="es-CL" dirty="0">
+                <a:solidFill>
+                  <a:schemeClr val="tx1"/>
+                </a:solidFill>
                 <a:latin typeface="Agency FB" pitchFamily="34" charset="0"/>
               </a:rPr>
               <a:t>#</a:t>
             </a:r>
             <a:r>
               <a:rPr lang="es-CL" dirty="0" err="1">
+                <a:solidFill>
+                  <a:schemeClr val="tx1"/>
+                </a:solidFill>
                 <a:latin typeface="Agency FB" pitchFamily="34" charset="0"/>
               </a:rPr>
               <a:t>Gráficando</a:t>
             </a:r>
             <a:r>
               <a:rPr lang="es-CL" dirty="0">
+                <a:solidFill>
+                  <a:schemeClr val="tx1"/>
+                </a:solidFill>
                 <a:latin typeface="Agency FB" pitchFamily="34" charset="0"/>
               </a:rPr>
               <a:t> tablas</a:t>
@@ -9493,125 +13123,166 @@
             <a:pPr algn="just"/>
             <a:r>
               <a:rPr lang="es-CL" dirty="0">
+                <a:solidFill>
+                  <a:schemeClr val="tx1"/>
+                </a:solidFill>
                 <a:latin typeface="Agency FB" pitchFamily="34" charset="0"/>
                 <a:hlinkClick r:id="rId6" action="ppaction://hlinksldjump"/>
               </a:rPr>
-              <a:t>dfALF2007a2016DefYMor1 </a:t>
-            </a:r>
+              <a:t>dfALF2007a2016DefYMor1 %&gt;%</a:t>
+            </a:r>
+          </a:p>
+          <a:p>
+            <a:pPr algn="just"/>
             <a:r>
               <a:rPr lang="es-CL" dirty="0">
+                <a:solidFill>
+                  <a:schemeClr val="tx1"/>
+                </a:solidFill>
                 <a:latin typeface="Agency FB" pitchFamily="34" charset="0"/>
                 <a:hlinkClick r:id="rId6" action="ppaction://hlinksldjump"/>
               </a:rPr>
-              <a:t>%&gt;%</a:t>
+              <a:t>  </a:t>
+            </a:r>
+            <a:r>
+              <a:rPr lang="es-CL" dirty="0" err="1">
+                <a:solidFill>
+                  <a:schemeClr val="tx1"/>
+                </a:solidFill>
+                <a:latin typeface="Agency FB" pitchFamily="34" charset="0"/>
+                <a:hlinkClick r:id="rId6" action="ppaction://hlinksldjump"/>
+              </a:rPr>
+              <a:t>ggplot</a:t>
+            </a:r>
+            <a:r>
+              <a:rPr lang="es-CL" dirty="0">
+                <a:solidFill>
+                  <a:schemeClr val="tx1"/>
+                </a:solidFill>
+                <a:latin typeface="Agency FB" pitchFamily="34" charset="0"/>
+                <a:hlinkClick r:id="rId6" action="ppaction://hlinksldjump"/>
+              </a:rPr>
+              <a:t>() +</a:t>
             </a:r>
           </a:p>
           <a:p>
             <a:pPr algn="just"/>
             <a:r>
               <a:rPr lang="es-CL" dirty="0">
+                <a:solidFill>
+                  <a:schemeClr val="tx1"/>
+                </a:solidFill>
                 <a:latin typeface="Agency FB" pitchFamily="34" charset="0"/>
                 <a:hlinkClick r:id="rId6" action="ppaction://hlinksldjump"/>
               </a:rPr>
+              <a:t>  aes(x = X__1, y = 'Nº </a:t>
+            </a:r>
+            <a:r>
+              <a:rPr lang="es-CL" dirty="0" err="1">
+                <a:solidFill>
+                  <a:schemeClr val="tx1"/>
+                </a:solidFill>
+                <a:latin typeface="Agency FB" pitchFamily="34" charset="0"/>
+                <a:hlinkClick r:id="rId6" action="ppaction://hlinksldjump"/>
+              </a:rPr>
+              <a:t>Def</a:t>
+            </a:r>
+            <a:r>
+              <a:rPr lang="es-CL" dirty="0">
+                <a:solidFill>
+                  <a:schemeClr val="tx1"/>
+                </a:solidFill>
+                <a:latin typeface="Agency FB" pitchFamily="34" charset="0"/>
+                <a:hlinkClick r:id="rId6" action="ppaction://hlinksldjump"/>
+              </a:rPr>
+              <a:t>') +</a:t>
+            </a:r>
+          </a:p>
+          <a:p>
+            <a:pPr algn="just"/>
+            <a:r>
+              <a:rPr lang="es-CL" dirty="0">
+                <a:solidFill>
+                  <a:schemeClr val="tx1"/>
+                </a:solidFill>
+                <a:latin typeface="Agency FB" pitchFamily="34" charset="0"/>
+                <a:hlinkClick r:id="rId6" action="ppaction://hlinksldjump"/>
+              </a:rPr>
               <a:t>  </a:t>
             </a:r>
             <a:r>
               <a:rPr lang="es-CL" dirty="0" err="1">
+                <a:solidFill>
+                  <a:schemeClr val="tx1"/>
+                </a:solidFill>
                 <a:latin typeface="Agency FB" pitchFamily="34" charset="0"/>
                 <a:hlinkClick r:id="rId6" action="ppaction://hlinksldjump"/>
               </a:rPr>
-              <a:t>ggplot</a:t>
+              <a:t>geom_bar</a:t>
             </a:r>
             <a:r>
               <a:rPr lang="es-CL" dirty="0">
+                <a:solidFill>
+                  <a:schemeClr val="tx1"/>
+                </a:solidFill>
                 <a:latin typeface="Agency FB" pitchFamily="34" charset="0"/>
                 <a:hlinkClick r:id="rId6" action="ppaction://hlinksldjump"/>
               </a:rPr>
-              <a:t>() +</a:t>
-            </a:r>
-          </a:p>
-          <a:p>
-            <a:pPr algn="just"/>
+              <a:t>(</a:t>
+            </a:r>
+            <a:r>
+              <a:rPr lang="es-CL" dirty="0" err="1">
+                <a:solidFill>
+                  <a:schemeClr val="tx1"/>
+                </a:solidFill>
+                <a:latin typeface="Agency FB" pitchFamily="34" charset="0"/>
+                <a:hlinkClick r:id="rId6" action="ppaction://hlinksldjump"/>
+              </a:rPr>
+              <a:t>stat</a:t>
+            </a:r>
             <a:r>
               <a:rPr lang="es-CL" dirty="0">
+                <a:solidFill>
+                  <a:schemeClr val="tx1"/>
+                </a:solidFill>
                 <a:latin typeface="Agency FB" pitchFamily="34" charset="0"/>
                 <a:hlinkClick r:id="rId6" action="ppaction://hlinksldjump"/>
               </a:rPr>
-              <a:t>  aes(x = X__1, y = 'Nº </a:t>
+              <a:t>="</a:t>
             </a:r>
             <a:r>
               <a:rPr lang="es-CL" dirty="0" err="1">
+                <a:solidFill>
+                  <a:schemeClr val="tx1"/>
+                </a:solidFill>
                 <a:latin typeface="Agency FB" pitchFamily="34" charset="0"/>
                 <a:hlinkClick r:id="rId6" action="ppaction://hlinksldjump"/>
               </a:rPr>
-              <a:t>Def</a:t>
+              <a:t>identity</a:t>
             </a:r>
             <a:r>
               <a:rPr lang="es-CL" dirty="0">
+                <a:solidFill>
+                  <a:schemeClr val="tx1"/>
+                </a:solidFill>
                 <a:latin typeface="Agency FB" pitchFamily="34" charset="0"/>
                 <a:hlinkClick r:id="rId6" action="ppaction://hlinksldjump"/>
               </a:rPr>
-              <a:t>') +</a:t>
-            </a:r>
-          </a:p>
-          <a:p>
-            <a:pPr algn="just"/>
-            <a:r>
-              <a:rPr lang="es-CL" dirty="0">
-                <a:latin typeface="Agency FB" pitchFamily="34" charset="0"/>
-                <a:hlinkClick r:id="rId6" action="ppaction://hlinksldjump"/>
-              </a:rPr>
-              <a:t>  </a:t>
-            </a:r>
-            <a:r>
-              <a:rPr lang="es-CL" dirty="0" err="1">
-                <a:latin typeface="Agency FB" pitchFamily="34" charset="0"/>
-                <a:hlinkClick r:id="rId6" action="ppaction://hlinksldjump"/>
-              </a:rPr>
-              <a:t>geom_bar</a:t>
-            </a:r>
-            <a:r>
-              <a:rPr lang="es-CL" dirty="0">
-                <a:latin typeface="Agency FB" pitchFamily="34" charset="0"/>
-                <a:hlinkClick r:id="rId6" action="ppaction://hlinksldjump"/>
-              </a:rPr>
-              <a:t>(</a:t>
-            </a:r>
-            <a:r>
-              <a:rPr lang="es-CL" dirty="0" err="1">
-                <a:latin typeface="Agency FB" pitchFamily="34" charset="0"/>
-                <a:hlinkClick r:id="rId6" action="ppaction://hlinksldjump"/>
-              </a:rPr>
-              <a:t>stat</a:t>
-            </a:r>
-            <a:r>
-              <a:rPr lang="es-CL" dirty="0">
-                <a:latin typeface="Agency FB" pitchFamily="34" charset="0"/>
-                <a:hlinkClick r:id="rId6" action="ppaction://hlinksldjump"/>
-              </a:rPr>
-              <a:t>="</a:t>
-            </a:r>
-            <a:r>
-              <a:rPr lang="es-CL" dirty="0" err="1">
-                <a:latin typeface="Agency FB" pitchFamily="34" charset="0"/>
-                <a:hlinkClick r:id="rId6" action="ppaction://hlinksldjump"/>
-              </a:rPr>
-              <a:t>identity</a:t>
-            </a:r>
-            <a:r>
-              <a:rPr lang="es-CL" dirty="0">
-                <a:latin typeface="Agency FB" pitchFamily="34" charset="0"/>
-                <a:hlinkClick r:id="rId6" action="ppaction://hlinksldjump"/>
-              </a:rPr>
               <a:t>")</a:t>
             </a:r>
             <a:endParaRPr lang="es-CL" dirty="0">
+              <a:solidFill>
+                <a:schemeClr val="tx1"/>
+              </a:solidFill>
               <a:latin typeface="Agency FB" pitchFamily="34" charset="0"/>
             </a:endParaRPr>
           </a:p>
           <a:p>
             <a:pPr algn="just"/>
             <a:endParaRPr lang="es-CL" dirty="0">
+              <a:solidFill>
+                <a:schemeClr val="tx1"/>
+              </a:solidFill>
               <a:latin typeface="Agency FB" pitchFamily="34" charset="0"/>
             </a:endParaRPr>
           </a:p>
@@ -9619,6 +13290,9 @@
             <a:pPr algn="just"/>
             <a:r>
               <a:rPr lang="es-CL" dirty="0">
+                <a:solidFill>
+                  <a:schemeClr val="tx1"/>
+                </a:solidFill>
                 <a:latin typeface="Agency FB" pitchFamily="34" charset="0"/>
                 <a:hlinkClick r:id="rId7" action="ppaction://hlinksldjump"/>
               </a:rPr>
@@ -9629,6 +13303,9 @@
             <a:pPr algn="just"/>
             <a:r>
               <a:rPr lang="es-CL" dirty="0">
+                <a:solidFill>
+                  <a:schemeClr val="tx1"/>
+                </a:solidFill>
                 <a:latin typeface="Agency FB" pitchFamily="34" charset="0"/>
                 <a:hlinkClick r:id="rId7" action="ppaction://hlinksldjump"/>
               </a:rPr>
@@ -9636,6 +13313,9 @@
             </a:r>
             <a:r>
               <a:rPr lang="es-CL" dirty="0" err="1">
+                <a:solidFill>
+                  <a:schemeClr val="tx1"/>
+                </a:solidFill>
                 <a:latin typeface="Agency FB" pitchFamily="34" charset="0"/>
                 <a:hlinkClick r:id="rId7" action="ppaction://hlinksldjump"/>
               </a:rPr>
@@ -9643,6 +13323,9 @@
             </a:r>
             <a:r>
               <a:rPr lang="es-CL" dirty="0">
+                <a:solidFill>
+                  <a:schemeClr val="tx1"/>
+                </a:solidFill>
                 <a:latin typeface="Agency FB" pitchFamily="34" charset="0"/>
                 <a:hlinkClick r:id="rId7" action="ppaction://hlinksldjump"/>
               </a:rPr>
@@ -9653,6 +13336,9 @@
             <a:pPr algn="just"/>
             <a:r>
               <a:rPr lang="es-CL" dirty="0">
+                <a:solidFill>
+                  <a:schemeClr val="tx1"/>
+                </a:solidFill>
                 <a:latin typeface="Agency FB" pitchFamily="34" charset="0"/>
                 <a:hlinkClick r:id="rId7" action="ppaction://hlinksldjump"/>
               </a:rPr>
@@ -9663,6 +13349,9 @@
             <a:pPr algn="just"/>
             <a:r>
               <a:rPr lang="es-CL" dirty="0">
+                <a:solidFill>
+                  <a:schemeClr val="tx1"/>
+                </a:solidFill>
                 <a:latin typeface="Agency FB" pitchFamily="34" charset="0"/>
                 <a:hlinkClick r:id="rId7" action="ppaction://hlinksldjump"/>
               </a:rPr>
@@ -9670,6 +13359,9 @@
             </a:r>
             <a:r>
               <a:rPr lang="es-CL" dirty="0" err="1">
+                <a:solidFill>
+                  <a:schemeClr val="tx1"/>
+                </a:solidFill>
                 <a:latin typeface="Agency FB" pitchFamily="34" charset="0"/>
                 <a:hlinkClick r:id="rId7" action="ppaction://hlinksldjump"/>
               </a:rPr>
@@ -9677,6 +13369,9 @@
             </a:r>
             <a:r>
               <a:rPr lang="es-CL" dirty="0">
+                <a:solidFill>
+                  <a:schemeClr val="tx1"/>
+                </a:solidFill>
                 <a:latin typeface="Agency FB" pitchFamily="34" charset="0"/>
                 <a:hlinkClick r:id="rId7" action="ppaction://hlinksldjump"/>
               </a:rPr>
@@ -9684,6 +13379,9 @@
             </a:r>
             <a:r>
               <a:rPr lang="es-CL" dirty="0" err="1">
+                <a:solidFill>
+                  <a:schemeClr val="tx1"/>
+                </a:solidFill>
                 <a:latin typeface="Agency FB" pitchFamily="34" charset="0"/>
                 <a:hlinkClick r:id="rId7" action="ppaction://hlinksldjump"/>
               </a:rPr>
@@ -9691,6 +13389,9 @@
             </a:r>
             <a:r>
               <a:rPr lang="es-CL" dirty="0">
+                <a:solidFill>
+                  <a:schemeClr val="tx1"/>
+                </a:solidFill>
                 <a:latin typeface="Agency FB" pitchFamily="34" charset="0"/>
                 <a:hlinkClick r:id="rId7" action="ppaction://hlinksldjump"/>
               </a:rPr>
@@ -9698,6 +13399,9 @@
             </a:r>
             <a:r>
               <a:rPr lang="es-CL" dirty="0" err="1">
+                <a:solidFill>
+                  <a:schemeClr val="tx1"/>
+                </a:solidFill>
                 <a:latin typeface="Agency FB" pitchFamily="34" charset="0"/>
                 <a:hlinkClick r:id="rId7" action="ppaction://hlinksldjump"/>
               </a:rPr>
@@ -9705,30 +13409,45 @@
             </a:r>
             <a:r>
               <a:rPr lang="es-CL" dirty="0">
+                <a:solidFill>
+                  <a:schemeClr val="tx1"/>
+                </a:solidFill>
                 <a:latin typeface="Agency FB" pitchFamily="34" charset="0"/>
                 <a:hlinkClick r:id="rId7" action="ppaction://hlinksldjump"/>
               </a:rPr>
               <a:t>")</a:t>
             </a:r>
             <a:endParaRPr lang="es-CL" dirty="0">
+              <a:solidFill>
+                <a:schemeClr val="tx1"/>
+              </a:solidFill>
               <a:latin typeface="Agency FB" pitchFamily="34" charset="0"/>
             </a:endParaRPr>
           </a:p>
           <a:p>
             <a:pPr algn="just"/>
             <a:endParaRPr lang="es-CL" sz="2900" dirty="0">
+              <a:solidFill>
+                <a:schemeClr val="tx1"/>
+              </a:solidFill>
               <a:latin typeface="Agency FB" pitchFamily="34" charset="0"/>
             </a:endParaRPr>
           </a:p>
           <a:p>
             <a:pPr algn="just"/>
             <a:endParaRPr lang="es-CL" sz="2900" dirty="0" smtClean="0">
+              <a:solidFill>
+                <a:schemeClr val="tx1"/>
+              </a:solidFill>
               <a:latin typeface="Agency FB" pitchFamily="34" charset="0"/>
             </a:endParaRPr>
           </a:p>
           <a:p>
             <a:pPr algn="just"/>
             <a:endParaRPr lang="es-CL" sz="2800" dirty="0">
+              <a:solidFill>
+                <a:schemeClr val="tx1"/>
+              </a:solidFill>
               <a:latin typeface="Agency FB" pitchFamily="34" charset="0"/>
             </a:endParaRPr>
           </a:p>
@@ -9772,7 +13491,7 @@
 </p:sld>
 </file>
 
-<file path=ppt/slides/slide5.xml><?xml version="1.0" encoding="utf-8"?>
+<file path=ppt/slides/slide6.xml><?xml version="1.0" encoding="utf-8"?>
 <p:sld xmlns:a="http://schemas.openxmlformats.org/drawingml/2006/main" xmlns:r="http://schemas.openxmlformats.org/officeDocument/2006/relationships" xmlns:p="http://schemas.openxmlformats.org/presentationml/2006/main">
   <p:cSld>
     <p:spTree>
@@ -10185,6 +13904,9 @@
             <a:pPr algn="just"/>
             <a:r>
               <a:rPr lang="es-CL" sz="3300" dirty="0">
+                <a:solidFill>
+                  <a:schemeClr val="tx1"/>
+                </a:solidFill>
                 <a:latin typeface="Agency FB" pitchFamily="34" charset="0"/>
               </a:rPr>
               <a:t>dfALF2007a2016DefYMor1 %&gt;%</a:t>
@@ -10194,18 +13916,27 @@
             <a:pPr algn="just"/>
             <a:r>
               <a:rPr lang="es-CL" sz="3300" dirty="0">
+                <a:solidFill>
+                  <a:schemeClr val="tx1"/>
+                </a:solidFill>
                 <a:latin typeface="Agency FB" pitchFamily="34" charset="0"/>
               </a:rPr>
               <a:t>  </a:t>
             </a:r>
             <a:r>
               <a:rPr lang="es-CL" sz="3300" dirty="0" err="1">
+                <a:solidFill>
+                  <a:schemeClr val="tx1"/>
+                </a:solidFill>
                 <a:latin typeface="Agency FB" pitchFamily="34" charset="0"/>
               </a:rPr>
               <a:t>ggplot</a:t>
             </a:r>
             <a:r>
               <a:rPr lang="es-CL" sz="3300" dirty="0">
+                <a:solidFill>
+                  <a:schemeClr val="tx1"/>
+                </a:solidFill>
                 <a:latin typeface="Agency FB" pitchFamily="34" charset="0"/>
               </a:rPr>
               <a:t>() +</a:t>
@@ -10215,6 +13946,9 @@
             <a:pPr algn="just"/>
             <a:r>
               <a:rPr lang="es-CL" sz="3300" dirty="0">
+                <a:solidFill>
+                  <a:schemeClr val="tx1"/>
+                </a:solidFill>
                 <a:latin typeface="Agency FB" pitchFamily="34" charset="0"/>
               </a:rPr>
               <a:t>  aes(x = X__1, y = 'Nº Def__2') +</a:t>
@@ -10224,42 +13958,63 @@
             <a:pPr algn="just"/>
             <a:r>
               <a:rPr lang="es-CL" sz="3300" dirty="0">
+                <a:solidFill>
+                  <a:schemeClr val="tx1"/>
+                </a:solidFill>
                 <a:latin typeface="Agency FB" pitchFamily="34" charset="0"/>
               </a:rPr>
               <a:t>  </a:t>
             </a:r>
             <a:r>
               <a:rPr lang="es-CL" sz="3300" dirty="0" err="1">
+                <a:solidFill>
+                  <a:schemeClr val="tx1"/>
+                </a:solidFill>
                 <a:latin typeface="Agency FB" pitchFamily="34" charset="0"/>
               </a:rPr>
               <a:t>geom_bar</a:t>
             </a:r>
             <a:r>
               <a:rPr lang="es-CL" sz="3300" dirty="0">
+                <a:solidFill>
+                  <a:schemeClr val="tx1"/>
+                </a:solidFill>
                 <a:latin typeface="Agency FB" pitchFamily="34" charset="0"/>
               </a:rPr>
               <a:t>(</a:t>
             </a:r>
             <a:r>
               <a:rPr lang="es-CL" sz="3300" dirty="0" err="1">
+                <a:solidFill>
+                  <a:schemeClr val="tx1"/>
+                </a:solidFill>
                 <a:latin typeface="Agency FB" pitchFamily="34" charset="0"/>
               </a:rPr>
               <a:t>stat</a:t>
             </a:r>
             <a:r>
               <a:rPr lang="es-CL" sz="3300" dirty="0">
+                <a:solidFill>
+                  <a:schemeClr val="tx1"/>
+                </a:solidFill>
                 <a:latin typeface="Agency FB" pitchFamily="34" charset="0"/>
               </a:rPr>
               <a:t>="</a:t>
             </a:r>
             <a:r>
               <a:rPr lang="es-CL" sz="3300" dirty="0" err="1">
+                <a:solidFill>
+                  <a:schemeClr val="tx1"/>
+                </a:solidFill>
                 <a:latin typeface="Agency FB" pitchFamily="34" charset="0"/>
               </a:rPr>
               <a:t>identity</a:t>
             </a:r>
             <a:r>
               <a:rPr lang="es-CL" sz="3300" dirty="0">
+                <a:solidFill>
+                  <a:schemeClr val="tx1"/>
+                </a:solidFill>
                 <a:latin typeface="Agency FB" pitchFamily="34" charset="0"/>
               </a:rPr>
               <a:t>")</a:t>
@@ -10268,6 +14023,9 @@
           <a:p>
             <a:pPr algn="just"/>
             <a:endParaRPr lang="es-CL" sz="4000" dirty="0" smtClean="0">
+              <a:solidFill>
+                <a:schemeClr val="tx1"/>
+              </a:solidFill>
               <a:latin typeface="Agency FB" pitchFamily="34" charset="0"/>
             </a:endParaRPr>
           </a:p>
@@ -10275,12 +14033,18 @@
             <a:pPr algn="just"/>
             <a:r>
               <a:rPr lang="es-CL" sz="4000" dirty="0" smtClean="0">
+                <a:solidFill>
+                  <a:schemeClr val="tx1"/>
+                </a:solidFill>
                 <a:latin typeface="Agency FB" pitchFamily="34" charset="0"/>
               </a:rPr>
               <a:t>6</a:t>
             </a:r>
             <a:r>
               <a:rPr lang="es-CL" sz="4000" dirty="0">
+                <a:solidFill>
+                  <a:schemeClr val="tx1"/>
+                </a:solidFill>
                 <a:latin typeface="Agency FB" pitchFamily="34" charset="0"/>
               </a:rPr>
               <a:t>° Paso:</a:t>
@@ -10290,30 +14054,45 @@
             <a:pPr algn="just"/>
             <a:r>
               <a:rPr lang="es-CL" sz="3300" dirty="0">
+                <a:solidFill>
+                  <a:schemeClr val="tx1"/>
+                </a:solidFill>
                 <a:latin typeface="Agency FB" pitchFamily="34" charset="0"/>
               </a:rPr>
               <a:t># Leyendo el </a:t>
             </a:r>
             <a:r>
               <a:rPr lang="es-CL" sz="3300" dirty="0" err="1">
+                <a:solidFill>
+                  <a:schemeClr val="tx1"/>
+                </a:solidFill>
                 <a:latin typeface="Agency FB" pitchFamily="34" charset="0"/>
               </a:rPr>
               <a:t>excel</a:t>
             </a:r>
             <a:r>
               <a:rPr lang="es-CL" sz="3300" dirty="0">
+                <a:solidFill>
+                  <a:schemeClr val="tx1"/>
+                </a:solidFill>
                 <a:latin typeface="Agency FB" pitchFamily="34" charset="0"/>
               </a:rPr>
               <a:t> con rangos definidos y otro </a:t>
             </a:r>
             <a:r>
               <a:rPr lang="es-CL" sz="3300" dirty="0" err="1">
+                <a:solidFill>
+                  <a:schemeClr val="tx1"/>
+                </a:solidFill>
                 <a:latin typeface="Agency FB" pitchFamily="34" charset="0"/>
               </a:rPr>
               <a:t>sheet</a:t>
             </a:r>
             <a:r>
               <a:rPr lang="es-CL" sz="3300" dirty="0">
+                <a:solidFill>
+                  <a:schemeClr val="tx1"/>
+                </a:solidFill>
                 <a:latin typeface="Agency FB" pitchFamily="34" charset="0"/>
               </a:rPr>
               <a:t> o hoja</a:t>
@@ -10323,30 +14102,45 @@
             <a:pPr algn="just"/>
             <a:r>
               <a:rPr lang="es-CL" sz="3300" dirty="0">
+                <a:solidFill>
+                  <a:schemeClr val="tx1"/>
+                </a:solidFill>
                 <a:latin typeface="Agency FB" pitchFamily="34" charset="0"/>
               </a:rPr>
               <a:t>excelALF2007a2016Tabla1 &lt;- </a:t>
             </a:r>
             <a:r>
               <a:rPr lang="es-CL" sz="3300" dirty="0" err="1">
+                <a:solidFill>
+                  <a:schemeClr val="tx1"/>
+                </a:solidFill>
                 <a:latin typeface="Agency FB" pitchFamily="34" charset="0"/>
               </a:rPr>
               <a:t>read_excel</a:t>
             </a:r>
             <a:r>
               <a:rPr lang="es-CL" sz="3300" dirty="0">
+                <a:solidFill>
+                  <a:schemeClr val="tx1"/>
+                </a:solidFill>
                 <a:latin typeface="Agency FB" pitchFamily="34" charset="0"/>
               </a:rPr>
               <a:t>("Accidentes-laborales-fatales-2007-2016.xlsx", </a:t>
             </a:r>
             <a:r>
               <a:rPr lang="es-CL" sz="3300" dirty="0" err="1">
+                <a:solidFill>
+                  <a:schemeClr val="tx1"/>
+                </a:solidFill>
                 <a:latin typeface="Agency FB" pitchFamily="34" charset="0"/>
               </a:rPr>
               <a:t>range</a:t>
             </a:r>
             <a:r>
               <a:rPr lang="es-CL" sz="3300" dirty="0">
+                <a:solidFill>
+                  <a:schemeClr val="tx1"/>
+                </a:solidFill>
                 <a:latin typeface="Agency FB" pitchFamily="34" charset="0"/>
               </a:rPr>
               <a:t> = "Tabla 1!A7:BJ25")</a:t>
@@ -10356,30 +14150,45 @@
             <a:pPr algn="just"/>
             <a:r>
               <a:rPr lang="es-CL" sz="3300" dirty="0">
+                <a:solidFill>
+                  <a:schemeClr val="tx1"/>
+                </a:solidFill>
                 <a:latin typeface="Agency FB" pitchFamily="34" charset="0"/>
               </a:rPr>
               <a:t>excelALF2007a2016Tabla6 &lt;- </a:t>
             </a:r>
             <a:r>
               <a:rPr lang="es-CL" sz="3300" dirty="0" err="1">
+                <a:solidFill>
+                  <a:schemeClr val="tx1"/>
+                </a:solidFill>
                 <a:latin typeface="Agency FB" pitchFamily="34" charset="0"/>
               </a:rPr>
               <a:t>read_excel</a:t>
             </a:r>
             <a:r>
               <a:rPr lang="es-CL" sz="3300" dirty="0">
+                <a:solidFill>
+                  <a:schemeClr val="tx1"/>
+                </a:solidFill>
                 <a:latin typeface="Agency FB" pitchFamily="34" charset="0"/>
               </a:rPr>
               <a:t>("Accidentes-laborales-fatales-2007-2016.xlsx", </a:t>
             </a:r>
             <a:r>
               <a:rPr lang="es-CL" sz="3300" dirty="0" err="1">
+                <a:solidFill>
+                  <a:schemeClr val="tx1"/>
+                </a:solidFill>
                 <a:latin typeface="Agency FB" pitchFamily="34" charset="0"/>
               </a:rPr>
               <a:t>range</a:t>
             </a:r>
             <a:r>
               <a:rPr lang="es-CL" sz="3300" dirty="0">
+                <a:solidFill>
+                  <a:schemeClr val="tx1"/>
+                </a:solidFill>
                 <a:latin typeface="Agency FB" pitchFamily="34" charset="0"/>
               </a:rPr>
               <a:t> = "Tabla6!A7:BJ28")</a:t>
@@ -10388,6 +14197,9 @@
           <a:p>
             <a:pPr algn="just"/>
             <a:endParaRPr lang="es-CL" sz="3600" dirty="0">
+              <a:solidFill>
+                <a:schemeClr val="tx1"/>
+              </a:solidFill>
               <a:latin typeface="Agency FB" pitchFamily="34" charset="0"/>
             </a:endParaRPr>
           </a:p>
@@ -10395,6 +14207,9 @@
             <a:pPr algn="just"/>
             <a:r>
               <a:rPr lang="es-CL" sz="4400" dirty="0">
+                <a:solidFill>
+                  <a:schemeClr val="tx1"/>
+                </a:solidFill>
                 <a:latin typeface="Agency FB" pitchFamily="34" charset="0"/>
               </a:rPr>
               <a:t>7° Paso:</a:t>
@@ -10404,17 +14219,26 @@
             <a:pPr algn="just"/>
             <a:r>
               <a:rPr lang="es-CL" sz="3300" dirty="0">
+                <a:solidFill>
+                  <a:schemeClr val="tx1"/>
+                </a:solidFill>
                 <a:latin typeface="Agency FB" pitchFamily="34" charset="0"/>
               </a:rPr>
               <a:t># Convirtiendo a data </a:t>
             </a:r>
             <a:r>
               <a:rPr lang="es-CL" sz="3300" dirty="0" err="1">
+                <a:solidFill>
+                  <a:schemeClr val="tx1"/>
+                </a:solidFill>
                 <a:latin typeface="Agency FB" pitchFamily="34" charset="0"/>
               </a:rPr>
               <a:t>frame</a:t>
             </a:r>
             <a:endParaRPr lang="es-CL" sz="3300" dirty="0">
+              <a:solidFill>
+                <a:schemeClr val="tx1"/>
+              </a:solidFill>
               <a:latin typeface="Agency FB" pitchFamily="34" charset="0"/>
             </a:endParaRPr>
           </a:p>
@@ -10422,18 +14246,27 @@
             <a:pPr algn="just"/>
             <a:r>
               <a:rPr lang="es-CL" sz="3300" dirty="0">
+                <a:solidFill>
+                  <a:schemeClr val="tx1"/>
+                </a:solidFill>
                 <a:latin typeface="Agency FB" pitchFamily="34" charset="0"/>
               </a:rPr>
               <a:t>dfALF2007a2016Tabla1 &lt;- </a:t>
             </a:r>
             <a:r>
               <a:rPr lang="es-CL" sz="3300" dirty="0" err="1">
+                <a:solidFill>
+                  <a:schemeClr val="tx1"/>
+                </a:solidFill>
                 <a:latin typeface="Agency FB" pitchFamily="34" charset="0"/>
               </a:rPr>
               <a:t>as.data.frame</a:t>
             </a:r>
             <a:r>
               <a:rPr lang="es-CL" sz="3300" dirty="0">
+                <a:solidFill>
+                  <a:schemeClr val="tx1"/>
+                </a:solidFill>
                 <a:latin typeface="Agency FB" pitchFamily="34" charset="0"/>
               </a:rPr>
               <a:t>(excelALF2007a2016Tabla1)</a:t>
@@ -10443,18 +14276,27 @@
             <a:pPr algn="just"/>
             <a:r>
               <a:rPr lang="es-CL" sz="3300" dirty="0">
+                <a:solidFill>
+                  <a:schemeClr val="tx1"/>
+                </a:solidFill>
                 <a:latin typeface="Agency FB" pitchFamily="34" charset="0"/>
               </a:rPr>
               <a:t>dfALF2007a2016Tabla6 &lt;- </a:t>
             </a:r>
             <a:r>
               <a:rPr lang="es-CL" sz="3300" dirty="0" err="1">
+                <a:solidFill>
+                  <a:schemeClr val="tx1"/>
+                </a:solidFill>
                 <a:latin typeface="Agency FB" pitchFamily="34" charset="0"/>
               </a:rPr>
               <a:t>as.data.frame</a:t>
             </a:r>
             <a:r>
               <a:rPr lang="es-CL" sz="3300" dirty="0">
+                <a:solidFill>
+                  <a:schemeClr val="tx1"/>
+                </a:solidFill>
                 <a:latin typeface="Agency FB" pitchFamily="34" charset="0"/>
               </a:rPr>
               <a:t>(excelALF2007a2016Tabla6)</a:t>
@@ -10463,12 +14305,18 @@
           <a:p>
             <a:pPr algn="just"/>
             <a:endParaRPr lang="es-CL" sz="2000" dirty="0">
+              <a:solidFill>
+                <a:schemeClr val="tx1"/>
+              </a:solidFill>
               <a:latin typeface="Agency FB" pitchFamily="34" charset="0"/>
             </a:endParaRPr>
           </a:p>
           <a:p>
             <a:pPr algn="just"/>
             <a:endParaRPr lang="es-CL" dirty="0">
+              <a:solidFill>
+                <a:schemeClr val="tx1"/>
+              </a:solidFill>
               <a:latin typeface="Agency FB" pitchFamily="34" charset="0"/>
             </a:endParaRPr>
           </a:p>
@@ -10494,7 +14342,7 @@
 </p:sld>
 </file>
 
-<file path=ppt/slides/slide6.xml><?xml version="1.0" encoding="utf-8"?>
+<file path=ppt/slides/slide7.xml><?xml version="1.0" encoding="utf-8"?>
 <p:sld xmlns:a="http://schemas.openxmlformats.org/drawingml/2006/main" xmlns:r="http://schemas.openxmlformats.org/officeDocument/2006/relationships" xmlns:p="http://schemas.openxmlformats.org/presentationml/2006/main">
   <p:cSld>
     <p:spTree>
@@ -10912,19 +14760,28 @@
           <a:p>
             <a:pPr algn="just"/>
             <a:r>
-              <a:rPr lang="en-US" sz="2000" dirty="0" smtClean="0">
+              <a:rPr lang="en-US" sz="2000" b="1" dirty="0" smtClean="0">
+                <a:solidFill>
+                  <a:schemeClr val="tx1"/>
+                </a:solidFill>
                 <a:latin typeface="Agency FB" pitchFamily="34" charset="0"/>
               </a:rPr>
               <a:t>#</a:t>
             </a:r>
             <a:r>
-              <a:rPr lang="en-US" sz="2000" dirty="0" err="1" smtClean="0">
+              <a:rPr lang="en-US" sz="2000" b="1" dirty="0" err="1" smtClean="0">
+                <a:solidFill>
+                  <a:schemeClr val="tx1"/>
+                </a:solidFill>
                 <a:latin typeface="Agency FB" pitchFamily="34" charset="0"/>
               </a:rPr>
               <a:t>Grafico</a:t>
             </a:r>
             <a:r>
-              <a:rPr lang="en-US" sz="2000" dirty="0" smtClean="0">
+              <a:rPr lang="en-US" sz="2000" b="1" dirty="0" smtClean="0">
+                <a:solidFill>
+                  <a:schemeClr val="tx1"/>
+                </a:solidFill>
                 <a:latin typeface="Agency FB" pitchFamily="34" charset="0"/>
               </a:rPr>
               <a:t> tabla6</a:t>
@@ -10932,21 +14789,21 @@
           </a:p>
           <a:p>
             <a:pPr algn="just"/>
-            <a:endParaRPr lang="en-US" sz="2000" dirty="0">
+            <a:endParaRPr lang="en-US" sz="2000" b="1" dirty="0">
               <a:latin typeface="Agency FB" pitchFamily="34" charset="0"/>
             </a:endParaRPr>
           </a:p>
           <a:p>
             <a:pPr algn="just"/>
             <a:r>
-              <a:rPr lang="en-US" sz="2000" dirty="0" smtClean="0">
+              <a:rPr lang="en-US" sz="2000" b="1" dirty="0" smtClean="0">
                 <a:latin typeface="Agency FB" pitchFamily="34" charset="0"/>
                 <a:hlinkClick r:id="rId4" action="ppaction://hlinksldjump"/>
               </a:rPr>
               <a:t>dfALF2007a2016Tabla6 </a:t>
             </a:r>
             <a:r>
-              <a:rPr lang="en-US" sz="2000" dirty="0">
+              <a:rPr lang="en-US" sz="2000" b="1" dirty="0">
                 <a:latin typeface="Agency FB" pitchFamily="34" charset="0"/>
                 <a:hlinkClick r:id="rId4" action="ppaction://hlinksldjump"/>
               </a:rPr>
@@ -10956,21 +14813,21 @@
           <a:p>
             <a:pPr algn="just"/>
             <a:r>
-              <a:rPr lang="en-US" sz="2000" dirty="0">
+              <a:rPr lang="en-US" sz="2000" b="1" dirty="0">
                 <a:latin typeface="Agency FB" pitchFamily="34" charset="0"/>
                 <a:hlinkClick r:id="rId4" action="ppaction://hlinksldjump"/>
               </a:rPr>
               <a:t>  </a:t>
             </a:r>
             <a:r>
-              <a:rPr lang="en-US" sz="2000" dirty="0" err="1">
+              <a:rPr lang="en-US" sz="2000" b="1" dirty="0" err="1">
                 <a:latin typeface="Agency FB" pitchFamily="34" charset="0"/>
                 <a:hlinkClick r:id="rId4" action="ppaction://hlinksldjump"/>
               </a:rPr>
               <a:t>ggplot</a:t>
             </a:r>
             <a:r>
-              <a:rPr lang="en-US" sz="2000" dirty="0">
+              <a:rPr lang="en-US" sz="2000" b="1" dirty="0">
                 <a:latin typeface="Agency FB" pitchFamily="34" charset="0"/>
                 <a:hlinkClick r:id="rId4" action="ppaction://hlinksldjump"/>
               </a:rPr>
@@ -10980,21 +14837,21 @@
           <a:p>
             <a:pPr algn="just"/>
             <a:r>
-              <a:rPr lang="en-US" sz="2000" dirty="0">
+              <a:rPr lang="en-US" sz="2000" b="1" dirty="0">
                 <a:latin typeface="Agency FB" pitchFamily="34" charset="0"/>
                 <a:hlinkClick r:id="rId4" action="ppaction://hlinksldjump"/>
               </a:rPr>
               <a:t>  </a:t>
             </a:r>
             <a:r>
-              <a:rPr lang="en-US" sz="2000" dirty="0" err="1">
+              <a:rPr lang="en-US" sz="2000" b="1" dirty="0" err="1">
                 <a:latin typeface="Agency FB" pitchFamily="34" charset="0"/>
                 <a:hlinkClick r:id="rId4" action="ppaction://hlinksldjump"/>
               </a:rPr>
               <a:t>aes</a:t>
             </a:r>
             <a:r>
-              <a:rPr lang="en-US" sz="2000" dirty="0">
+              <a:rPr lang="en-US" sz="2000" b="1" dirty="0">
                 <a:latin typeface="Agency FB" pitchFamily="34" charset="0"/>
                 <a:hlinkClick r:id="rId4" action="ppaction://hlinksldjump"/>
               </a:rPr>
@@ -11004,39 +14861,39 @@
           <a:p>
             <a:pPr algn="just"/>
             <a:r>
-              <a:rPr lang="en-US" sz="2000" dirty="0">
+              <a:rPr lang="en-US" sz="2000" b="1" dirty="0">
                 <a:latin typeface="Agency FB" pitchFamily="34" charset="0"/>
                 <a:hlinkClick r:id="rId4" action="ppaction://hlinksldjump"/>
               </a:rPr>
               <a:t>  </a:t>
             </a:r>
             <a:r>
-              <a:rPr lang="en-US" sz="2000" dirty="0" err="1">
+              <a:rPr lang="en-US" sz="2000" b="1" dirty="0" err="1">
                 <a:latin typeface="Agency FB" pitchFamily="34" charset="0"/>
                 <a:hlinkClick r:id="rId4" action="ppaction://hlinksldjump"/>
               </a:rPr>
               <a:t>geom_bar</a:t>
             </a:r>
             <a:r>
-              <a:rPr lang="en-US" sz="2000" dirty="0">
+              <a:rPr lang="en-US" sz="2000" b="1" dirty="0">
                 <a:latin typeface="Agency FB" pitchFamily="34" charset="0"/>
                 <a:hlinkClick r:id="rId4" action="ppaction://hlinksldjump"/>
               </a:rPr>
               <a:t>(stat="identity")</a:t>
             </a:r>
-            <a:endParaRPr lang="en-US" sz="2000" dirty="0">
+            <a:endParaRPr lang="en-US" sz="2000" b="1" dirty="0">
               <a:latin typeface="Agency FB" pitchFamily="34" charset="0"/>
             </a:endParaRPr>
           </a:p>
           <a:p>
             <a:pPr algn="just"/>
-            <a:endParaRPr lang="es-CL" sz="2000" dirty="0">
+            <a:endParaRPr lang="es-CL" sz="2000" b="1" dirty="0">
               <a:latin typeface="Agency FB" pitchFamily="34" charset="0"/>
             </a:endParaRPr>
           </a:p>
           <a:p>
             <a:pPr algn="just"/>
-            <a:endParaRPr lang="es-CL" dirty="0">
+            <a:endParaRPr lang="es-CL" b="1" dirty="0">
               <a:latin typeface="Agency FB" pitchFamily="34" charset="0"/>
             </a:endParaRPr>
           </a:p>
@@ -11046,154 +14903,6 @@
     <p:extLst>
       <p:ext uri="{BB962C8B-B14F-4D97-AF65-F5344CB8AC3E}">
         <p14:creationId xmlns:p14="http://schemas.microsoft.com/office/powerpoint/2010/main" val="3414403150"/>
-      </p:ext>
-    </p:extLst>
-  </p:cSld>
-  <p:clrMapOvr>
-    <a:masterClrMapping/>
-  </p:clrMapOvr>
-  <p:timing>
-    <p:tnLst>
-      <p:par>
-        <p:cTn id="1" dur="indefinite" restart="never" nodeType="tmRoot"/>
-      </p:par>
-    </p:tnLst>
-  </p:timing>
-</p:sld>
-</file>
-
-<file path=ppt/slides/slide7.xml><?xml version="1.0" encoding="utf-8"?>
-<p:sld xmlns:a="http://schemas.openxmlformats.org/drawingml/2006/main" xmlns:r="http://schemas.openxmlformats.org/officeDocument/2006/relationships" xmlns:p="http://schemas.openxmlformats.org/presentationml/2006/main">
-  <p:cSld>
-    <p:spTree>
-      <p:nvGrpSpPr>
-        <p:cNvPr id="1" name=""/>
-        <p:cNvGrpSpPr/>
-        <p:nvPr/>
-      </p:nvGrpSpPr>
-      <p:grpSpPr>
-        <a:xfrm>
-          <a:off x="0" y="0"/>
-          <a:ext cx="0" cy="0"/>
-          <a:chOff x="0" y="0"/>
-          <a:chExt cx="0" cy="0"/>
-        </a:xfrm>
-      </p:grpSpPr>
-      <p:sp>
-        <p:nvSpPr>
-          <p:cNvPr id="3" name="2 Rectángulo"/>
-          <p:cNvSpPr/>
-          <p:nvPr/>
-        </p:nvSpPr>
-        <p:spPr>
-          <a:xfrm>
-            <a:off x="251520" y="185354"/>
-            <a:ext cx="8640959" cy="6336703"/>
-          </a:xfrm>
-          <a:prstGeom prst="rect">
-            <a:avLst/>
-          </a:prstGeom>
-          <a:ln w="57150"/>
-        </p:spPr>
-        <p:style>
-          <a:lnRef idx="2">
-            <a:schemeClr val="accent1"/>
-          </a:lnRef>
-          <a:fillRef idx="1">
-            <a:schemeClr val="lt1"/>
-          </a:fillRef>
-          <a:effectRef idx="0">
-            <a:schemeClr val="accent1"/>
-          </a:effectRef>
-          <a:fontRef idx="minor">
-            <a:schemeClr val="dk1"/>
-          </a:fontRef>
-        </p:style>
-        <p:txBody>
-          <a:bodyPr rtlCol="0" anchor="ctr"/>
-          <a:lstStyle/>
-          <a:p>
-            <a:pPr algn="ctr"/>
-            <a:endParaRPr lang="es-CL" sz="2200" b="1" i="1" dirty="0">
-              <a:solidFill>
-                <a:schemeClr val="tx1">
-                  <a:tint val="75000"/>
-                </a:schemeClr>
-              </a:solidFill>
-            </a:endParaRPr>
-          </a:p>
-        </p:txBody>
-      </p:sp>
-      <p:pic>
-        <p:nvPicPr>
-          <p:cNvPr id="1027" name="Picture 3">
-            <a:hlinkClick r:id="rId2" action="ppaction://hlinksldjump"/>
-          </p:cNvPr>
-          <p:cNvPicPr>
-            <a:picLocks noChangeAspect="1" noChangeArrowheads="1"/>
-          </p:cNvPicPr>
-          <p:nvPr/>
-        </p:nvPicPr>
-        <p:blipFill>
-          <a:blip r:embed="rId3">
-            <a:extLst>
-              <a:ext uri="{28A0092B-C50C-407E-A947-70E740481C1C}">
-                <a14:useLocalDpi xmlns:a14="http://schemas.microsoft.com/office/drawing/2010/main" val="0"/>
-              </a:ext>
-            </a:extLst>
-          </a:blip>
-          <a:srcRect/>
-          <a:stretch>
-            <a:fillRect/>
-          </a:stretch>
-        </p:blipFill>
-        <p:spPr bwMode="auto">
-          <a:xfrm>
-            <a:off x="611560" y="476672"/>
-            <a:ext cx="7874751" cy="5889848"/>
-          </a:xfrm>
-          <a:prstGeom prst="rect">
-            <a:avLst/>
-          </a:prstGeom>
-          <a:noFill/>
-          <a:ln>
-            <a:noFill/>
-          </a:ln>
-          <a:effectLst/>
-          <a:extLst>
-            <a:ext uri="{909E8E84-426E-40DD-AFC4-6F175D3DCCD1}">
-              <a14:hiddenFill xmlns:a14="http://schemas.microsoft.com/office/drawing/2010/main">
-                <a:solidFill>
-                  <a:schemeClr val="accent1"/>
-                </a:solidFill>
-              </a14:hiddenFill>
-            </a:ext>
-            <a:ext uri="{91240B29-F687-4F45-9708-019B960494DF}">
-              <a14:hiddenLine xmlns:a14="http://schemas.microsoft.com/office/drawing/2010/main" w="9525">
-                <a:solidFill>
-                  <a:schemeClr val="tx1"/>
-                </a:solidFill>
-                <a:miter lim="800000"/>
-                <a:headEnd/>
-                <a:tailEnd/>
-              </a14:hiddenLine>
-            </a:ext>
-            <a:ext uri="{AF507438-7753-43E0-B8FC-AC1667EBCBE1}">
-              <a14:hiddenEffects xmlns:a14="http://schemas.microsoft.com/office/drawing/2010/main">
-                <a:effectLst>
-                  <a:outerShdw dist="35921" dir="2700000" algn="ctr" rotWithShape="0">
-                    <a:schemeClr val="bg2"/>
-                  </a:outerShdw>
-                </a:effectLst>
-              </a14:hiddenEffects>
-            </a:ext>
-          </a:extLst>
-        </p:spPr>
-      </p:pic>
-    </p:spTree>
-    <p:extLst>
-      <p:ext uri="{BB962C8B-B14F-4D97-AF65-F5344CB8AC3E}">
-        <p14:creationId xmlns:p14="http://schemas.microsoft.com/office/powerpoint/2010/main" val="4186958274"/>
       </p:ext>
     </p:extLst>
   </p:cSld>
@@ -11274,7 +14983,7 @@
       </p:sp>
       <p:pic>
         <p:nvPicPr>
-          <p:cNvPr id="2050" name="Picture 2">
+          <p:cNvPr id="1027" name="Picture 3">
             <a:hlinkClick r:id="rId2" action="ppaction://hlinksldjump"/>
           </p:cNvPr>
           <p:cNvPicPr>
@@ -11297,8 +15006,8 @@
         </p:blipFill>
         <p:spPr bwMode="auto">
           <a:xfrm>
-            <a:off x="467545" y="476672"/>
-            <a:ext cx="8208912" cy="5904656"/>
+            <a:off x="611560" y="476672"/>
+            <a:ext cx="7874751" cy="5889848"/>
           </a:xfrm>
           <a:prstGeom prst="rect">
             <a:avLst/>
@@ -11341,7 +15050,7 @@
     </p:spTree>
     <p:extLst>
       <p:ext uri="{BB962C8B-B14F-4D97-AF65-F5344CB8AC3E}">
-        <p14:creationId xmlns:p14="http://schemas.microsoft.com/office/powerpoint/2010/main" val="841682838"/>
+        <p14:creationId xmlns:p14="http://schemas.microsoft.com/office/powerpoint/2010/main" val="4186958274"/>
       </p:ext>
     </p:extLst>
   </p:cSld>
@@ -11422,7 +15131,7 @@
       </p:sp>
       <p:pic>
         <p:nvPicPr>
-          <p:cNvPr id="4097" name="Picture 1">
+          <p:cNvPr id="2050" name="Picture 2">
             <a:hlinkClick r:id="rId2" action="ppaction://hlinksldjump"/>
           </p:cNvPr>
           <p:cNvPicPr>
@@ -11430,7 +15139,7 @@
           </p:cNvPicPr>
           <p:nvPr/>
         </p:nvPicPr>
-        <p:blipFill rotWithShape="1">
+        <p:blipFill>
           <a:blip r:embed="rId3">
             <a:extLst>
               <a:ext uri="{28A0092B-C50C-407E-A947-70E740481C1C}">
@@ -11438,13 +15147,15 @@
               </a:ext>
             </a:extLst>
           </a:blip>
-          <a:srcRect r="61849" b="46428"/>
-          <a:stretch/>
+          <a:srcRect/>
+          <a:stretch>
+            <a:fillRect/>
+          </a:stretch>
         </p:blipFill>
         <p:spPr bwMode="auto">
           <a:xfrm>
-            <a:off x="683568" y="772390"/>
-            <a:ext cx="7632848" cy="5571145"/>
+            <a:off x="467545" y="476672"/>
+            <a:ext cx="8208912" cy="5904656"/>
           </a:xfrm>
           <a:prstGeom prst="rect">
             <a:avLst/>
@@ -11487,7 +15198,7 @@
     </p:spTree>
     <p:extLst>
       <p:ext uri="{BB962C8B-B14F-4D97-AF65-F5344CB8AC3E}">
-        <p14:creationId xmlns:p14="http://schemas.microsoft.com/office/powerpoint/2010/main" val="494646832"/>
+        <p14:creationId xmlns:p14="http://schemas.microsoft.com/office/powerpoint/2010/main" val="841682838"/>
       </p:ext>
     </p:extLst>
   </p:cSld>
@@ -11787,4 +15498,47 @@
   <a:objectDefaults/>
   <a:extraClrSchemeLst/>
 </a:theme>
+</file>
+
+<file path=ppt/theme/themeOverride1.xml><?xml version="1.0" encoding="utf-8"?>
+<a:themeOverride xmlns:a="http://schemas.openxmlformats.org/drawingml/2006/main">
+  <a:clrScheme name="Office">
+    <a:dk1>
+      <a:sysClr val="windowText" lastClr="000000"/>
+    </a:dk1>
+    <a:lt1>
+      <a:sysClr val="window" lastClr="FFFFFF"/>
+    </a:lt1>
+    <a:dk2>
+      <a:srgbClr val="1F497D"/>
+    </a:dk2>
+    <a:lt2>
+      <a:srgbClr val="EEECE1"/>
+    </a:lt2>
+    <a:accent1>
+      <a:srgbClr val="4F81BD"/>
+    </a:accent1>
+    <a:accent2>
+      <a:srgbClr val="C0504D"/>
+    </a:accent2>
+    <a:accent3>
+      <a:srgbClr val="9BBB59"/>
+    </a:accent3>
+    <a:accent4>
+      <a:srgbClr val="8064A2"/>
+    </a:accent4>
+    <a:accent5>
+      <a:srgbClr val="4BACC6"/>
+    </a:accent5>
+    <a:accent6>
+      <a:srgbClr val="F79646"/>
+    </a:accent6>
+    <a:hlink>
+      <a:srgbClr val="0000FF"/>
+    </a:hlink>
+    <a:folHlink>
+      <a:srgbClr val="800080"/>
+    </a:folHlink>
+  </a:clrScheme>
+</a:themeOverride>
 </file>